--- a/20240524/Ansibleについて知ろう.pptx
+++ b/20240524/Ansibleについて知ろう.pptx
@@ -1229,7 +1229,7 @@
           <a:p>
             <a:fld id="{B5C59BA4-7C1B-4DE2-B397-F366871A932A}" type="datetimeFigureOut">
               <a:rPr kumimoji="1" lang="ja-JP" altLang="en-US" smtClean="0"/>
-              <a:t>2024/5/2</a:t>
+              <a:t>2024/5/12</a:t>
             </a:fld>
             <a:endParaRPr kumimoji="1" lang="ja-JP" altLang="en-US"/>
           </a:p>
@@ -6262,7 +6262,7 @@
           <a:p>
             <a:r>
               <a:rPr kumimoji="1" lang="ja-JP" altLang="en-US" sz="2400" dirty="0"/>
-              <a:t>動作環境：</a:t>
+              <a:t>動作環境：実行側には、</a:t>
             </a:r>
             <a:r>
               <a:rPr kumimoji="1" lang="en-US" altLang="ja-JP" sz="2400" dirty="0"/>
@@ -6318,7 +6318,7 @@
             </a:r>
             <a:r>
               <a:rPr kumimoji="1" lang="ja-JP" altLang="en-US" sz="2400" dirty="0"/>
-              <a:t>は不可</a:t>
+              <a:t>はサポートがないので注意</a:t>
             </a:r>
             <a:r>
               <a:rPr kumimoji="1" lang="en-US" altLang="ja-JP" sz="2400" dirty="0"/>
@@ -6429,7 +6429,15 @@
           <a:p>
             <a:r>
               <a:rPr kumimoji="1" lang="ja-JP" altLang="en-US" sz="2400" dirty="0"/>
-              <a:t>エージェントのインストール：不要</a:t>
+              <a:t>処理対象へのエージェントのインストール：不要、実行側に</a:t>
+            </a:r>
+            <a:r>
+              <a:rPr kumimoji="1" lang="en-US" altLang="ja-JP" sz="2400" dirty="0"/>
+              <a:t>Ansible</a:t>
+            </a:r>
+            <a:r>
+              <a:rPr kumimoji="1" lang="ja-JP" altLang="en-US" sz="2400" dirty="0"/>
+              <a:t>をインストールすれば使用可能</a:t>
             </a:r>
             <a:endParaRPr kumimoji="1" lang="en-US" altLang="ja-JP" sz="2400" dirty="0"/>
           </a:p>
@@ -8313,15 +8321,6 @@
 </file>
 
 <file path=customXml/item1.xml><?xml version="1.0" encoding="utf-8"?>
-<?mso-contentType ?>
-<FormTemplates xmlns="http://schemas.microsoft.com/sharepoint/v3/contenttype/forms">
-  <Display>DocumentLibraryForm</Display>
-  <Edit>DocumentLibraryForm</Edit>
-  <New>DocumentLibraryForm</New>
-</FormTemplates>
-</file>
-
-<file path=customXml/item2.xml><?xml version="1.0" encoding="utf-8"?>
 <p:properties xmlns:p="http://schemas.microsoft.com/office/2006/metadata/properties" xmlns:xsi="http://www.w3.org/2001/XMLSchema-instance" xmlns:pc="http://schemas.microsoft.com/office/infopath/2007/PartnerControls">
   <documentManagement>
     <SharedWithUsers xmlns="dda6833c-0046-4f8f-9c83-6e1ad4a6ae00">
@@ -8333,6 +8332,15 @@
     </SharedWithUsers>
   </documentManagement>
 </p:properties>
+</file>
+
+<file path=customXml/item2.xml><?xml version="1.0" encoding="utf-8"?>
+<?mso-contentType ?>
+<FormTemplates xmlns="http://schemas.microsoft.com/sharepoint/v3/contenttype/forms">
+  <Display>DocumentLibraryForm</Display>
+  <Edit>DocumentLibraryForm</Edit>
+  <New>DocumentLibraryForm</New>
+</FormTemplates>
 </file>
 
 <file path=customXml/item3.xml><?xml version="1.0" encoding="utf-8"?>
@@ -8515,19 +8523,19 @@
 </file>
 
 <file path=customXml/itemProps1.xml><?xml version="1.0" encoding="utf-8"?>
-<ds:datastoreItem xmlns:ds="http://schemas.openxmlformats.org/officeDocument/2006/customXml" ds:itemID="{AA5A7698-7A98-4CC4-9FFF-A34D3B1004C6}">
+<ds:datastoreItem xmlns:ds="http://schemas.openxmlformats.org/officeDocument/2006/customXml" ds:itemID="{AFD2C487-7431-40FA-A912-1148C9736568}">
   <ds:schemaRefs>
-    <ds:schemaRef ds:uri="http://schemas.microsoft.com/sharepoint/v3/contenttype/forms"/>
+    <ds:schemaRef ds:uri="http://schemas.microsoft.com/office/2006/metadata/properties"/>
+    <ds:schemaRef ds:uri="http://schemas.microsoft.com/office/infopath/2007/PartnerControls"/>
+    <ds:schemaRef ds:uri="dda6833c-0046-4f8f-9c83-6e1ad4a6ae00"/>
   </ds:schemaRefs>
 </ds:datastoreItem>
 </file>
 
 <file path=customXml/itemProps2.xml><?xml version="1.0" encoding="utf-8"?>
-<ds:datastoreItem xmlns:ds="http://schemas.openxmlformats.org/officeDocument/2006/customXml" ds:itemID="{AFD2C487-7431-40FA-A912-1148C9736568}">
+<ds:datastoreItem xmlns:ds="http://schemas.openxmlformats.org/officeDocument/2006/customXml" ds:itemID="{AA5A7698-7A98-4CC4-9FFF-A34D3B1004C6}">
   <ds:schemaRefs>
-    <ds:schemaRef ds:uri="http://schemas.microsoft.com/office/2006/metadata/properties"/>
-    <ds:schemaRef ds:uri="http://schemas.microsoft.com/office/infopath/2007/PartnerControls"/>
-    <ds:schemaRef ds:uri="dda6833c-0046-4f8f-9c83-6e1ad4a6ae00"/>
+    <ds:schemaRef ds:uri="http://schemas.microsoft.com/sharepoint/v3/contenttype/forms"/>
   </ds:schemaRefs>
 </ds:datastoreItem>
 </file>

--- a/20240524/Ansibleについて知ろう.pptx
+++ b/20240524/Ansibleについて知ろう.pptx
@@ -1229,7 +1229,7 @@
           <a:p>
             <a:fld id="{B5C59BA4-7C1B-4DE2-B397-F366871A932A}" type="datetimeFigureOut">
               <a:rPr kumimoji="1" lang="ja-JP" altLang="en-US" smtClean="0"/>
-              <a:t>2024/5/12</a:t>
+              <a:t>2024/5/14</a:t>
             </a:fld>
             <a:endParaRPr kumimoji="1" lang="ja-JP" altLang="en-US"/>
           </a:p>
@@ -4882,7 +4882,7 @@
             </a:r>
             <a:r>
               <a:rPr kumimoji="1" lang="ja-JP" altLang="en-US" sz="2400" dirty="0"/>
-              <a:t>セレクション：処理の対象になる管理対象ノードや設定を指定する</a:t>
+              <a:t>セクション：処理の対象になる管理対象ノードや設定を指定する</a:t>
             </a:r>
             <a:endParaRPr kumimoji="1" lang="en-US" altLang="ja-JP" sz="2400" dirty="0"/>
           </a:p>
@@ -8321,6 +8321,15 @@
 </file>
 
 <file path=customXml/item1.xml><?xml version="1.0" encoding="utf-8"?>
+<?mso-contentType ?>
+<FormTemplates xmlns="http://schemas.microsoft.com/sharepoint/v3/contenttype/forms">
+  <Display>DocumentLibraryForm</Display>
+  <Edit>DocumentLibraryForm</Edit>
+  <New>DocumentLibraryForm</New>
+</FormTemplates>
+</file>
+
+<file path=customXml/item2.xml><?xml version="1.0" encoding="utf-8"?>
 <p:properties xmlns:p="http://schemas.microsoft.com/office/2006/metadata/properties" xmlns:xsi="http://www.w3.org/2001/XMLSchema-instance" xmlns:pc="http://schemas.microsoft.com/office/infopath/2007/PartnerControls">
   <documentManagement>
     <SharedWithUsers xmlns="dda6833c-0046-4f8f-9c83-6e1ad4a6ae00">
@@ -8332,15 +8341,6 @@
     </SharedWithUsers>
   </documentManagement>
 </p:properties>
-</file>
-
-<file path=customXml/item2.xml><?xml version="1.0" encoding="utf-8"?>
-<?mso-contentType ?>
-<FormTemplates xmlns="http://schemas.microsoft.com/sharepoint/v3/contenttype/forms">
-  <Display>DocumentLibraryForm</Display>
-  <Edit>DocumentLibraryForm</Edit>
-  <New>DocumentLibraryForm</New>
-</FormTemplates>
 </file>
 
 <file path=customXml/item3.xml><?xml version="1.0" encoding="utf-8"?>
@@ -8523,19 +8523,19 @@
 </file>
 
 <file path=customXml/itemProps1.xml><?xml version="1.0" encoding="utf-8"?>
+<ds:datastoreItem xmlns:ds="http://schemas.openxmlformats.org/officeDocument/2006/customXml" ds:itemID="{AA5A7698-7A98-4CC4-9FFF-A34D3B1004C6}">
+  <ds:schemaRefs>
+    <ds:schemaRef ds:uri="http://schemas.microsoft.com/sharepoint/v3/contenttype/forms"/>
+  </ds:schemaRefs>
+</ds:datastoreItem>
+</file>
+
+<file path=customXml/itemProps2.xml><?xml version="1.0" encoding="utf-8"?>
 <ds:datastoreItem xmlns:ds="http://schemas.openxmlformats.org/officeDocument/2006/customXml" ds:itemID="{AFD2C487-7431-40FA-A912-1148C9736568}">
   <ds:schemaRefs>
     <ds:schemaRef ds:uri="http://schemas.microsoft.com/office/2006/metadata/properties"/>
     <ds:schemaRef ds:uri="http://schemas.microsoft.com/office/infopath/2007/PartnerControls"/>
     <ds:schemaRef ds:uri="dda6833c-0046-4f8f-9c83-6e1ad4a6ae00"/>
-  </ds:schemaRefs>
-</ds:datastoreItem>
-</file>
-
-<file path=customXml/itemProps2.xml><?xml version="1.0" encoding="utf-8"?>
-<ds:datastoreItem xmlns:ds="http://schemas.openxmlformats.org/officeDocument/2006/customXml" ds:itemID="{AA5A7698-7A98-4CC4-9FFF-A34D3B1004C6}">
-  <ds:schemaRefs>
-    <ds:schemaRef ds:uri="http://schemas.microsoft.com/sharepoint/v3/contenttype/forms"/>
   </ds:schemaRefs>
 </ds:datastoreItem>
 </file>

--- a/20240524/Ansibleについて知ろう.pptx
+++ b/20240524/Ansibleについて知ろう.pptx
@@ -1229,7 +1229,7 @@
           <a:p>
             <a:fld id="{B5C59BA4-7C1B-4DE2-B397-F366871A932A}" type="datetimeFigureOut">
               <a:rPr kumimoji="1" lang="ja-JP" altLang="en-US" smtClean="0"/>
-              <a:t>2024/5/14</a:t>
+              <a:t>2024/5/15</a:t>
             </a:fld>
             <a:endParaRPr kumimoji="1" lang="ja-JP" altLang="en-US"/>
           </a:p>
@@ -4964,7 +4964,7 @@
             </a:r>
             <a:r>
               <a:rPr kumimoji="1" lang="ja-JP" altLang="en-US" sz="2400" dirty="0"/>
-              <a:t>アクションの実行状況により、実行・未実行になる</a:t>
+              <a:t>セクションの実行状況により、実行・未実行になる</a:t>
             </a:r>
             <a:endParaRPr kumimoji="1" lang="en-US" altLang="ja-JP" sz="2400" dirty="0"/>
           </a:p>
@@ -5409,17 +5409,6 @@
             <a:r>
               <a:rPr kumimoji="1" lang="ja-JP" altLang="en-US" dirty="0"/>
               <a:t>の基本</a:t>
-            </a:r>
-            <a:endParaRPr kumimoji="1" lang="en-US" altLang="ja-JP" dirty="0"/>
-          </a:p>
-          <a:p>
-            <a:pPr marL="514350" indent="-514350">
-              <a:buFont typeface="+mj-lt"/>
-              <a:buAutoNum type="arabicPeriod"/>
-            </a:pPr>
-            <a:r>
-              <a:rPr kumimoji="1" lang="ja-JP" altLang="en-US" dirty="0"/>
-              <a:t>まとめ</a:t>
             </a:r>
             <a:endParaRPr kumimoji="1" lang="en-US" altLang="ja-JP" dirty="0"/>
           </a:p>
@@ -8321,15 +8310,6 @@
 </file>
 
 <file path=customXml/item1.xml><?xml version="1.0" encoding="utf-8"?>
-<?mso-contentType ?>
-<FormTemplates xmlns="http://schemas.microsoft.com/sharepoint/v3/contenttype/forms">
-  <Display>DocumentLibraryForm</Display>
-  <Edit>DocumentLibraryForm</Edit>
-  <New>DocumentLibraryForm</New>
-</FormTemplates>
-</file>
-
-<file path=customXml/item2.xml><?xml version="1.0" encoding="utf-8"?>
 <p:properties xmlns:p="http://schemas.microsoft.com/office/2006/metadata/properties" xmlns:xsi="http://www.w3.org/2001/XMLSchema-instance" xmlns:pc="http://schemas.microsoft.com/office/infopath/2007/PartnerControls">
   <documentManagement>
     <SharedWithUsers xmlns="dda6833c-0046-4f8f-9c83-6e1ad4a6ae00">
@@ -8341,6 +8321,15 @@
     </SharedWithUsers>
   </documentManagement>
 </p:properties>
+</file>
+
+<file path=customXml/item2.xml><?xml version="1.0" encoding="utf-8"?>
+<?mso-contentType ?>
+<FormTemplates xmlns="http://schemas.microsoft.com/sharepoint/v3/contenttype/forms">
+  <Display>DocumentLibraryForm</Display>
+  <Edit>DocumentLibraryForm</Edit>
+  <New>DocumentLibraryForm</New>
+</FormTemplates>
 </file>
 
 <file path=customXml/item3.xml><?xml version="1.0" encoding="utf-8"?>
@@ -8523,19 +8512,19 @@
 </file>
 
 <file path=customXml/itemProps1.xml><?xml version="1.0" encoding="utf-8"?>
-<ds:datastoreItem xmlns:ds="http://schemas.openxmlformats.org/officeDocument/2006/customXml" ds:itemID="{AA5A7698-7A98-4CC4-9FFF-A34D3B1004C6}">
+<ds:datastoreItem xmlns:ds="http://schemas.openxmlformats.org/officeDocument/2006/customXml" ds:itemID="{AFD2C487-7431-40FA-A912-1148C9736568}">
   <ds:schemaRefs>
-    <ds:schemaRef ds:uri="http://schemas.microsoft.com/sharepoint/v3/contenttype/forms"/>
+    <ds:schemaRef ds:uri="http://schemas.microsoft.com/office/2006/metadata/properties"/>
+    <ds:schemaRef ds:uri="http://schemas.microsoft.com/office/infopath/2007/PartnerControls"/>
+    <ds:schemaRef ds:uri="dda6833c-0046-4f8f-9c83-6e1ad4a6ae00"/>
   </ds:schemaRefs>
 </ds:datastoreItem>
 </file>
 
 <file path=customXml/itemProps2.xml><?xml version="1.0" encoding="utf-8"?>
-<ds:datastoreItem xmlns:ds="http://schemas.openxmlformats.org/officeDocument/2006/customXml" ds:itemID="{AFD2C487-7431-40FA-A912-1148C9736568}">
+<ds:datastoreItem xmlns:ds="http://schemas.openxmlformats.org/officeDocument/2006/customXml" ds:itemID="{AA5A7698-7A98-4CC4-9FFF-A34D3B1004C6}">
   <ds:schemaRefs>
-    <ds:schemaRef ds:uri="http://schemas.microsoft.com/office/2006/metadata/properties"/>
-    <ds:schemaRef ds:uri="http://schemas.microsoft.com/office/infopath/2007/PartnerControls"/>
-    <ds:schemaRef ds:uri="dda6833c-0046-4f8f-9c83-6e1ad4a6ae00"/>
+    <ds:schemaRef ds:uri="http://schemas.microsoft.com/sharepoint/v3/contenttype/forms"/>
   </ds:schemaRefs>
 </ds:datastoreItem>
 </file>

--- a/20240524/Ansibleについて知ろう.pptx
+++ b/20240524/Ansibleについて知ろう.pptx
@@ -5,10 +5,10 @@
     <p:sldMasterId id="2147483648" r:id="rId4"/>
   </p:sldMasterIdLst>
   <p:notesMasterIdLst>
-    <p:notesMasterId r:id="rId24"/>
+    <p:notesMasterId r:id="rId25"/>
   </p:notesMasterIdLst>
   <p:handoutMasterIdLst>
-    <p:handoutMasterId r:id="rId25"/>
+    <p:handoutMasterId r:id="rId26"/>
   </p:handoutMasterIdLst>
   <p:sldIdLst>
     <p:sldId id="270" r:id="rId5"/>
@@ -18,18 +18,19 @@
     <p:sldId id="280" r:id="rId9"/>
     <p:sldId id="318" r:id="rId10"/>
     <p:sldId id="332" r:id="rId11"/>
-    <p:sldId id="333" r:id="rId12"/>
-    <p:sldId id="334" r:id="rId13"/>
-    <p:sldId id="335" r:id="rId14"/>
-    <p:sldId id="336" r:id="rId15"/>
-    <p:sldId id="337" r:id="rId16"/>
-    <p:sldId id="338" r:id="rId17"/>
-    <p:sldId id="339" r:id="rId18"/>
-    <p:sldId id="340" r:id="rId19"/>
-    <p:sldId id="342" r:id="rId20"/>
-    <p:sldId id="341" r:id="rId21"/>
-    <p:sldId id="343" r:id="rId22"/>
-    <p:sldId id="331" r:id="rId23"/>
+    <p:sldId id="344" r:id="rId12"/>
+    <p:sldId id="333" r:id="rId13"/>
+    <p:sldId id="334" r:id="rId14"/>
+    <p:sldId id="335" r:id="rId15"/>
+    <p:sldId id="336" r:id="rId16"/>
+    <p:sldId id="337" r:id="rId17"/>
+    <p:sldId id="338" r:id="rId18"/>
+    <p:sldId id="339" r:id="rId19"/>
+    <p:sldId id="340" r:id="rId20"/>
+    <p:sldId id="342" r:id="rId21"/>
+    <p:sldId id="341" r:id="rId22"/>
+    <p:sldId id="343" r:id="rId23"/>
+    <p:sldId id="331" r:id="rId24"/>
   </p:sldIdLst>
   <p:sldSz cx="12192000" cy="6858000"/>
   <p:notesSz cx="6858000" cy="12192000"/>
@@ -1229,7 +1230,7 @@
           <a:p>
             <a:fld id="{B5C59BA4-7C1B-4DE2-B397-F366871A932A}" type="datetimeFigureOut">
               <a:rPr kumimoji="1" lang="ja-JP" altLang="en-US" smtClean="0"/>
-              <a:t>2024/5/15</a:t>
+              <a:t>2024/5/18</a:t>
             </a:fld>
             <a:endParaRPr kumimoji="1" lang="ja-JP" altLang="en-US"/>
           </a:p>
@@ -3024,3489 +3025,6 @@
           <a:lstStyle/>
           <a:p>
             <a:r>
-              <a:rPr kumimoji="1" lang="ja-JP" altLang="en-US" dirty="0"/>
-              <a:t>インベントリファイル</a:t>
-            </a:r>
-          </a:p>
-        </p:txBody>
-      </p:sp>
-      <p:sp>
-        <p:nvSpPr>
-          <p:cNvPr id="3" name="テキスト プレースホルダー 2">
-            <a:extLst>
-              <a:ext uri="{FF2B5EF4-FFF2-40B4-BE49-F238E27FC236}">
-                <a16:creationId xmlns:a16="http://schemas.microsoft.com/office/drawing/2014/main" id="{29BF031A-AEAA-42B7-997E-73DB24388A4D}"/>
-              </a:ext>
-            </a:extLst>
-          </p:cNvPr>
-          <p:cNvSpPr>
-            <a:spLocks noGrp="1"/>
-          </p:cNvSpPr>
-          <p:nvPr>
-            <p:ph type="body" sz="quarter" idx="10"/>
-          </p:nvPr>
-        </p:nvSpPr>
-        <p:spPr>
-          <a:xfrm>
-            <a:off x="222885" y="1015682"/>
-            <a:ext cx="11826875" cy="5700711"/>
-          </a:xfrm>
-        </p:spPr>
-        <p:txBody>
-          <a:bodyPr/>
-          <a:lstStyle/>
-          <a:p>
-            <a:r>
-              <a:rPr kumimoji="1" lang="en-US" altLang="ja-JP" sz="2400" dirty="0"/>
-              <a:t>Ansible</a:t>
-            </a:r>
-            <a:r>
-              <a:rPr kumimoji="1" lang="ja-JP" altLang="en-US" sz="2400" dirty="0"/>
-              <a:t>の処理対象のホストを記述する</a:t>
-            </a:r>
-            <a:endParaRPr kumimoji="1" lang="en-US" altLang="ja-JP" sz="2400" dirty="0"/>
-          </a:p>
-          <a:p>
-            <a:endParaRPr kumimoji="1" lang="en-US" altLang="ja-JP" sz="2400" dirty="0"/>
-          </a:p>
-          <a:p>
-            <a:r>
-              <a:rPr kumimoji="1" lang="ja-JP" altLang="en-US" sz="2400" dirty="0"/>
-              <a:t>ホスト同士の関係を元に記述する</a:t>
-            </a:r>
-            <a:endParaRPr kumimoji="1" lang="en-US" altLang="ja-JP" sz="2400" dirty="0"/>
-          </a:p>
-          <a:p>
-            <a:endParaRPr kumimoji="1" lang="en-US" altLang="ja-JP" sz="2400" dirty="0"/>
-          </a:p>
-          <a:p>
-            <a:r>
-              <a:rPr kumimoji="1" lang="ja-JP" altLang="en-US" sz="2400" dirty="0"/>
-              <a:t>実行コマンドで指定するか、</a:t>
-            </a:r>
-            <a:r>
-              <a:rPr kumimoji="1" lang="en-US" altLang="ja-JP" sz="2400" dirty="0" err="1"/>
-              <a:t>ansible.cfg</a:t>
-            </a:r>
-            <a:r>
-              <a:rPr kumimoji="1" lang="ja-JP" altLang="en-US" sz="2400" dirty="0"/>
-              <a:t>に設定することで、</a:t>
-            </a:r>
-            <a:r>
-              <a:rPr kumimoji="1" lang="en-US" altLang="ja-JP" sz="2400" dirty="0"/>
-              <a:t>Ansible</a:t>
-            </a:r>
-            <a:r>
-              <a:rPr kumimoji="1" lang="ja-JP" altLang="en-US" sz="2400" dirty="0"/>
-              <a:t>に読み込ませることができる</a:t>
-            </a:r>
-            <a:endParaRPr kumimoji="1" lang="en-US" altLang="ja-JP" sz="2400" dirty="0"/>
-          </a:p>
-          <a:p>
-            <a:endParaRPr kumimoji="1" lang="en-US" altLang="ja-JP" sz="2400" dirty="0"/>
-          </a:p>
-          <a:p>
-            <a:endParaRPr kumimoji="1" lang="en-US" altLang="ja-JP" sz="2400" dirty="0"/>
-          </a:p>
-          <a:p>
-            <a:endParaRPr kumimoji="1" lang="en-US" altLang="ja-JP" sz="2400" dirty="0"/>
-          </a:p>
-        </p:txBody>
-      </p:sp>
-    </p:spTree>
-    <p:extLst>
-      <p:ext uri="{BB962C8B-B14F-4D97-AF65-F5344CB8AC3E}">
-        <p14:creationId xmlns:p14="http://schemas.microsoft.com/office/powerpoint/2010/main" val="4224340065"/>
-      </p:ext>
-    </p:extLst>
-  </p:cSld>
-  <p:clrMapOvr>
-    <a:masterClrMapping/>
-  </p:clrMapOvr>
-</p:sld>
-</file>
-
-<file path=ppt/slides/slide11.xml><?xml version="1.0" encoding="utf-8"?>
-<p:sld xmlns:a="http://schemas.openxmlformats.org/drawingml/2006/main" xmlns:r="http://schemas.openxmlformats.org/officeDocument/2006/relationships" xmlns:p="http://schemas.openxmlformats.org/presentationml/2006/main">
-  <p:cSld>
-    <p:spTree>
-      <p:nvGrpSpPr>
-        <p:cNvPr id="1" name=""/>
-        <p:cNvGrpSpPr/>
-        <p:nvPr/>
-      </p:nvGrpSpPr>
-      <p:grpSpPr>
-        <a:xfrm>
-          <a:off x="0" y="0"/>
-          <a:ext cx="0" cy="0"/>
-          <a:chOff x="0" y="0"/>
-          <a:chExt cx="0" cy="0"/>
-        </a:xfrm>
-      </p:grpSpPr>
-      <p:sp>
-        <p:nvSpPr>
-          <p:cNvPr id="2" name="タイトル 1">
-            <a:extLst>
-              <a:ext uri="{FF2B5EF4-FFF2-40B4-BE49-F238E27FC236}">
-                <a16:creationId xmlns:a16="http://schemas.microsoft.com/office/drawing/2014/main" id="{375320BF-43D3-4AB2-9ED9-596839F1E352}"/>
-              </a:ext>
-            </a:extLst>
-          </p:cNvPr>
-          <p:cNvSpPr>
-            <a:spLocks noGrp="1"/>
-          </p:cNvSpPr>
-          <p:nvPr>
-            <p:ph type="title"/>
-          </p:nvPr>
-        </p:nvSpPr>
-        <p:spPr/>
-        <p:txBody>
-          <a:bodyPr>
-            <a:normAutofit fontScale="90000"/>
-          </a:bodyPr>
-          <a:lstStyle/>
-          <a:p>
-            <a:r>
-              <a:rPr kumimoji="1" lang="ja-JP" altLang="en-US" dirty="0"/>
-              <a:t>プレイブック</a:t>
-            </a:r>
-          </a:p>
-        </p:txBody>
-      </p:sp>
-      <p:sp>
-        <p:nvSpPr>
-          <p:cNvPr id="3" name="テキスト プレースホルダー 2">
-            <a:extLst>
-              <a:ext uri="{FF2B5EF4-FFF2-40B4-BE49-F238E27FC236}">
-                <a16:creationId xmlns:a16="http://schemas.microsoft.com/office/drawing/2014/main" id="{29BF031A-AEAA-42B7-997E-73DB24388A4D}"/>
-              </a:ext>
-            </a:extLst>
-          </p:cNvPr>
-          <p:cNvSpPr>
-            <a:spLocks noGrp="1"/>
-          </p:cNvSpPr>
-          <p:nvPr>
-            <p:ph type="body" sz="quarter" idx="10"/>
-          </p:nvPr>
-        </p:nvSpPr>
-        <p:spPr>
-          <a:xfrm>
-            <a:off x="222885" y="1015683"/>
-            <a:ext cx="11826875" cy="1776678"/>
-          </a:xfrm>
-        </p:spPr>
-        <p:txBody>
-          <a:bodyPr/>
-          <a:lstStyle/>
-          <a:p>
-            <a:r>
-              <a:rPr kumimoji="1" lang="en-US" altLang="ja-JP" sz="2400" dirty="0"/>
-              <a:t>Ansible</a:t>
-            </a:r>
-            <a:r>
-              <a:rPr kumimoji="1" lang="ja-JP" altLang="en-US" sz="2400" dirty="0"/>
-              <a:t>の処理手順を記述し、</a:t>
-            </a:r>
-            <a:r>
-              <a:rPr kumimoji="1" lang="en-US" altLang="ja-JP" sz="2400" dirty="0"/>
-              <a:t>Ansible</a:t>
-            </a:r>
-            <a:r>
-              <a:rPr kumimoji="1" lang="ja-JP" altLang="en-US" sz="2400" dirty="0"/>
-              <a:t>の処理のメインになる</a:t>
-            </a:r>
-            <a:endParaRPr kumimoji="1" lang="en-US" altLang="ja-JP" sz="2400" dirty="0"/>
-          </a:p>
-          <a:p>
-            <a:endParaRPr kumimoji="1" lang="en-US" altLang="ja-JP" sz="2400" dirty="0"/>
-          </a:p>
-          <a:p>
-            <a:r>
-              <a:rPr kumimoji="1" lang="ja-JP" altLang="en-US" sz="2400" dirty="0"/>
-              <a:t>処理は上から実行されるので、順番を考えてロジックを設計する必要がある</a:t>
-            </a:r>
-            <a:endParaRPr kumimoji="1" lang="en-US" altLang="ja-JP" sz="2400" dirty="0"/>
-          </a:p>
-          <a:p>
-            <a:endParaRPr kumimoji="1" lang="en-US" altLang="ja-JP" sz="2400" dirty="0"/>
-          </a:p>
-          <a:p>
-            <a:pPr marL="0" indent="0">
-              <a:buNone/>
-            </a:pPr>
-            <a:endParaRPr kumimoji="1" lang="en-US" altLang="ja-JP" sz="2400" dirty="0"/>
-          </a:p>
-        </p:txBody>
-      </p:sp>
-      <p:sp>
-        <p:nvSpPr>
-          <p:cNvPr id="4" name="正方形/長方形 3">
-            <a:extLst>
-              <a:ext uri="{FF2B5EF4-FFF2-40B4-BE49-F238E27FC236}">
-                <a16:creationId xmlns:a16="http://schemas.microsoft.com/office/drawing/2014/main" id="{602CDD5D-6FE1-30DF-B529-EDB0198FF799}"/>
-              </a:ext>
-            </a:extLst>
-          </p:cNvPr>
-          <p:cNvSpPr/>
-          <p:nvPr/>
-        </p:nvSpPr>
-        <p:spPr>
-          <a:xfrm>
-            <a:off x="4133272" y="2487561"/>
-            <a:ext cx="3925455" cy="4139381"/>
-          </a:xfrm>
-          <a:prstGeom prst="rect">
-            <a:avLst/>
-          </a:prstGeom>
-          <a:solidFill>
-            <a:schemeClr val="accent1">
-              <a:lumMod val="40000"/>
-              <a:lumOff val="60000"/>
-            </a:schemeClr>
-          </a:solidFill>
-        </p:spPr>
-        <p:style>
-          <a:lnRef idx="2">
-            <a:schemeClr val="accent1">
-              <a:shade val="15000"/>
-            </a:schemeClr>
-          </a:lnRef>
-          <a:fillRef idx="1">
-            <a:schemeClr val="accent1"/>
-          </a:fillRef>
-          <a:effectRef idx="0">
-            <a:schemeClr val="accent1"/>
-          </a:effectRef>
-          <a:fontRef idx="minor">
-            <a:schemeClr val="lt1"/>
-          </a:fontRef>
-        </p:style>
-        <p:txBody>
-          <a:bodyPr rtlCol="0" anchor="ctr"/>
-          <a:lstStyle/>
-          <a:p>
-            <a:pPr algn="ctr"/>
-            <a:endParaRPr kumimoji="1" lang="ja-JP" altLang="en-US" dirty="0"/>
-          </a:p>
-        </p:txBody>
-      </p:sp>
-      <p:sp>
-        <p:nvSpPr>
-          <p:cNvPr id="5" name="テキスト ボックス 4">
-            <a:extLst>
-              <a:ext uri="{FF2B5EF4-FFF2-40B4-BE49-F238E27FC236}">
-                <a16:creationId xmlns:a16="http://schemas.microsoft.com/office/drawing/2014/main" id="{23C026B5-3A64-9CB1-8DE4-2274299DC028}"/>
-              </a:ext>
-            </a:extLst>
-          </p:cNvPr>
-          <p:cNvSpPr txBox="1"/>
-          <p:nvPr/>
-        </p:nvSpPr>
-        <p:spPr>
-          <a:xfrm>
-            <a:off x="4257368" y="2635045"/>
-            <a:ext cx="2153264" cy="369332"/>
-          </a:xfrm>
-          <a:prstGeom prst="rect">
-            <a:avLst/>
-          </a:prstGeom>
-          <a:noFill/>
-        </p:spPr>
-        <p:txBody>
-          <a:bodyPr wrap="square" rtlCol="0">
-            <a:spAutoFit/>
-          </a:bodyPr>
-          <a:lstStyle/>
-          <a:p>
-            <a:r>
-              <a:rPr kumimoji="1" lang="en-US" altLang="ja-JP" dirty="0"/>
-              <a:t>Playbook_test001</a:t>
-            </a:r>
-            <a:endParaRPr kumimoji="1" lang="ja-JP" altLang="en-US" dirty="0"/>
-          </a:p>
-        </p:txBody>
-      </p:sp>
-      <p:sp>
-        <p:nvSpPr>
-          <p:cNvPr id="6" name="正方形/長方形 5">
-            <a:extLst>
-              <a:ext uri="{FF2B5EF4-FFF2-40B4-BE49-F238E27FC236}">
-                <a16:creationId xmlns:a16="http://schemas.microsoft.com/office/drawing/2014/main" id="{5897B74F-031F-E271-01F3-A11EB3499485}"/>
-              </a:ext>
-            </a:extLst>
-          </p:cNvPr>
-          <p:cNvSpPr/>
-          <p:nvPr/>
-        </p:nvSpPr>
-        <p:spPr>
-          <a:xfrm>
-            <a:off x="4793224" y="3151862"/>
-            <a:ext cx="2605549" cy="486074"/>
-          </a:xfrm>
-          <a:prstGeom prst="rect">
-            <a:avLst/>
-          </a:prstGeom>
-          <a:solidFill>
-            <a:schemeClr val="accent6"/>
-          </a:solidFill>
-        </p:spPr>
-        <p:style>
-          <a:lnRef idx="2">
-            <a:schemeClr val="accent1">
-              <a:shade val="15000"/>
-            </a:schemeClr>
-          </a:lnRef>
-          <a:fillRef idx="1">
-            <a:schemeClr val="accent1"/>
-          </a:fillRef>
-          <a:effectRef idx="0">
-            <a:schemeClr val="accent1"/>
-          </a:effectRef>
-          <a:fontRef idx="minor">
-            <a:schemeClr val="lt1"/>
-          </a:fontRef>
-        </p:style>
-        <p:txBody>
-          <a:bodyPr rtlCol="0" anchor="ctr"/>
-          <a:lstStyle/>
-          <a:p>
-            <a:pPr algn="ctr"/>
-            <a:r>
-              <a:rPr kumimoji="1" lang="en-US" altLang="ja-JP" dirty="0"/>
-              <a:t>Play_001</a:t>
-            </a:r>
-            <a:endParaRPr kumimoji="1" lang="ja-JP" altLang="en-US" dirty="0"/>
-          </a:p>
-        </p:txBody>
-      </p:sp>
-      <p:sp>
-        <p:nvSpPr>
-          <p:cNvPr id="7" name="正方形/長方形 6">
-            <a:extLst>
-              <a:ext uri="{FF2B5EF4-FFF2-40B4-BE49-F238E27FC236}">
-                <a16:creationId xmlns:a16="http://schemas.microsoft.com/office/drawing/2014/main" id="{8343F88B-1205-B72A-73A2-21F31C54AF76}"/>
-              </a:ext>
-            </a:extLst>
-          </p:cNvPr>
-          <p:cNvSpPr/>
-          <p:nvPr/>
-        </p:nvSpPr>
-        <p:spPr>
-          <a:xfrm>
-            <a:off x="4793223" y="3980540"/>
-            <a:ext cx="2605549" cy="486074"/>
-          </a:xfrm>
-          <a:prstGeom prst="rect">
-            <a:avLst/>
-          </a:prstGeom>
-          <a:solidFill>
-            <a:schemeClr val="accent6"/>
-          </a:solidFill>
-        </p:spPr>
-        <p:style>
-          <a:lnRef idx="2">
-            <a:schemeClr val="accent1">
-              <a:shade val="15000"/>
-            </a:schemeClr>
-          </a:lnRef>
-          <a:fillRef idx="1">
-            <a:schemeClr val="accent1"/>
-          </a:fillRef>
-          <a:effectRef idx="0">
-            <a:schemeClr val="accent1"/>
-          </a:effectRef>
-          <a:fontRef idx="minor">
-            <a:schemeClr val="lt1"/>
-          </a:fontRef>
-        </p:style>
-        <p:txBody>
-          <a:bodyPr rtlCol="0" anchor="ctr"/>
-          <a:lstStyle/>
-          <a:p>
-            <a:pPr algn="ctr"/>
-            <a:r>
-              <a:rPr kumimoji="1" lang="en-US" altLang="ja-JP" dirty="0"/>
-              <a:t>Play_002</a:t>
-            </a:r>
-            <a:endParaRPr kumimoji="1" lang="ja-JP" altLang="en-US" dirty="0"/>
-          </a:p>
-        </p:txBody>
-      </p:sp>
-      <p:sp>
-        <p:nvSpPr>
-          <p:cNvPr id="8" name="正方形/長方形 7">
-            <a:extLst>
-              <a:ext uri="{FF2B5EF4-FFF2-40B4-BE49-F238E27FC236}">
-                <a16:creationId xmlns:a16="http://schemas.microsoft.com/office/drawing/2014/main" id="{BA563BB7-5BA6-3AAC-473C-371A6D491D4A}"/>
-              </a:ext>
-            </a:extLst>
-          </p:cNvPr>
-          <p:cNvSpPr/>
-          <p:nvPr/>
-        </p:nvSpPr>
-        <p:spPr>
-          <a:xfrm>
-            <a:off x="4793222" y="4866777"/>
-            <a:ext cx="2605549" cy="486074"/>
-          </a:xfrm>
-          <a:prstGeom prst="rect">
-            <a:avLst/>
-          </a:prstGeom>
-          <a:solidFill>
-            <a:schemeClr val="accent6"/>
-          </a:solidFill>
-        </p:spPr>
-        <p:style>
-          <a:lnRef idx="2">
-            <a:schemeClr val="accent1">
-              <a:shade val="15000"/>
-            </a:schemeClr>
-          </a:lnRef>
-          <a:fillRef idx="1">
-            <a:schemeClr val="accent1"/>
-          </a:fillRef>
-          <a:effectRef idx="0">
-            <a:schemeClr val="accent1"/>
-          </a:effectRef>
-          <a:fontRef idx="minor">
-            <a:schemeClr val="lt1"/>
-          </a:fontRef>
-        </p:style>
-        <p:txBody>
-          <a:bodyPr rtlCol="0" anchor="ctr"/>
-          <a:lstStyle/>
-          <a:p>
-            <a:pPr algn="ctr"/>
-            <a:r>
-              <a:rPr kumimoji="1" lang="en-US" altLang="ja-JP" dirty="0"/>
-              <a:t>Play_003</a:t>
-            </a:r>
-            <a:endParaRPr kumimoji="1" lang="ja-JP" altLang="en-US" dirty="0"/>
-          </a:p>
-        </p:txBody>
-      </p:sp>
-    </p:spTree>
-    <p:extLst>
-      <p:ext uri="{BB962C8B-B14F-4D97-AF65-F5344CB8AC3E}">
-        <p14:creationId xmlns:p14="http://schemas.microsoft.com/office/powerpoint/2010/main" val="1095149888"/>
-      </p:ext>
-    </p:extLst>
-  </p:cSld>
-  <p:clrMapOvr>
-    <a:masterClrMapping/>
-  </p:clrMapOvr>
-</p:sld>
-</file>
-
-<file path=ppt/slides/slide12.xml><?xml version="1.0" encoding="utf-8"?>
-<p:sld xmlns:a="http://schemas.openxmlformats.org/drawingml/2006/main" xmlns:r="http://schemas.openxmlformats.org/officeDocument/2006/relationships" xmlns:p="http://schemas.openxmlformats.org/presentationml/2006/main">
-  <p:cSld>
-    <p:spTree>
-      <p:nvGrpSpPr>
-        <p:cNvPr id="1" name=""/>
-        <p:cNvGrpSpPr/>
-        <p:nvPr/>
-      </p:nvGrpSpPr>
-      <p:grpSpPr>
-        <a:xfrm>
-          <a:off x="0" y="0"/>
-          <a:ext cx="0" cy="0"/>
-          <a:chOff x="0" y="0"/>
-          <a:chExt cx="0" cy="0"/>
-        </a:xfrm>
-      </p:grpSpPr>
-      <p:sp>
-        <p:nvSpPr>
-          <p:cNvPr id="2" name="タイトル 1">
-            <a:extLst>
-              <a:ext uri="{FF2B5EF4-FFF2-40B4-BE49-F238E27FC236}">
-                <a16:creationId xmlns:a16="http://schemas.microsoft.com/office/drawing/2014/main" id="{375320BF-43D3-4AB2-9ED9-596839F1E352}"/>
-              </a:ext>
-            </a:extLst>
-          </p:cNvPr>
-          <p:cNvSpPr>
-            <a:spLocks noGrp="1"/>
-          </p:cNvSpPr>
-          <p:nvPr>
-            <p:ph type="title"/>
-          </p:nvPr>
-        </p:nvSpPr>
-        <p:spPr/>
-        <p:txBody>
-          <a:bodyPr>
-            <a:normAutofit fontScale="90000"/>
-          </a:bodyPr>
-          <a:lstStyle/>
-          <a:p>
-            <a:r>
-              <a:rPr kumimoji="1" lang="ja-JP" altLang="en-US" dirty="0"/>
-              <a:t>モジュール</a:t>
-            </a:r>
-          </a:p>
-        </p:txBody>
-      </p:sp>
-      <p:sp>
-        <p:nvSpPr>
-          <p:cNvPr id="3" name="テキスト プレースホルダー 2">
-            <a:extLst>
-              <a:ext uri="{FF2B5EF4-FFF2-40B4-BE49-F238E27FC236}">
-                <a16:creationId xmlns:a16="http://schemas.microsoft.com/office/drawing/2014/main" id="{29BF031A-AEAA-42B7-997E-73DB24388A4D}"/>
-              </a:ext>
-            </a:extLst>
-          </p:cNvPr>
-          <p:cNvSpPr>
-            <a:spLocks noGrp="1"/>
-          </p:cNvSpPr>
-          <p:nvPr>
-            <p:ph type="body" sz="quarter" idx="10"/>
-          </p:nvPr>
-        </p:nvSpPr>
-        <p:spPr>
-          <a:xfrm>
-            <a:off x="222885" y="1015682"/>
-            <a:ext cx="11826875" cy="3281015"/>
-          </a:xfrm>
-        </p:spPr>
-        <p:txBody>
-          <a:bodyPr/>
-          <a:lstStyle/>
-          <a:p>
-            <a:r>
-              <a:rPr kumimoji="1" lang="ja-JP" altLang="en-US" sz="2400" dirty="0"/>
-              <a:t>プレイブックを構成する最小単位で、引数に値を渡さないと機能しない</a:t>
-            </a:r>
-            <a:endParaRPr kumimoji="1" lang="en-US" altLang="ja-JP" sz="2400" dirty="0"/>
-          </a:p>
-          <a:p>
-            <a:endParaRPr kumimoji="1" lang="en-US" altLang="ja-JP" sz="2400" dirty="0"/>
-          </a:p>
-          <a:p>
-            <a:r>
-              <a:rPr kumimoji="1" lang="ja-JP" altLang="en-US" sz="2400" dirty="0"/>
-              <a:t>管理対象ノードでリソース制御やシステムコマンドが実行され、結果が戻り値として取得される</a:t>
-            </a:r>
-            <a:endParaRPr kumimoji="1" lang="en-US" altLang="ja-JP" sz="2400" dirty="0"/>
-          </a:p>
-          <a:p>
-            <a:endParaRPr kumimoji="1" lang="en-US" altLang="ja-JP" sz="2400" dirty="0"/>
-          </a:p>
-          <a:p>
-            <a:r>
-              <a:rPr kumimoji="1" lang="en-US" altLang="ja-JP" sz="2400" b="1" dirty="0">
-                <a:solidFill>
-                  <a:srgbClr val="FF0000"/>
-                </a:solidFill>
-              </a:rPr>
-              <a:t>Ansible</a:t>
-            </a:r>
-            <a:r>
-              <a:rPr kumimoji="1" lang="ja-JP" altLang="en-US" sz="2400" b="1" dirty="0">
-                <a:solidFill>
-                  <a:srgbClr val="FF0000"/>
-                </a:solidFill>
-              </a:rPr>
-              <a:t>には多くのモジュールが用意されており、それから実行したい処理を選んでいくのが基本</a:t>
-            </a:r>
-            <a:r>
-              <a:rPr kumimoji="1" lang="en-US" altLang="ja-JP" sz="2400" b="1" dirty="0">
-                <a:solidFill>
-                  <a:srgbClr val="FF0000"/>
-                </a:solidFill>
-              </a:rPr>
-              <a:t>(</a:t>
-            </a:r>
-            <a:r>
-              <a:rPr kumimoji="1" lang="en-US" altLang="ja-JP" sz="2400" b="1" dirty="0">
-                <a:solidFill>
-                  <a:srgbClr val="FF0000"/>
-                </a:solidFill>
-                <a:hlinkClick r:id="rId2"/>
-              </a:rPr>
-              <a:t>Index of all Modules</a:t>
-            </a:r>
-            <a:r>
-              <a:rPr kumimoji="1" lang="en-US" altLang="ja-JP" sz="2400" b="1" dirty="0">
-                <a:solidFill>
-                  <a:srgbClr val="FF0000"/>
-                </a:solidFill>
-              </a:rPr>
-              <a:t>)</a:t>
-            </a:r>
-          </a:p>
-          <a:p>
-            <a:pPr marL="0" indent="0">
-              <a:buNone/>
-            </a:pPr>
-            <a:endParaRPr kumimoji="1" lang="en-US" altLang="ja-JP" sz="2400" b="1" dirty="0">
-              <a:solidFill>
-                <a:srgbClr val="FF0000"/>
-              </a:solidFill>
-            </a:endParaRPr>
-          </a:p>
-        </p:txBody>
-      </p:sp>
-      <p:sp>
-        <p:nvSpPr>
-          <p:cNvPr id="4" name="正方形/長方形 3">
-            <a:extLst>
-              <a:ext uri="{FF2B5EF4-FFF2-40B4-BE49-F238E27FC236}">
-                <a16:creationId xmlns:a16="http://schemas.microsoft.com/office/drawing/2014/main" id="{4C7ECE17-5E10-D45E-ED33-DB16497EAE8D}"/>
-              </a:ext>
-            </a:extLst>
-          </p:cNvPr>
-          <p:cNvSpPr/>
-          <p:nvPr/>
-        </p:nvSpPr>
-        <p:spPr>
-          <a:xfrm>
-            <a:off x="4173594" y="4701309"/>
-            <a:ext cx="3925455" cy="1366982"/>
-          </a:xfrm>
-          <a:prstGeom prst="rect">
-            <a:avLst/>
-          </a:prstGeom>
-        </p:spPr>
-        <p:style>
-          <a:lnRef idx="2">
-            <a:schemeClr val="accent1">
-              <a:shade val="15000"/>
-            </a:schemeClr>
-          </a:lnRef>
-          <a:fillRef idx="1">
-            <a:schemeClr val="accent1"/>
-          </a:fillRef>
-          <a:effectRef idx="0">
-            <a:schemeClr val="accent1"/>
-          </a:effectRef>
-          <a:fontRef idx="minor">
-            <a:schemeClr val="lt1"/>
-          </a:fontRef>
-        </p:style>
-        <p:txBody>
-          <a:bodyPr rtlCol="0" anchor="ctr"/>
-          <a:lstStyle/>
-          <a:p>
-            <a:pPr algn="ctr"/>
-            <a:r>
-              <a:rPr kumimoji="1" lang="en-US" altLang="ja-JP" dirty="0"/>
-              <a:t>Module</a:t>
-            </a:r>
-            <a:endParaRPr kumimoji="1" lang="ja-JP" altLang="en-US" dirty="0"/>
-          </a:p>
-        </p:txBody>
-      </p:sp>
-    </p:spTree>
-    <p:extLst>
-      <p:ext uri="{BB962C8B-B14F-4D97-AF65-F5344CB8AC3E}">
-        <p14:creationId xmlns:p14="http://schemas.microsoft.com/office/powerpoint/2010/main" val="3453139196"/>
-      </p:ext>
-    </p:extLst>
-  </p:cSld>
-  <p:clrMapOvr>
-    <a:masterClrMapping/>
-  </p:clrMapOvr>
-</p:sld>
-</file>
-
-<file path=ppt/slides/slide13.xml><?xml version="1.0" encoding="utf-8"?>
-<p:sld xmlns:a="http://schemas.openxmlformats.org/drawingml/2006/main" xmlns:r="http://schemas.openxmlformats.org/officeDocument/2006/relationships" xmlns:p="http://schemas.openxmlformats.org/presentationml/2006/main">
-  <p:cSld>
-    <p:spTree>
-      <p:nvGrpSpPr>
-        <p:cNvPr id="1" name=""/>
-        <p:cNvGrpSpPr/>
-        <p:nvPr/>
-      </p:nvGrpSpPr>
-      <p:grpSpPr>
-        <a:xfrm>
-          <a:off x="0" y="0"/>
-          <a:ext cx="0" cy="0"/>
-          <a:chOff x="0" y="0"/>
-          <a:chExt cx="0" cy="0"/>
-        </a:xfrm>
-      </p:grpSpPr>
-      <p:sp>
-        <p:nvSpPr>
-          <p:cNvPr id="2" name="タイトル 1">
-            <a:extLst>
-              <a:ext uri="{FF2B5EF4-FFF2-40B4-BE49-F238E27FC236}">
-                <a16:creationId xmlns:a16="http://schemas.microsoft.com/office/drawing/2014/main" id="{375320BF-43D3-4AB2-9ED9-596839F1E352}"/>
-              </a:ext>
-            </a:extLst>
-          </p:cNvPr>
-          <p:cNvSpPr>
-            <a:spLocks noGrp="1"/>
-          </p:cNvSpPr>
-          <p:nvPr>
-            <p:ph type="title"/>
-          </p:nvPr>
-        </p:nvSpPr>
-        <p:spPr/>
-        <p:txBody>
-          <a:bodyPr>
-            <a:normAutofit fontScale="90000"/>
-          </a:bodyPr>
-          <a:lstStyle/>
-          <a:p>
-            <a:r>
-              <a:rPr kumimoji="1" lang="ja-JP" altLang="en-US" dirty="0"/>
-              <a:t>タスク</a:t>
-            </a:r>
-          </a:p>
-        </p:txBody>
-      </p:sp>
-      <p:sp>
-        <p:nvSpPr>
-          <p:cNvPr id="3" name="テキスト プレースホルダー 2">
-            <a:extLst>
-              <a:ext uri="{FF2B5EF4-FFF2-40B4-BE49-F238E27FC236}">
-                <a16:creationId xmlns:a16="http://schemas.microsoft.com/office/drawing/2014/main" id="{29BF031A-AEAA-42B7-997E-73DB24388A4D}"/>
-              </a:ext>
-            </a:extLst>
-          </p:cNvPr>
-          <p:cNvSpPr>
-            <a:spLocks noGrp="1"/>
-          </p:cNvSpPr>
-          <p:nvPr>
-            <p:ph type="body" sz="quarter" idx="10"/>
-          </p:nvPr>
-        </p:nvSpPr>
-        <p:spPr>
-          <a:xfrm>
-            <a:off x="222885" y="1015683"/>
-            <a:ext cx="11826875" cy="2413318"/>
-          </a:xfrm>
-        </p:spPr>
-        <p:txBody>
-          <a:bodyPr/>
-          <a:lstStyle/>
-          <a:p>
-            <a:r>
-              <a:rPr kumimoji="1" lang="ja-JP" altLang="en-US" sz="2400" dirty="0"/>
-              <a:t>モジュールに引数を設定して実行可能にしたもの</a:t>
-            </a:r>
-            <a:endParaRPr kumimoji="1" lang="en-US" altLang="ja-JP" sz="2400" dirty="0"/>
-          </a:p>
-          <a:p>
-            <a:endParaRPr kumimoji="1" lang="en-US" altLang="ja-JP" sz="2400" dirty="0"/>
-          </a:p>
-          <a:p>
-            <a:r>
-              <a:rPr kumimoji="1" lang="ja-JP" altLang="en-US" sz="2400" dirty="0"/>
-              <a:t>固有の「タスク名」を設定する</a:t>
-            </a:r>
-            <a:endParaRPr kumimoji="1" lang="en-US" altLang="ja-JP" sz="2400" dirty="0"/>
-          </a:p>
-          <a:p>
-            <a:endParaRPr kumimoji="1" lang="en-US" altLang="ja-JP" sz="2400" dirty="0"/>
-          </a:p>
-          <a:p>
-            <a:r>
-              <a:rPr kumimoji="1" lang="ja-JP" altLang="en-US" sz="2400" dirty="0"/>
-              <a:t>タスクを組み合わせて処理を作成する</a:t>
-            </a:r>
-            <a:endParaRPr kumimoji="1" lang="en-US" altLang="ja-JP" sz="2400" dirty="0"/>
-          </a:p>
-          <a:p>
-            <a:pPr marL="0" indent="0">
-              <a:buNone/>
-            </a:pPr>
-            <a:endParaRPr kumimoji="1" lang="en-US" altLang="ja-JP" sz="2400" b="1" dirty="0">
-              <a:solidFill>
-                <a:srgbClr val="FF0000"/>
-              </a:solidFill>
-            </a:endParaRPr>
-          </a:p>
-        </p:txBody>
-      </p:sp>
-      <p:sp>
-        <p:nvSpPr>
-          <p:cNvPr id="5" name="正方形/長方形 4">
-            <a:extLst>
-              <a:ext uri="{FF2B5EF4-FFF2-40B4-BE49-F238E27FC236}">
-                <a16:creationId xmlns:a16="http://schemas.microsoft.com/office/drawing/2014/main" id="{F01F59F8-2A23-3C6F-03BF-31C7A1869EF4}"/>
-              </a:ext>
-            </a:extLst>
-          </p:cNvPr>
-          <p:cNvSpPr/>
-          <p:nvPr/>
-        </p:nvSpPr>
-        <p:spPr>
-          <a:xfrm>
-            <a:off x="4133272" y="3707681"/>
-            <a:ext cx="3925455" cy="2251073"/>
-          </a:xfrm>
-          <a:prstGeom prst="rect">
-            <a:avLst/>
-          </a:prstGeom>
-          <a:solidFill>
-            <a:schemeClr val="accent4">
-              <a:lumMod val="60000"/>
-              <a:lumOff val="40000"/>
-            </a:schemeClr>
-          </a:solidFill>
-        </p:spPr>
-        <p:style>
-          <a:lnRef idx="2">
-            <a:schemeClr val="accent1">
-              <a:shade val="15000"/>
-            </a:schemeClr>
-          </a:lnRef>
-          <a:fillRef idx="1">
-            <a:schemeClr val="accent1"/>
-          </a:fillRef>
-          <a:effectRef idx="0">
-            <a:schemeClr val="accent1"/>
-          </a:effectRef>
-          <a:fontRef idx="minor">
-            <a:schemeClr val="lt1"/>
-          </a:fontRef>
-        </p:style>
-        <p:txBody>
-          <a:bodyPr rtlCol="0" anchor="ctr"/>
-          <a:lstStyle/>
-          <a:p>
-            <a:pPr algn="ctr"/>
-            <a:endParaRPr kumimoji="1" lang="ja-JP" altLang="en-US" dirty="0"/>
-          </a:p>
-        </p:txBody>
-      </p:sp>
-      <p:sp>
-        <p:nvSpPr>
-          <p:cNvPr id="4" name="正方形/長方形 3">
-            <a:extLst>
-              <a:ext uri="{FF2B5EF4-FFF2-40B4-BE49-F238E27FC236}">
-                <a16:creationId xmlns:a16="http://schemas.microsoft.com/office/drawing/2014/main" id="{4C7ECE17-5E10-D45E-ED33-DB16497EAE8D}"/>
-              </a:ext>
-            </a:extLst>
-          </p:cNvPr>
-          <p:cNvSpPr/>
-          <p:nvPr/>
-        </p:nvSpPr>
-        <p:spPr>
-          <a:xfrm>
-            <a:off x="5142806" y="4469680"/>
-            <a:ext cx="1906385" cy="727074"/>
-          </a:xfrm>
-          <a:prstGeom prst="rect">
-            <a:avLst/>
-          </a:prstGeom>
-        </p:spPr>
-        <p:style>
-          <a:lnRef idx="2">
-            <a:schemeClr val="accent1">
-              <a:shade val="15000"/>
-            </a:schemeClr>
-          </a:lnRef>
-          <a:fillRef idx="1">
-            <a:schemeClr val="accent1"/>
-          </a:fillRef>
-          <a:effectRef idx="0">
-            <a:schemeClr val="accent1"/>
-          </a:effectRef>
-          <a:fontRef idx="minor">
-            <a:schemeClr val="lt1"/>
-          </a:fontRef>
-        </p:style>
-        <p:txBody>
-          <a:bodyPr rtlCol="0" anchor="ctr"/>
-          <a:lstStyle/>
-          <a:p>
-            <a:pPr algn="ctr"/>
-            <a:r>
-              <a:rPr kumimoji="1" lang="en-US" altLang="ja-JP" dirty="0"/>
-              <a:t>Module</a:t>
-            </a:r>
-            <a:endParaRPr kumimoji="1" lang="ja-JP" altLang="en-US" dirty="0"/>
-          </a:p>
-        </p:txBody>
-      </p:sp>
-      <p:sp>
-        <p:nvSpPr>
-          <p:cNvPr id="6" name="テキスト ボックス 5">
-            <a:extLst>
-              <a:ext uri="{FF2B5EF4-FFF2-40B4-BE49-F238E27FC236}">
-                <a16:creationId xmlns:a16="http://schemas.microsoft.com/office/drawing/2014/main" id="{D6C9487E-3192-81CB-28B8-8BB054A1E040}"/>
-              </a:ext>
-            </a:extLst>
-          </p:cNvPr>
-          <p:cNvSpPr txBox="1"/>
-          <p:nvPr/>
-        </p:nvSpPr>
-        <p:spPr>
-          <a:xfrm>
-            <a:off x="4359564" y="3953164"/>
-            <a:ext cx="1103746" cy="369332"/>
-          </a:xfrm>
-          <a:prstGeom prst="rect">
-            <a:avLst/>
-          </a:prstGeom>
-          <a:noFill/>
-        </p:spPr>
-        <p:txBody>
-          <a:bodyPr wrap="square" rtlCol="0">
-            <a:spAutoFit/>
-          </a:bodyPr>
-          <a:lstStyle/>
-          <a:p>
-            <a:r>
-              <a:rPr kumimoji="1" lang="en-US" altLang="ja-JP" dirty="0"/>
-              <a:t>Task_A1</a:t>
-            </a:r>
-            <a:endParaRPr kumimoji="1" lang="ja-JP" altLang="en-US" dirty="0"/>
-          </a:p>
-        </p:txBody>
-      </p:sp>
-    </p:spTree>
-    <p:extLst>
-      <p:ext uri="{BB962C8B-B14F-4D97-AF65-F5344CB8AC3E}">
-        <p14:creationId xmlns:p14="http://schemas.microsoft.com/office/powerpoint/2010/main" val="854810654"/>
-      </p:ext>
-    </p:extLst>
-  </p:cSld>
-  <p:clrMapOvr>
-    <a:masterClrMapping/>
-  </p:clrMapOvr>
-</p:sld>
-</file>
-
-<file path=ppt/slides/slide14.xml><?xml version="1.0" encoding="utf-8"?>
-<p:sld xmlns:a="http://schemas.openxmlformats.org/drawingml/2006/main" xmlns:r="http://schemas.openxmlformats.org/officeDocument/2006/relationships" xmlns:p="http://schemas.openxmlformats.org/presentationml/2006/main">
-  <p:cSld>
-    <p:spTree>
-      <p:nvGrpSpPr>
-        <p:cNvPr id="1" name=""/>
-        <p:cNvGrpSpPr/>
-        <p:nvPr/>
-      </p:nvGrpSpPr>
-      <p:grpSpPr>
-        <a:xfrm>
-          <a:off x="0" y="0"/>
-          <a:ext cx="0" cy="0"/>
-          <a:chOff x="0" y="0"/>
-          <a:chExt cx="0" cy="0"/>
-        </a:xfrm>
-      </p:grpSpPr>
-      <p:sp>
-        <p:nvSpPr>
-          <p:cNvPr id="2" name="タイトル 1">
-            <a:extLst>
-              <a:ext uri="{FF2B5EF4-FFF2-40B4-BE49-F238E27FC236}">
-                <a16:creationId xmlns:a16="http://schemas.microsoft.com/office/drawing/2014/main" id="{375320BF-43D3-4AB2-9ED9-596839F1E352}"/>
-              </a:ext>
-            </a:extLst>
-          </p:cNvPr>
-          <p:cNvSpPr>
-            <a:spLocks noGrp="1"/>
-          </p:cNvSpPr>
-          <p:nvPr>
-            <p:ph type="title"/>
-          </p:nvPr>
-        </p:nvSpPr>
-        <p:spPr/>
-        <p:txBody>
-          <a:bodyPr>
-            <a:normAutofit fontScale="90000"/>
-          </a:bodyPr>
-          <a:lstStyle/>
-          <a:p>
-            <a:r>
-              <a:rPr kumimoji="1" lang="ja-JP" altLang="en-US" dirty="0"/>
-              <a:t>プレイ</a:t>
-            </a:r>
-          </a:p>
-        </p:txBody>
-      </p:sp>
-      <p:sp>
-        <p:nvSpPr>
-          <p:cNvPr id="3" name="テキスト プレースホルダー 2">
-            <a:extLst>
-              <a:ext uri="{FF2B5EF4-FFF2-40B4-BE49-F238E27FC236}">
-                <a16:creationId xmlns:a16="http://schemas.microsoft.com/office/drawing/2014/main" id="{29BF031A-AEAA-42B7-997E-73DB24388A4D}"/>
-              </a:ext>
-            </a:extLst>
-          </p:cNvPr>
-          <p:cNvSpPr>
-            <a:spLocks noGrp="1"/>
-          </p:cNvSpPr>
-          <p:nvPr>
-            <p:ph type="body" sz="quarter" idx="10"/>
-          </p:nvPr>
-        </p:nvSpPr>
-        <p:spPr>
-          <a:xfrm>
-            <a:off x="222885" y="1015683"/>
-            <a:ext cx="11826875" cy="1487372"/>
-          </a:xfrm>
-        </p:spPr>
-        <p:txBody>
-          <a:bodyPr/>
-          <a:lstStyle/>
-          <a:p>
-            <a:r>
-              <a:rPr kumimoji="1" lang="ja-JP" altLang="en-US" sz="2400" dirty="0"/>
-              <a:t>タスクを処理の順番に並べ、対象の管理対象ノード、変数などを追加したもの</a:t>
-            </a:r>
-            <a:endParaRPr kumimoji="1" lang="en-US" altLang="ja-JP" sz="2400" dirty="0"/>
-          </a:p>
-          <a:p>
-            <a:endParaRPr kumimoji="1" lang="en-US" altLang="ja-JP" sz="2400" dirty="0"/>
-          </a:p>
-          <a:p>
-            <a:r>
-              <a:rPr kumimoji="1" lang="ja-JP" altLang="en-US" sz="2400" dirty="0"/>
-              <a:t>「プレイ名」を設定する</a:t>
-            </a:r>
-            <a:endParaRPr kumimoji="1" lang="en-US" altLang="ja-JP" sz="2400" dirty="0"/>
-          </a:p>
-          <a:p>
-            <a:pPr marL="0" indent="0">
-              <a:buNone/>
-            </a:pPr>
-            <a:endParaRPr kumimoji="1" lang="en-US" altLang="ja-JP" sz="2400" b="1" dirty="0">
-              <a:solidFill>
-                <a:srgbClr val="FF0000"/>
-              </a:solidFill>
-            </a:endParaRPr>
-          </a:p>
-        </p:txBody>
-      </p:sp>
-      <p:sp>
-        <p:nvSpPr>
-          <p:cNvPr id="7" name="正方形/長方形 6">
-            <a:extLst>
-              <a:ext uri="{FF2B5EF4-FFF2-40B4-BE49-F238E27FC236}">
-                <a16:creationId xmlns:a16="http://schemas.microsoft.com/office/drawing/2014/main" id="{81F49B31-835C-77C9-D604-1D4AF127E151}"/>
-              </a:ext>
-            </a:extLst>
-          </p:cNvPr>
-          <p:cNvSpPr/>
-          <p:nvPr/>
-        </p:nvSpPr>
-        <p:spPr>
-          <a:xfrm>
-            <a:off x="4133272" y="2589713"/>
-            <a:ext cx="3925455" cy="4126681"/>
-          </a:xfrm>
-          <a:prstGeom prst="rect">
-            <a:avLst/>
-          </a:prstGeom>
-          <a:solidFill>
-            <a:schemeClr val="accent6"/>
-          </a:solidFill>
-        </p:spPr>
-        <p:style>
-          <a:lnRef idx="2">
-            <a:schemeClr val="accent1">
-              <a:shade val="15000"/>
-            </a:schemeClr>
-          </a:lnRef>
-          <a:fillRef idx="1">
-            <a:schemeClr val="accent1"/>
-          </a:fillRef>
-          <a:effectRef idx="0">
-            <a:schemeClr val="accent1"/>
-          </a:effectRef>
-          <a:fontRef idx="minor">
-            <a:schemeClr val="lt1"/>
-          </a:fontRef>
-        </p:style>
-        <p:txBody>
-          <a:bodyPr rtlCol="0" anchor="ctr"/>
-          <a:lstStyle/>
-          <a:p>
-            <a:pPr algn="ctr"/>
-            <a:endParaRPr kumimoji="1" lang="ja-JP" altLang="en-US" dirty="0"/>
-          </a:p>
-        </p:txBody>
-      </p:sp>
-      <p:sp>
-        <p:nvSpPr>
-          <p:cNvPr id="6" name="テキスト ボックス 5">
-            <a:extLst>
-              <a:ext uri="{FF2B5EF4-FFF2-40B4-BE49-F238E27FC236}">
-                <a16:creationId xmlns:a16="http://schemas.microsoft.com/office/drawing/2014/main" id="{D6C9487E-3192-81CB-28B8-8BB054A1E040}"/>
-              </a:ext>
-            </a:extLst>
-          </p:cNvPr>
-          <p:cNvSpPr txBox="1"/>
-          <p:nvPr/>
-        </p:nvSpPr>
-        <p:spPr>
-          <a:xfrm>
-            <a:off x="4133272" y="2665298"/>
-            <a:ext cx="1251528" cy="369332"/>
-          </a:xfrm>
-          <a:prstGeom prst="rect">
-            <a:avLst/>
-          </a:prstGeom>
-          <a:noFill/>
-        </p:spPr>
-        <p:txBody>
-          <a:bodyPr wrap="square" rtlCol="0">
-            <a:spAutoFit/>
-          </a:bodyPr>
-          <a:lstStyle/>
-          <a:p>
-            <a:r>
-              <a:rPr kumimoji="1" lang="en-US" altLang="ja-JP" dirty="0">
-                <a:solidFill>
-                  <a:schemeClr val="bg1"/>
-                </a:solidFill>
-              </a:rPr>
-              <a:t>Play_001</a:t>
-            </a:r>
-            <a:endParaRPr kumimoji="1" lang="ja-JP" altLang="en-US" dirty="0">
-              <a:solidFill>
-                <a:schemeClr val="bg1"/>
-              </a:solidFill>
-            </a:endParaRPr>
-          </a:p>
-        </p:txBody>
-      </p:sp>
-      <p:sp>
-        <p:nvSpPr>
-          <p:cNvPr id="8" name="正方形/長方形 7">
-            <a:extLst>
-              <a:ext uri="{FF2B5EF4-FFF2-40B4-BE49-F238E27FC236}">
-                <a16:creationId xmlns:a16="http://schemas.microsoft.com/office/drawing/2014/main" id="{44BB70C4-2DBD-74E7-1A84-C63D32F2E8F7}"/>
-              </a:ext>
-            </a:extLst>
-          </p:cNvPr>
-          <p:cNvSpPr/>
-          <p:nvPr/>
-        </p:nvSpPr>
-        <p:spPr>
-          <a:xfrm>
-            <a:off x="4955307" y="3046221"/>
-            <a:ext cx="2281383" cy="450227"/>
-          </a:xfrm>
-          <a:prstGeom prst="rect">
-            <a:avLst/>
-          </a:prstGeom>
-          <a:solidFill>
-            <a:schemeClr val="bg1">
-              <a:lumMod val="95000"/>
-            </a:schemeClr>
-          </a:solidFill>
-        </p:spPr>
-        <p:style>
-          <a:lnRef idx="2">
-            <a:schemeClr val="accent1">
-              <a:shade val="15000"/>
-            </a:schemeClr>
-          </a:lnRef>
-          <a:fillRef idx="1">
-            <a:schemeClr val="accent1"/>
-          </a:fillRef>
-          <a:effectRef idx="0">
-            <a:schemeClr val="accent1"/>
-          </a:effectRef>
-          <a:fontRef idx="minor">
-            <a:schemeClr val="lt1"/>
-          </a:fontRef>
-        </p:style>
-        <p:txBody>
-          <a:bodyPr rtlCol="0" anchor="ctr"/>
-          <a:lstStyle/>
-          <a:p>
-            <a:pPr algn="ctr"/>
-            <a:r>
-              <a:rPr kumimoji="1" lang="ja-JP" altLang="en-US" dirty="0">
-                <a:solidFill>
-                  <a:schemeClr val="tx1"/>
-                </a:solidFill>
-              </a:rPr>
-              <a:t>管理対象ノード</a:t>
-            </a:r>
-          </a:p>
-        </p:txBody>
-      </p:sp>
-      <p:sp>
-        <p:nvSpPr>
-          <p:cNvPr id="9" name="正方形/長方形 8">
-            <a:extLst>
-              <a:ext uri="{FF2B5EF4-FFF2-40B4-BE49-F238E27FC236}">
-                <a16:creationId xmlns:a16="http://schemas.microsoft.com/office/drawing/2014/main" id="{8CE0179C-F832-0A6F-F105-CD358B9BE614}"/>
-              </a:ext>
-            </a:extLst>
-          </p:cNvPr>
-          <p:cNvSpPr/>
-          <p:nvPr/>
-        </p:nvSpPr>
-        <p:spPr>
-          <a:xfrm>
-            <a:off x="4955307" y="3738219"/>
-            <a:ext cx="2281383" cy="450228"/>
-          </a:xfrm>
-          <a:prstGeom prst="rect">
-            <a:avLst/>
-          </a:prstGeom>
-          <a:solidFill>
-            <a:schemeClr val="accent2"/>
-          </a:solidFill>
-        </p:spPr>
-        <p:style>
-          <a:lnRef idx="2">
-            <a:schemeClr val="accent1">
-              <a:shade val="15000"/>
-            </a:schemeClr>
-          </a:lnRef>
-          <a:fillRef idx="1">
-            <a:schemeClr val="accent1"/>
-          </a:fillRef>
-          <a:effectRef idx="0">
-            <a:schemeClr val="accent1"/>
-          </a:effectRef>
-          <a:fontRef idx="minor">
-            <a:schemeClr val="lt1"/>
-          </a:fontRef>
-        </p:style>
-        <p:txBody>
-          <a:bodyPr rtlCol="0" anchor="ctr"/>
-          <a:lstStyle/>
-          <a:p>
-            <a:pPr algn="ctr"/>
-            <a:r>
-              <a:rPr kumimoji="1" lang="ja-JP" altLang="en-US" dirty="0"/>
-              <a:t>変数</a:t>
-            </a:r>
-          </a:p>
-        </p:txBody>
-      </p:sp>
-      <p:sp>
-        <p:nvSpPr>
-          <p:cNvPr id="5" name="正方形/長方形 4">
-            <a:extLst>
-              <a:ext uri="{FF2B5EF4-FFF2-40B4-BE49-F238E27FC236}">
-                <a16:creationId xmlns:a16="http://schemas.microsoft.com/office/drawing/2014/main" id="{F01F59F8-2A23-3C6F-03BF-31C7A1869EF4}"/>
-              </a:ext>
-            </a:extLst>
-          </p:cNvPr>
-          <p:cNvSpPr/>
-          <p:nvPr/>
-        </p:nvSpPr>
-        <p:spPr>
-          <a:xfrm>
-            <a:off x="4955306" y="4384668"/>
-            <a:ext cx="2281383" cy="450227"/>
-          </a:xfrm>
-          <a:prstGeom prst="rect">
-            <a:avLst/>
-          </a:prstGeom>
-          <a:solidFill>
-            <a:schemeClr val="accent4">
-              <a:lumMod val="60000"/>
-              <a:lumOff val="40000"/>
-            </a:schemeClr>
-          </a:solidFill>
-        </p:spPr>
-        <p:style>
-          <a:lnRef idx="2">
-            <a:schemeClr val="accent1">
-              <a:shade val="15000"/>
-            </a:schemeClr>
-          </a:lnRef>
-          <a:fillRef idx="1">
-            <a:schemeClr val="accent1"/>
-          </a:fillRef>
-          <a:effectRef idx="0">
-            <a:schemeClr val="accent1"/>
-          </a:effectRef>
-          <a:fontRef idx="minor">
-            <a:schemeClr val="lt1"/>
-          </a:fontRef>
-        </p:style>
-        <p:txBody>
-          <a:bodyPr rtlCol="0" anchor="ctr"/>
-          <a:lstStyle/>
-          <a:p>
-            <a:pPr algn="ctr"/>
-            <a:r>
-              <a:rPr kumimoji="1" lang="en-US" altLang="ja-JP" dirty="0">
-                <a:solidFill>
-                  <a:schemeClr val="tx1"/>
-                </a:solidFill>
-              </a:rPr>
-              <a:t>Task_A1</a:t>
-            </a:r>
-            <a:endParaRPr kumimoji="1" lang="ja-JP" altLang="en-US" dirty="0">
-              <a:solidFill>
-                <a:schemeClr val="tx1"/>
-              </a:solidFill>
-            </a:endParaRPr>
-          </a:p>
-        </p:txBody>
-      </p:sp>
-      <p:sp>
-        <p:nvSpPr>
-          <p:cNvPr id="10" name="正方形/長方形 9">
-            <a:extLst>
-              <a:ext uri="{FF2B5EF4-FFF2-40B4-BE49-F238E27FC236}">
-                <a16:creationId xmlns:a16="http://schemas.microsoft.com/office/drawing/2014/main" id="{32FDD4AF-0A95-9EAF-ABB1-6125E405D1DF}"/>
-              </a:ext>
-            </a:extLst>
-          </p:cNvPr>
-          <p:cNvSpPr/>
-          <p:nvPr/>
-        </p:nvSpPr>
-        <p:spPr>
-          <a:xfrm>
-            <a:off x="4955307" y="5011281"/>
-            <a:ext cx="2281383" cy="450228"/>
-          </a:xfrm>
-          <a:prstGeom prst="rect">
-            <a:avLst/>
-          </a:prstGeom>
-          <a:solidFill>
-            <a:schemeClr val="accent4">
-              <a:lumMod val="60000"/>
-              <a:lumOff val="40000"/>
-            </a:schemeClr>
-          </a:solidFill>
-        </p:spPr>
-        <p:style>
-          <a:lnRef idx="2">
-            <a:schemeClr val="accent1">
-              <a:shade val="15000"/>
-            </a:schemeClr>
-          </a:lnRef>
-          <a:fillRef idx="1">
-            <a:schemeClr val="accent1"/>
-          </a:fillRef>
-          <a:effectRef idx="0">
-            <a:schemeClr val="accent1"/>
-          </a:effectRef>
-          <a:fontRef idx="minor">
-            <a:schemeClr val="lt1"/>
-          </a:fontRef>
-        </p:style>
-        <p:txBody>
-          <a:bodyPr rtlCol="0" anchor="ctr"/>
-          <a:lstStyle/>
-          <a:p>
-            <a:pPr algn="ctr"/>
-            <a:r>
-              <a:rPr kumimoji="1" lang="en-US" altLang="ja-JP" dirty="0">
-                <a:solidFill>
-                  <a:schemeClr val="tx1"/>
-                </a:solidFill>
-              </a:rPr>
-              <a:t>Task_A2</a:t>
-            </a:r>
-            <a:endParaRPr kumimoji="1" lang="ja-JP" altLang="en-US" dirty="0">
-              <a:solidFill>
-                <a:schemeClr val="tx1"/>
-              </a:solidFill>
-            </a:endParaRPr>
-          </a:p>
-        </p:txBody>
-      </p:sp>
-      <p:sp>
-        <p:nvSpPr>
-          <p:cNvPr id="11" name="正方形/長方形 10">
-            <a:extLst>
-              <a:ext uri="{FF2B5EF4-FFF2-40B4-BE49-F238E27FC236}">
-                <a16:creationId xmlns:a16="http://schemas.microsoft.com/office/drawing/2014/main" id="{1C0B90E3-FD2C-0520-D5F6-8B9D23D05F75}"/>
-              </a:ext>
-            </a:extLst>
-          </p:cNvPr>
-          <p:cNvSpPr/>
-          <p:nvPr/>
-        </p:nvSpPr>
-        <p:spPr>
-          <a:xfrm>
-            <a:off x="4955305" y="5613909"/>
-            <a:ext cx="2281383" cy="450228"/>
-          </a:xfrm>
-          <a:prstGeom prst="rect">
-            <a:avLst/>
-          </a:prstGeom>
-          <a:solidFill>
-            <a:schemeClr val="accent4">
-              <a:lumMod val="60000"/>
-              <a:lumOff val="40000"/>
-            </a:schemeClr>
-          </a:solidFill>
-        </p:spPr>
-        <p:style>
-          <a:lnRef idx="2">
-            <a:schemeClr val="accent1">
-              <a:shade val="15000"/>
-            </a:schemeClr>
-          </a:lnRef>
-          <a:fillRef idx="1">
-            <a:schemeClr val="accent1"/>
-          </a:fillRef>
-          <a:effectRef idx="0">
-            <a:schemeClr val="accent1"/>
-          </a:effectRef>
-          <a:fontRef idx="minor">
-            <a:schemeClr val="lt1"/>
-          </a:fontRef>
-        </p:style>
-        <p:txBody>
-          <a:bodyPr rtlCol="0" anchor="ctr"/>
-          <a:lstStyle/>
-          <a:p>
-            <a:pPr algn="ctr"/>
-            <a:r>
-              <a:rPr kumimoji="1" lang="en-US" altLang="ja-JP" dirty="0">
-                <a:solidFill>
-                  <a:schemeClr val="tx1"/>
-                </a:solidFill>
-              </a:rPr>
-              <a:t>Task_A3</a:t>
-            </a:r>
-            <a:endParaRPr kumimoji="1" lang="ja-JP" altLang="en-US" dirty="0">
-              <a:solidFill>
-                <a:schemeClr val="tx1"/>
-              </a:solidFill>
-            </a:endParaRPr>
-          </a:p>
-        </p:txBody>
-      </p:sp>
-    </p:spTree>
-    <p:extLst>
-      <p:ext uri="{BB962C8B-B14F-4D97-AF65-F5344CB8AC3E}">
-        <p14:creationId xmlns:p14="http://schemas.microsoft.com/office/powerpoint/2010/main" val="2393082802"/>
-      </p:ext>
-    </p:extLst>
-  </p:cSld>
-  <p:clrMapOvr>
-    <a:masterClrMapping/>
-  </p:clrMapOvr>
-</p:sld>
-</file>
-
-<file path=ppt/slides/slide15.xml><?xml version="1.0" encoding="utf-8"?>
-<p:sld xmlns:a="http://schemas.openxmlformats.org/drawingml/2006/main" xmlns:r="http://schemas.openxmlformats.org/officeDocument/2006/relationships" xmlns:p="http://schemas.openxmlformats.org/presentationml/2006/main">
-  <p:cSld>
-    <p:spTree>
-      <p:nvGrpSpPr>
-        <p:cNvPr id="1" name=""/>
-        <p:cNvGrpSpPr/>
-        <p:nvPr/>
-      </p:nvGrpSpPr>
-      <p:grpSpPr>
-        <a:xfrm>
-          <a:off x="0" y="0"/>
-          <a:ext cx="0" cy="0"/>
-          <a:chOff x="0" y="0"/>
-          <a:chExt cx="0" cy="0"/>
-        </a:xfrm>
-      </p:grpSpPr>
-      <p:sp>
-        <p:nvSpPr>
-          <p:cNvPr id="2" name="タイトル 1">
-            <a:extLst>
-              <a:ext uri="{FF2B5EF4-FFF2-40B4-BE49-F238E27FC236}">
-                <a16:creationId xmlns:a16="http://schemas.microsoft.com/office/drawing/2014/main" id="{375320BF-43D3-4AB2-9ED9-596839F1E352}"/>
-              </a:ext>
-            </a:extLst>
-          </p:cNvPr>
-          <p:cNvSpPr>
-            <a:spLocks noGrp="1"/>
-          </p:cNvSpPr>
-          <p:nvPr>
-            <p:ph type="title"/>
-          </p:nvPr>
-        </p:nvSpPr>
-        <p:spPr/>
-        <p:txBody>
-          <a:bodyPr>
-            <a:normAutofit fontScale="90000"/>
-          </a:bodyPr>
-          <a:lstStyle/>
-          <a:p>
-            <a:r>
-              <a:rPr kumimoji="1" lang="ja-JP" altLang="en-US" dirty="0"/>
-              <a:t>プレイ内構造</a:t>
-            </a:r>
-          </a:p>
-        </p:txBody>
-      </p:sp>
-      <p:sp>
-        <p:nvSpPr>
-          <p:cNvPr id="6" name="テキスト ボックス 5">
-            <a:extLst>
-              <a:ext uri="{FF2B5EF4-FFF2-40B4-BE49-F238E27FC236}">
-                <a16:creationId xmlns:a16="http://schemas.microsoft.com/office/drawing/2014/main" id="{D6C9487E-3192-81CB-28B8-8BB054A1E040}"/>
-              </a:ext>
-            </a:extLst>
-          </p:cNvPr>
-          <p:cNvSpPr txBox="1"/>
-          <p:nvPr/>
-        </p:nvSpPr>
-        <p:spPr>
-          <a:xfrm>
-            <a:off x="4133272" y="2665298"/>
-            <a:ext cx="1251528" cy="369332"/>
-          </a:xfrm>
-          <a:prstGeom prst="rect">
-            <a:avLst/>
-          </a:prstGeom>
-          <a:noFill/>
-        </p:spPr>
-        <p:txBody>
-          <a:bodyPr wrap="square" rtlCol="0">
-            <a:spAutoFit/>
-          </a:bodyPr>
-          <a:lstStyle/>
-          <a:p>
-            <a:r>
-              <a:rPr kumimoji="1" lang="en-US" altLang="ja-JP" dirty="0">
-                <a:solidFill>
-                  <a:schemeClr val="bg1"/>
-                </a:solidFill>
-              </a:rPr>
-              <a:t>play test1</a:t>
-            </a:r>
-            <a:endParaRPr kumimoji="1" lang="ja-JP" altLang="en-US" dirty="0">
-              <a:solidFill>
-                <a:schemeClr val="bg1"/>
-              </a:solidFill>
-            </a:endParaRPr>
-          </a:p>
-        </p:txBody>
-      </p:sp>
-      <p:pic>
-        <p:nvPicPr>
-          <p:cNvPr id="18" name="図 17">
-            <a:extLst>
-              <a:ext uri="{FF2B5EF4-FFF2-40B4-BE49-F238E27FC236}">
-                <a16:creationId xmlns:a16="http://schemas.microsoft.com/office/drawing/2014/main" id="{8CC6B442-4803-4488-14B9-CFEC825EF8C4}"/>
-              </a:ext>
-            </a:extLst>
-          </p:cNvPr>
-          <p:cNvPicPr>
-            <a:picLocks noChangeAspect="1"/>
-          </p:cNvPicPr>
-          <p:nvPr/>
-        </p:nvPicPr>
-        <p:blipFill>
-          <a:blip r:embed="rId2"/>
-          <a:stretch>
-            <a:fillRect/>
-          </a:stretch>
-        </p:blipFill>
-        <p:spPr>
-          <a:xfrm>
-            <a:off x="595932" y="1041122"/>
-            <a:ext cx="3429297" cy="5464013"/>
-          </a:xfrm>
-          <a:prstGeom prst="rect">
-            <a:avLst/>
-          </a:prstGeom>
-        </p:spPr>
-      </p:pic>
-      <p:pic>
-        <p:nvPicPr>
-          <p:cNvPr id="20" name="図 19">
-            <a:extLst>
-              <a:ext uri="{FF2B5EF4-FFF2-40B4-BE49-F238E27FC236}">
-                <a16:creationId xmlns:a16="http://schemas.microsoft.com/office/drawing/2014/main" id="{F920A1B7-10F1-C620-C904-1AE6FDC4669B}"/>
-              </a:ext>
-            </a:extLst>
-          </p:cNvPr>
-          <p:cNvPicPr>
-            <a:picLocks noChangeAspect="1"/>
-          </p:cNvPicPr>
-          <p:nvPr/>
-        </p:nvPicPr>
-        <p:blipFill>
-          <a:blip r:embed="rId3"/>
-          <a:stretch>
-            <a:fillRect/>
-          </a:stretch>
-        </p:blipFill>
-        <p:spPr>
-          <a:xfrm>
-            <a:off x="4411834" y="1041122"/>
-            <a:ext cx="3129508" cy="5464013"/>
-          </a:xfrm>
-          <a:prstGeom prst="rect">
-            <a:avLst/>
-          </a:prstGeom>
-        </p:spPr>
-      </p:pic>
-      <p:pic>
-        <p:nvPicPr>
-          <p:cNvPr id="22" name="図 21">
-            <a:extLst>
-              <a:ext uri="{FF2B5EF4-FFF2-40B4-BE49-F238E27FC236}">
-                <a16:creationId xmlns:a16="http://schemas.microsoft.com/office/drawing/2014/main" id="{34371F80-3520-B23E-3745-C371D56A788C}"/>
-              </a:ext>
-            </a:extLst>
-          </p:cNvPr>
-          <p:cNvPicPr>
-            <a:picLocks noChangeAspect="1"/>
-          </p:cNvPicPr>
-          <p:nvPr/>
-        </p:nvPicPr>
-        <p:blipFill>
-          <a:blip r:embed="rId4"/>
-          <a:stretch>
-            <a:fillRect/>
-          </a:stretch>
-        </p:blipFill>
-        <p:spPr>
-          <a:xfrm>
-            <a:off x="7819904" y="1041122"/>
-            <a:ext cx="3596952" cy="2156647"/>
-          </a:xfrm>
-          <a:prstGeom prst="rect">
-            <a:avLst/>
-          </a:prstGeom>
-        </p:spPr>
-      </p:pic>
-      <p:sp>
-        <p:nvSpPr>
-          <p:cNvPr id="23" name="テキスト ボックス 22">
-            <a:extLst>
-              <a:ext uri="{FF2B5EF4-FFF2-40B4-BE49-F238E27FC236}">
-                <a16:creationId xmlns:a16="http://schemas.microsoft.com/office/drawing/2014/main" id="{37FCF078-71B4-80E9-4BBC-B6355AC858FC}"/>
-              </a:ext>
-            </a:extLst>
-          </p:cNvPr>
-          <p:cNvSpPr txBox="1"/>
-          <p:nvPr/>
-        </p:nvSpPr>
-        <p:spPr>
-          <a:xfrm>
-            <a:off x="2497917" y="1048133"/>
-            <a:ext cx="341745" cy="261610"/>
-          </a:xfrm>
-          <a:prstGeom prst="rect">
-            <a:avLst/>
-          </a:prstGeom>
-          <a:noFill/>
-        </p:spPr>
-        <p:txBody>
-          <a:bodyPr wrap="square" rtlCol="0">
-            <a:spAutoFit/>
-          </a:bodyPr>
-          <a:lstStyle/>
-          <a:p>
-            <a:r>
-              <a:rPr kumimoji="1" lang="ja-JP" altLang="en-US" sz="1100" dirty="0">
-                <a:solidFill>
-                  <a:schemeClr val="bg1"/>
-                </a:solidFill>
-              </a:rPr>
-              <a:t>①</a:t>
-            </a:r>
-          </a:p>
-        </p:txBody>
-      </p:sp>
-      <p:sp>
-        <p:nvSpPr>
-          <p:cNvPr id="24" name="テキスト ボックス 23">
-            <a:extLst>
-              <a:ext uri="{FF2B5EF4-FFF2-40B4-BE49-F238E27FC236}">
-                <a16:creationId xmlns:a16="http://schemas.microsoft.com/office/drawing/2014/main" id="{A0E03155-D2B8-16F5-9682-0F57949B1E1A}"/>
-              </a:ext>
-            </a:extLst>
-          </p:cNvPr>
-          <p:cNvSpPr txBox="1"/>
-          <p:nvPr/>
-        </p:nvSpPr>
-        <p:spPr>
-          <a:xfrm>
-            <a:off x="1435735" y="2316102"/>
-            <a:ext cx="341745" cy="261610"/>
-          </a:xfrm>
-          <a:prstGeom prst="rect">
-            <a:avLst/>
-          </a:prstGeom>
-          <a:noFill/>
-        </p:spPr>
-        <p:txBody>
-          <a:bodyPr wrap="square" rtlCol="0">
-            <a:spAutoFit/>
-          </a:bodyPr>
-          <a:lstStyle/>
-          <a:p>
-            <a:r>
-              <a:rPr kumimoji="1" lang="ja-JP" altLang="en-US" sz="1100" dirty="0">
-                <a:solidFill>
-                  <a:schemeClr val="bg1"/>
-                </a:solidFill>
-              </a:rPr>
-              <a:t>②</a:t>
-            </a:r>
-          </a:p>
-        </p:txBody>
-      </p:sp>
-      <p:sp>
-        <p:nvSpPr>
-          <p:cNvPr id="25" name="テキスト ボックス 24">
-            <a:extLst>
-              <a:ext uri="{FF2B5EF4-FFF2-40B4-BE49-F238E27FC236}">
-                <a16:creationId xmlns:a16="http://schemas.microsoft.com/office/drawing/2014/main" id="{43664197-EB14-D038-BF51-74C414DA5FD0}"/>
-              </a:ext>
-            </a:extLst>
-          </p:cNvPr>
-          <p:cNvSpPr txBox="1"/>
-          <p:nvPr/>
-        </p:nvSpPr>
-        <p:spPr>
-          <a:xfrm>
-            <a:off x="1435735" y="3299008"/>
-            <a:ext cx="341745" cy="261610"/>
-          </a:xfrm>
-          <a:prstGeom prst="rect">
-            <a:avLst/>
-          </a:prstGeom>
-          <a:noFill/>
-        </p:spPr>
-        <p:txBody>
-          <a:bodyPr wrap="square" rtlCol="0">
-            <a:spAutoFit/>
-          </a:bodyPr>
-          <a:lstStyle/>
-          <a:p>
-            <a:r>
-              <a:rPr kumimoji="1" lang="ja-JP" altLang="en-US" sz="1100" dirty="0">
-                <a:solidFill>
-                  <a:schemeClr val="bg1"/>
-                </a:solidFill>
-              </a:rPr>
-              <a:t>③</a:t>
-            </a:r>
-          </a:p>
-        </p:txBody>
-      </p:sp>
-      <p:sp>
-        <p:nvSpPr>
-          <p:cNvPr id="26" name="テキスト ボックス 25">
-            <a:extLst>
-              <a:ext uri="{FF2B5EF4-FFF2-40B4-BE49-F238E27FC236}">
-                <a16:creationId xmlns:a16="http://schemas.microsoft.com/office/drawing/2014/main" id="{75704056-2126-63B1-0BD6-898E195401EA}"/>
-              </a:ext>
-            </a:extLst>
-          </p:cNvPr>
-          <p:cNvSpPr txBox="1"/>
-          <p:nvPr/>
-        </p:nvSpPr>
-        <p:spPr>
-          <a:xfrm>
-            <a:off x="5429660" y="2446907"/>
-            <a:ext cx="341745" cy="261610"/>
-          </a:xfrm>
-          <a:prstGeom prst="rect">
-            <a:avLst/>
-          </a:prstGeom>
-          <a:noFill/>
-        </p:spPr>
-        <p:txBody>
-          <a:bodyPr wrap="square" rtlCol="0">
-            <a:spAutoFit/>
-          </a:bodyPr>
-          <a:lstStyle/>
-          <a:p>
-            <a:r>
-              <a:rPr kumimoji="1" lang="ja-JP" altLang="en-US" sz="1100" dirty="0">
-                <a:solidFill>
-                  <a:schemeClr val="bg1"/>
-                </a:solidFill>
-              </a:rPr>
-              <a:t>④</a:t>
-            </a:r>
-          </a:p>
-        </p:txBody>
-      </p:sp>
-    </p:spTree>
-    <p:extLst>
-      <p:ext uri="{BB962C8B-B14F-4D97-AF65-F5344CB8AC3E}">
-        <p14:creationId xmlns:p14="http://schemas.microsoft.com/office/powerpoint/2010/main" val="3137714107"/>
-      </p:ext>
-    </p:extLst>
-  </p:cSld>
-  <p:clrMapOvr>
-    <a:masterClrMapping/>
-  </p:clrMapOvr>
-</p:sld>
-</file>
-
-<file path=ppt/slides/slide16.xml><?xml version="1.0" encoding="utf-8"?>
-<p:sld xmlns:a="http://schemas.openxmlformats.org/drawingml/2006/main" xmlns:r="http://schemas.openxmlformats.org/officeDocument/2006/relationships" xmlns:p="http://schemas.openxmlformats.org/presentationml/2006/main">
-  <p:cSld>
-    <p:spTree>
-      <p:nvGrpSpPr>
-        <p:cNvPr id="1" name=""/>
-        <p:cNvGrpSpPr/>
-        <p:nvPr/>
-      </p:nvGrpSpPr>
-      <p:grpSpPr>
-        <a:xfrm>
-          <a:off x="0" y="0"/>
-          <a:ext cx="0" cy="0"/>
-          <a:chOff x="0" y="0"/>
-          <a:chExt cx="0" cy="0"/>
-        </a:xfrm>
-      </p:grpSpPr>
-      <p:sp>
-        <p:nvSpPr>
-          <p:cNvPr id="3" name="テキスト プレースホルダー 2">
-            <a:extLst>
-              <a:ext uri="{FF2B5EF4-FFF2-40B4-BE49-F238E27FC236}">
-                <a16:creationId xmlns:a16="http://schemas.microsoft.com/office/drawing/2014/main" id="{29BF031A-AEAA-42B7-997E-73DB24388A4D}"/>
-              </a:ext>
-            </a:extLst>
-          </p:cNvPr>
-          <p:cNvSpPr>
-            <a:spLocks noGrp="1"/>
-          </p:cNvSpPr>
-          <p:nvPr>
-            <p:ph type="body" sz="quarter" idx="10"/>
-          </p:nvPr>
-        </p:nvSpPr>
-        <p:spPr>
-          <a:xfrm>
-            <a:off x="222885" y="1015682"/>
-            <a:ext cx="11826875" cy="5700711"/>
-          </a:xfrm>
-        </p:spPr>
-        <p:txBody>
-          <a:bodyPr/>
-          <a:lstStyle/>
-          <a:p>
-            <a:pPr marL="457200" indent="-457200">
-              <a:buFont typeface="+mj-ea"/>
-              <a:buAutoNum type="circleNumDbPlain"/>
-            </a:pPr>
-            <a:r>
-              <a:rPr kumimoji="1" lang="en-US" altLang="ja-JP" sz="2400" dirty="0"/>
-              <a:t>target</a:t>
-            </a:r>
-            <a:r>
-              <a:rPr kumimoji="1" lang="ja-JP" altLang="en-US" sz="2400" dirty="0"/>
-              <a:t>セクション：処理の対象になる管理対象ノードや設定を指定する</a:t>
-            </a:r>
-            <a:endParaRPr kumimoji="1" lang="en-US" altLang="ja-JP" sz="2400" dirty="0"/>
-          </a:p>
-          <a:p>
-            <a:pPr marL="457200" indent="-457200">
-              <a:buFont typeface="+mj-ea"/>
-              <a:buAutoNum type="circleNumDbPlain"/>
-            </a:pPr>
-            <a:endParaRPr kumimoji="1" lang="en-US" altLang="ja-JP" sz="2400" dirty="0"/>
-          </a:p>
-          <a:p>
-            <a:pPr marL="457200" indent="-457200">
-              <a:buFont typeface="+mj-ea"/>
-              <a:buAutoNum type="circleNumDbPlain"/>
-            </a:pPr>
-            <a:r>
-              <a:rPr kumimoji="1" lang="en-US" altLang="ja-JP" sz="2400" dirty="0"/>
-              <a:t>vars</a:t>
-            </a:r>
-            <a:r>
-              <a:rPr kumimoji="1" lang="ja-JP" altLang="en-US" sz="2400" dirty="0"/>
-              <a:t>セクション：処理内で使用する変数を設定する</a:t>
-            </a:r>
-            <a:endParaRPr kumimoji="1" lang="en-US" altLang="ja-JP" sz="2400" dirty="0"/>
-          </a:p>
-          <a:p>
-            <a:pPr marL="457200" indent="-457200">
-              <a:buFont typeface="+mj-ea"/>
-              <a:buAutoNum type="circleNumDbPlain"/>
-            </a:pPr>
-            <a:endParaRPr kumimoji="1" lang="en-US" altLang="ja-JP" sz="2400" dirty="0"/>
-          </a:p>
-          <a:p>
-            <a:pPr marL="457200" indent="-457200">
-              <a:buFont typeface="+mj-ea"/>
-              <a:buAutoNum type="circleNumDbPlain"/>
-            </a:pPr>
-            <a:r>
-              <a:rPr kumimoji="1" lang="en-US" altLang="ja-JP" sz="2400" dirty="0"/>
-              <a:t>tasks</a:t>
-            </a:r>
-            <a:r>
-              <a:rPr kumimoji="1" lang="ja-JP" altLang="en-US" sz="2400" dirty="0"/>
-              <a:t>セクション：管理対象ノードで実行する処理を上から順番に記述する</a:t>
-            </a:r>
-            <a:endParaRPr kumimoji="1" lang="en-US" altLang="ja-JP" sz="2400" dirty="0"/>
-          </a:p>
-          <a:p>
-            <a:pPr marL="457200" indent="-457200">
-              <a:buFont typeface="+mj-ea"/>
-              <a:buAutoNum type="circleNumDbPlain"/>
-            </a:pPr>
-            <a:endParaRPr kumimoji="1" lang="en-US" altLang="ja-JP" sz="2400" dirty="0"/>
-          </a:p>
-          <a:p>
-            <a:pPr marL="457200" indent="-457200">
-              <a:buFont typeface="+mj-ea"/>
-              <a:buAutoNum type="circleNumDbPlain"/>
-            </a:pPr>
-            <a:r>
-              <a:rPr kumimoji="1" lang="en-US" altLang="ja-JP" sz="2400" dirty="0"/>
-              <a:t>handlers</a:t>
-            </a:r>
-            <a:r>
-              <a:rPr kumimoji="1" lang="ja-JP" altLang="en-US" sz="2400" dirty="0"/>
-              <a:t>セクション：</a:t>
-            </a:r>
-            <a:r>
-              <a:rPr kumimoji="1" lang="en-US" altLang="ja-JP" sz="2400" dirty="0"/>
-              <a:t>tasks</a:t>
-            </a:r>
-            <a:r>
-              <a:rPr kumimoji="1" lang="ja-JP" altLang="en-US" sz="2400" dirty="0"/>
-              <a:t>セクション内のタスクが終了した後、</a:t>
-            </a:r>
-            <a:r>
-              <a:rPr kumimoji="1" lang="en-US" altLang="ja-JP" sz="2400" dirty="0"/>
-              <a:t>task</a:t>
-            </a:r>
-            <a:r>
-              <a:rPr kumimoji="1" lang="ja-JP" altLang="en-US" sz="2400" dirty="0"/>
-              <a:t>セクションの実行状況により、実行・未実行になる</a:t>
-            </a:r>
-            <a:endParaRPr kumimoji="1" lang="en-US" altLang="ja-JP" sz="2400" dirty="0"/>
-          </a:p>
-          <a:p>
-            <a:endParaRPr kumimoji="1" lang="en-US" altLang="ja-JP" sz="2400" dirty="0"/>
-          </a:p>
-          <a:p>
-            <a:endParaRPr kumimoji="1" lang="en-US" altLang="ja-JP" sz="2400" dirty="0"/>
-          </a:p>
-          <a:p>
-            <a:endParaRPr kumimoji="1" lang="en-US" altLang="ja-JP" sz="2400" dirty="0"/>
-          </a:p>
-        </p:txBody>
-      </p:sp>
-    </p:spTree>
-    <p:extLst>
-      <p:ext uri="{BB962C8B-B14F-4D97-AF65-F5344CB8AC3E}">
-        <p14:creationId xmlns:p14="http://schemas.microsoft.com/office/powerpoint/2010/main" val="4249659522"/>
-      </p:ext>
-    </p:extLst>
-  </p:cSld>
-  <p:clrMapOvr>
-    <a:masterClrMapping/>
-  </p:clrMapOvr>
-</p:sld>
-</file>
-
-<file path=ppt/slides/slide17.xml><?xml version="1.0" encoding="utf-8"?>
-<p:sld xmlns:a="http://schemas.openxmlformats.org/drawingml/2006/main" xmlns:r="http://schemas.openxmlformats.org/officeDocument/2006/relationships" xmlns:p="http://schemas.openxmlformats.org/presentationml/2006/main">
-  <p:cSld>
-    <p:spTree>
-      <p:nvGrpSpPr>
-        <p:cNvPr id="1" name=""/>
-        <p:cNvGrpSpPr/>
-        <p:nvPr/>
-      </p:nvGrpSpPr>
-      <p:grpSpPr>
-        <a:xfrm>
-          <a:off x="0" y="0"/>
-          <a:ext cx="0" cy="0"/>
-          <a:chOff x="0" y="0"/>
-          <a:chExt cx="0" cy="0"/>
-        </a:xfrm>
-      </p:grpSpPr>
-      <p:sp>
-        <p:nvSpPr>
-          <p:cNvPr id="2" name="タイトル 1">
-            <a:extLst>
-              <a:ext uri="{FF2B5EF4-FFF2-40B4-BE49-F238E27FC236}">
-                <a16:creationId xmlns:a16="http://schemas.microsoft.com/office/drawing/2014/main" id="{375320BF-43D3-4AB2-9ED9-596839F1E352}"/>
-              </a:ext>
-            </a:extLst>
-          </p:cNvPr>
-          <p:cNvSpPr>
-            <a:spLocks noGrp="1"/>
-          </p:cNvSpPr>
-          <p:nvPr>
-            <p:ph type="title"/>
-          </p:nvPr>
-        </p:nvSpPr>
-        <p:spPr/>
-        <p:txBody>
-          <a:bodyPr>
-            <a:normAutofit fontScale="90000"/>
-          </a:bodyPr>
-          <a:lstStyle/>
-          <a:p>
-            <a:r>
-              <a:rPr kumimoji="1" lang="ja-JP" altLang="en-US" dirty="0"/>
-              <a:t>実行結果</a:t>
-            </a:r>
-          </a:p>
-        </p:txBody>
-      </p:sp>
-      <p:sp>
-        <p:nvSpPr>
-          <p:cNvPr id="6" name="テキスト ボックス 5">
-            <a:extLst>
-              <a:ext uri="{FF2B5EF4-FFF2-40B4-BE49-F238E27FC236}">
-                <a16:creationId xmlns:a16="http://schemas.microsoft.com/office/drawing/2014/main" id="{D6C9487E-3192-81CB-28B8-8BB054A1E040}"/>
-              </a:ext>
-            </a:extLst>
-          </p:cNvPr>
-          <p:cNvSpPr txBox="1"/>
-          <p:nvPr/>
-        </p:nvSpPr>
-        <p:spPr>
-          <a:xfrm>
-            <a:off x="4133272" y="2665298"/>
-            <a:ext cx="1251528" cy="369332"/>
-          </a:xfrm>
-          <a:prstGeom prst="rect">
-            <a:avLst/>
-          </a:prstGeom>
-          <a:noFill/>
-        </p:spPr>
-        <p:txBody>
-          <a:bodyPr wrap="square" rtlCol="0">
-            <a:spAutoFit/>
-          </a:bodyPr>
-          <a:lstStyle/>
-          <a:p>
-            <a:r>
-              <a:rPr kumimoji="1" lang="en-US" altLang="ja-JP" dirty="0">
-                <a:solidFill>
-                  <a:schemeClr val="bg1"/>
-                </a:solidFill>
-              </a:rPr>
-              <a:t>play test1</a:t>
-            </a:r>
-            <a:endParaRPr kumimoji="1" lang="ja-JP" altLang="en-US" dirty="0">
-              <a:solidFill>
-                <a:schemeClr val="bg1"/>
-              </a:solidFill>
-            </a:endParaRPr>
-          </a:p>
-        </p:txBody>
-      </p:sp>
-      <p:pic>
-        <p:nvPicPr>
-          <p:cNvPr id="14" name="図 13">
-            <a:extLst>
-              <a:ext uri="{FF2B5EF4-FFF2-40B4-BE49-F238E27FC236}">
-                <a16:creationId xmlns:a16="http://schemas.microsoft.com/office/drawing/2014/main" id="{95B61187-4794-FD3A-C993-D0F404FCA3F9}"/>
-              </a:ext>
-            </a:extLst>
-          </p:cNvPr>
-          <p:cNvPicPr>
-            <a:picLocks noChangeAspect="1"/>
-          </p:cNvPicPr>
-          <p:nvPr/>
-        </p:nvPicPr>
-        <p:blipFill>
-          <a:blip r:embed="rId2"/>
-          <a:stretch>
-            <a:fillRect/>
-          </a:stretch>
-        </p:blipFill>
-        <p:spPr>
-          <a:xfrm>
-            <a:off x="1565755" y="1322084"/>
-            <a:ext cx="9060490" cy="4806885"/>
-          </a:xfrm>
-          <a:prstGeom prst="rect">
-            <a:avLst/>
-          </a:prstGeom>
-        </p:spPr>
-      </p:pic>
-    </p:spTree>
-    <p:extLst>
-      <p:ext uri="{BB962C8B-B14F-4D97-AF65-F5344CB8AC3E}">
-        <p14:creationId xmlns:p14="http://schemas.microsoft.com/office/powerpoint/2010/main" val="1033241369"/>
-      </p:ext>
-    </p:extLst>
-  </p:cSld>
-  <p:clrMapOvr>
-    <a:masterClrMapping/>
-  </p:clrMapOvr>
-</p:sld>
-</file>
-
-<file path=ppt/slides/slide18.xml><?xml version="1.0" encoding="utf-8"?>
-<p:sld xmlns:a="http://schemas.openxmlformats.org/drawingml/2006/main" xmlns:r="http://schemas.openxmlformats.org/officeDocument/2006/relationships" xmlns:p="http://schemas.openxmlformats.org/presentationml/2006/main">
-  <p:cSld>
-    <p:spTree>
-      <p:nvGrpSpPr>
-        <p:cNvPr id="1" name=""/>
-        <p:cNvGrpSpPr/>
-        <p:nvPr/>
-      </p:nvGrpSpPr>
-      <p:grpSpPr>
-        <a:xfrm>
-          <a:off x="0" y="0"/>
-          <a:ext cx="0" cy="0"/>
-          <a:chOff x="0" y="0"/>
-          <a:chExt cx="0" cy="0"/>
-        </a:xfrm>
-      </p:grpSpPr>
-      <p:sp>
-        <p:nvSpPr>
-          <p:cNvPr id="2" name="タイトル 1">
-            <a:extLst>
-              <a:ext uri="{FF2B5EF4-FFF2-40B4-BE49-F238E27FC236}">
-                <a16:creationId xmlns:a16="http://schemas.microsoft.com/office/drawing/2014/main" id="{375320BF-43D3-4AB2-9ED9-596839F1E352}"/>
-              </a:ext>
-            </a:extLst>
-          </p:cNvPr>
-          <p:cNvSpPr>
-            <a:spLocks noGrp="1"/>
-          </p:cNvSpPr>
-          <p:nvPr>
-            <p:ph type="title"/>
-          </p:nvPr>
-        </p:nvSpPr>
-        <p:spPr/>
-        <p:txBody>
-          <a:bodyPr>
-            <a:normAutofit fontScale="90000"/>
-          </a:bodyPr>
-          <a:lstStyle/>
-          <a:p>
-            <a:r>
-              <a:rPr kumimoji="1" lang="ja-JP" altLang="en-US" dirty="0"/>
-              <a:t>参考サイト</a:t>
-            </a:r>
-          </a:p>
-        </p:txBody>
-      </p:sp>
-      <p:sp>
-        <p:nvSpPr>
-          <p:cNvPr id="3" name="テキスト プレースホルダー 2">
-            <a:extLst>
-              <a:ext uri="{FF2B5EF4-FFF2-40B4-BE49-F238E27FC236}">
-                <a16:creationId xmlns:a16="http://schemas.microsoft.com/office/drawing/2014/main" id="{29BF031A-AEAA-42B7-997E-73DB24388A4D}"/>
-              </a:ext>
-            </a:extLst>
-          </p:cNvPr>
-          <p:cNvSpPr>
-            <a:spLocks noGrp="1"/>
-          </p:cNvSpPr>
-          <p:nvPr>
-            <p:ph type="body" sz="quarter" idx="10"/>
-          </p:nvPr>
-        </p:nvSpPr>
-        <p:spPr>
-          <a:xfrm>
-            <a:off x="222885" y="1015682"/>
-            <a:ext cx="11826875" cy="5700711"/>
-          </a:xfrm>
-        </p:spPr>
-        <p:txBody>
-          <a:bodyPr/>
-          <a:lstStyle/>
-          <a:p>
-            <a:r>
-              <a:rPr kumimoji="1" lang="en-US" altLang="ja-JP" sz="2400" dirty="0">
-                <a:hlinkClick r:id="rId2"/>
-              </a:rPr>
-              <a:t>Ansible</a:t>
-            </a:r>
-            <a:r>
-              <a:rPr kumimoji="1" lang="ja-JP" altLang="en-US" sz="2400" dirty="0">
-                <a:hlinkClick r:id="rId2"/>
-              </a:rPr>
-              <a:t>の使い方</a:t>
-            </a:r>
-            <a:endParaRPr kumimoji="1" lang="en-US" altLang="ja-JP" sz="2400" dirty="0"/>
-          </a:p>
-          <a:p>
-            <a:endParaRPr kumimoji="1" lang="en-US" altLang="ja-JP" sz="2400" dirty="0"/>
-          </a:p>
-          <a:p>
-            <a:r>
-              <a:rPr kumimoji="1" lang="en-US" altLang="ja-JP" sz="2400" dirty="0">
-                <a:hlinkClick r:id="rId3"/>
-              </a:rPr>
-              <a:t>Ansible</a:t>
-            </a:r>
-            <a:r>
-              <a:rPr kumimoji="1" lang="ja-JP" altLang="en-US" sz="2400" dirty="0">
-                <a:hlinkClick r:id="rId3"/>
-              </a:rPr>
-              <a:t>とは？概要から活用例、インストール方法までわかりやすく解説</a:t>
-            </a:r>
-            <a:endParaRPr kumimoji="1" lang="en-US" altLang="ja-JP" sz="2400" dirty="0"/>
-          </a:p>
-          <a:p>
-            <a:endParaRPr kumimoji="1" lang="en-US" altLang="ja-JP" sz="2400" dirty="0"/>
-          </a:p>
-          <a:p>
-            <a:r>
-              <a:rPr kumimoji="1" lang="en-US" altLang="ja-JP" sz="2400" dirty="0">
-                <a:hlinkClick r:id="rId4"/>
-              </a:rPr>
-              <a:t>Ansible </a:t>
-            </a:r>
-            <a:r>
-              <a:rPr kumimoji="1" lang="ja-JP" altLang="en-US" sz="2400" dirty="0">
-                <a:hlinkClick r:id="rId4"/>
-              </a:rPr>
-              <a:t>ドキュメント</a:t>
-            </a:r>
-            <a:endParaRPr kumimoji="1" lang="en-US" altLang="ja-JP" sz="2400" dirty="0"/>
-          </a:p>
-          <a:p>
-            <a:pPr marL="0" indent="0">
-              <a:buNone/>
-            </a:pPr>
-            <a:endParaRPr kumimoji="1" lang="en-US" altLang="ja-JP" sz="2400" dirty="0"/>
-          </a:p>
-        </p:txBody>
-      </p:sp>
-    </p:spTree>
-    <p:extLst>
-      <p:ext uri="{BB962C8B-B14F-4D97-AF65-F5344CB8AC3E}">
-        <p14:creationId xmlns:p14="http://schemas.microsoft.com/office/powerpoint/2010/main" val="3066684261"/>
-      </p:ext>
-    </p:extLst>
-  </p:cSld>
-  <p:clrMapOvr>
-    <a:masterClrMapping/>
-  </p:clrMapOvr>
-</p:sld>
-</file>
-
-<file path=ppt/slides/slide19.xml><?xml version="1.0" encoding="utf-8"?>
-<p:sld xmlns:a="http://schemas.openxmlformats.org/drawingml/2006/main" xmlns:r="http://schemas.openxmlformats.org/officeDocument/2006/relationships" xmlns:p="http://schemas.openxmlformats.org/presentationml/2006/main">
-  <p:cSld>
-    <p:spTree>
-      <p:nvGrpSpPr>
-        <p:cNvPr id="1" name=""/>
-        <p:cNvGrpSpPr/>
-        <p:nvPr/>
-      </p:nvGrpSpPr>
-      <p:grpSpPr>
-        <a:xfrm>
-          <a:off x="0" y="0"/>
-          <a:ext cx="0" cy="0"/>
-          <a:chOff x="0" y="0"/>
-          <a:chExt cx="0" cy="0"/>
-        </a:xfrm>
-      </p:grpSpPr>
-      <p:sp>
-        <p:nvSpPr>
-          <p:cNvPr id="2" name="タイトル 1">
-            <a:extLst>
-              <a:ext uri="{FF2B5EF4-FFF2-40B4-BE49-F238E27FC236}">
-                <a16:creationId xmlns:a16="http://schemas.microsoft.com/office/drawing/2014/main" id="{2B4D749E-4C59-413D-91B2-FDAD3F48B4EC}"/>
-              </a:ext>
-            </a:extLst>
-          </p:cNvPr>
-          <p:cNvSpPr>
-            <a:spLocks noGrp="1"/>
-          </p:cNvSpPr>
-          <p:nvPr>
-            <p:ph type="title"/>
-          </p:nvPr>
-        </p:nvSpPr>
-        <p:spPr>
-          <a:xfrm>
-            <a:off x="4407442" y="2591271"/>
-            <a:ext cx="3377115" cy="1675457"/>
-          </a:xfrm>
-        </p:spPr>
-        <p:txBody>
-          <a:bodyPr/>
-          <a:lstStyle/>
-          <a:p>
-            <a:r>
-              <a:rPr kumimoji="1" lang="en-US" altLang="ja-JP" sz="9600" dirty="0"/>
-              <a:t>EOF</a:t>
-            </a:r>
-            <a:endParaRPr kumimoji="1" lang="ja-JP" altLang="en-US" sz="9600" dirty="0"/>
-          </a:p>
-        </p:txBody>
-      </p:sp>
-    </p:spTree>
-    <p:extLst>
-      <p:ext uri="{BB962C8B-B14F-4D97-AF65-F5344CB8AC3E}">
-        <p14:creationId xmlns:p14="http://schemas.microsoft.com/office/powerpoint/2010/main" val="1276865941"/>
-      </p:ext>
-    </p:extLst>
-  </p:cSld>
-  <p:clrMapOvr>
-    <a:masterClrMapping/>
-  </p:clrMapOvr>
-</p:sld>
-</file>
-
-<file path=ppt/slides/slide2.xml><?xml version="1.0" encoding="utf-8"?>
-<p:sld xmlns:a="http://schemas.openxmlformats.org/drawingml/2006/main" xmlns:r="http://schemas.openxmlformats.org/officeDocument/2006/relationships" xmlns:p="http://schemas.openxmlformats.org/presentationml/2006/main">
-  <p:cSld>
-    <p:spTree>
-      <p:nvGrpSpPr>
-        <p:cNvPr id="1" name=""/>
-        <p:cNvGrpSpPr/>
-        <p:nvPr/>
-      </p:nvGrpSpPr>
-      <p:grpSpPr>
-        <a:xfrm>
-          <a:off x="0" y="0"/>
-          <a:ext cx="0" cy="0"/>
-          <a:chOff x="0" y="0"/>
-          <a:chExt cx="0" cy="0"/>
-        </a:xfrm>
-      </p:grpSpPr>
-      <p:sp>
-        <p:nvSpPr>
-          <p:cNvPr id="3" name="テキスト プレースホルダー 2">
-            <a:extLst>
-              <a:ext uri="{FF2B5EF4-FFF2-40B4-BE49-F238E27FC236}">
-                <a16:creationId xmlns:a16="http://schemas.microsoft.com/office/drawing/2014/main" id="{C402C823-BB59-48CB-82AA-6407C140BAEA}"/>
-              </a:ext>
-            </a:extLst>
-          </p:cNvPr>
-          <p:cNvSpPr>
-            <a:spLocks noGrp="1"/>
-          </p:cNvSpPr>
-          <p:nvPr>
-            <p:ph type="body" sz="quarter" idx="10"/>
-          </p:nvPr>
-        </p:nvSpPr>
-        <p:spPr/>
-        <p:txBody>
-          <a:bodyPr/>
-          <a:lstStyle/>
-          <a:p>
-            <a:pPr marL="514350" indent="-514350">
-              <a:buFont typeface="+mj-lt"/>
-              <a:buAutoNum type="arabicPeriod"/>
-            </a:pPr>
-            <a:r>
-              <a:rPr kumimoji="1" lang="ja-JP" altLang="en-US" dirty="0"/>
-              <a:t>目的</a:t>
-            </a:r>
-            <a:endParaRPr kumimoji="1" lang="en-US" altLang="ja-JP" dirty="0"/>
-          </a:p>
-          <a:p>
-            <a:pPr marL="514350" indent="-514350">
-              <a:buFont typeface="+mj-lt"/>
-              <a:buAutoNum type="arabicPeriod"/>
-            </a:pPr>
-            <a:r>
-              <a:rPr kumimoji="1" lang="en-US" altLang="ja-JP" dirty="0"/>
-              <a:t>Ansible</a:t>
-            </a:r>
-            <a:r>
-              <a:rPr kumimoji="1" lang="ja-JP" altLang="en-US" dirty="0"/>
-              <a:t>とは</a:t>
-            </a:r>
-            <a:endParaRPr kumimoji="1" lang="en-US" altLang="ja-JP" dirty="0"/>
-          </a:p>
-          <a:p>
-            <a:pPr marL="514350" indent="-514350">
-              <a:buFont typeface="+mj-lt"/>
-              <a:buAutoNum type="arabicPeriod"/>
-            </a:pPr>
-            <a:r>
-              <a:rPr kumimoji="1" lang="en-US" altLang="ja-JP" dirty="0"/>
-              <a:t>Ansible</a:t>
-            </a:r>
-            <a:r>
-              <a:rPr kumimoji="1" lang="ja-JP" altLang="en-US" dirty="0"/>
-              <a:t>の基本</a:t>
-            </a:r>
-            <a:endParaRPr kumimoji="1" lang="en-US" altLang="ja-JP" dirty="0"/>
-          </a:p>
-        </p:txBody>
-      </p:sp>
-      <p:sp>
-        <p:nvSpPr>
-          <p:cNvPr id="5" name="タイトル 4">
-            <a:extLst>
-              <a:ext uri="{FF2B5EF4-FFF2-40B4-BE49-F238E27FC236}">
-                <a16:creationId xmlns:a16="http://schemas.microsoft.com/office/drawing/2014/main" id="{134FF4C2-717F-4C5F-AA9E-28EF2282CDC4}"/>
-              </a:ext>
-            </a:extLst>
-          </p:cNvPr>
-          <p:cNvSpPr>
-            <a:spLocks noGrp="1"/>
-          </p:cNvSpPr>
-          <p:nvPr>
-            <p:ph type="title"/>
-          </p:nvPr>
-        </p:nvSpPr>
-        <p:spPr/>
-        <p:txBody>
-          <a:bodyPr>
-            <a:normAutofit fontScale="90000"/>
-          </a:bodyPr>
-          <a:lstStyle/>
-          <a:p>
-            <a:r>
-              <a:rPr lang="ja-JP" altLang="en-US" dirty="0"/>
-              <a:t>目次</a:t>
-            </a:r>
-          </a:p>
-        </p:txBody>
-      </p:sp>
-    </p:spTree>
-    <p:extLst>
-      <p:ext uri="{BB962C8B-B14F-4D97-AF65-F5344CB8AC3E}">
-        <p14:creationId xmlns:p14="http://schemas.microsoft.com/office/powerpoint/2010/main" val="1203199818"/>
-      </p:ext>
-    </p:extLst>
-  </p:cSld>
-  <p:clrMapOvr>
-    <a:masterClrMapping/>
-  </p:clrMapOvr>
-</p:sld>
-</file>
-
-<file path=ppt/slides/slide3.xml><?xml version="1.0" encoding="utf-8"?>
-<p:sld xmlns:a="http://schemas.openxmlformats.org/drawingml/2006/main" xmlns:r="http://schemas.openxmlformats.org/officeDocument/2006/relationships" xmlns:p="http://schemas.openxmlformats.org/presentationml/2006/main">
-  <p:cSld>
-    <p:spTree>
-      <p:nvGrpSpPr>
-        <p:cNvPr id="1" name=""/>
-        <p:cNvGrpSpPr/>
-        <p:nvPr/>
-      </p:nvGrpSpPr>
-      <p:grpSpPr>
-        <a:xfrm>
-          <a:off x="0" y="0"/>
-          <a:ext cx="0" cy="0"/>
-          <a:chOff x="0" y="0"/>
-          <a:chExt cx="0" cy="0"/>
-        </a:xfrm>
-      </p:grpSpPr>
-      <p:sp>
-        <p:nvSpPr>
-          <p:cNvPr id="2" name="タイトル 1">
-            <a:extLst>
-              <a:ext uri="{FF2B5EF4-FFF2-40B4-BE49-F238E27FC236}">
-                <a16:creationId xmlns:a16="http://schemas.microsoft.com/office/drawing/2014/main" id="{2B4D749E-4C59-413D-91B2-FDAD3F48B4EC}"/>
-              </a:ext>
-            </a:extLst>
-          </p:cNvPr>
-          <p:cNvSpPr>
-            <a:spLocks noGrp="1"/>
-          </p:cNvSpPr>
-          <p:nvPr>
-            <p:ph type="title"/>
-          </p:nvPr>
-        </p:nvSpPr>
-        <p:spPr/>
-        <p:txBody>
-          <a:bodyPr/>
-          <a:lstStyle/>
-          <a:p>
-            <a:r>
-              <a:rPr kumimoji="1" lang="en-US" altLang="ja-JP" dirty="0"/>
-              <a:t>1.</a:t>
-            </a:r>
-            <a:r>
-              <a:rPr kumimoji="1" lang="ja-JP" altLang="en-US" dirty="0"/>
-              <a:t>目的</a:t>
-            </a:r>
-          </a:p>
-        </p:txBody>
-      </p:sp>
-    </p:spTree>
-    <p:extLst>
-      <p:ext uri="{BB962C8B-B14F-4D97-AF65-F5344CB8AC3E}">
-        <p14:creationId xmlns:p14="http://schemas.microsoft.com/office/powerpoint/2010/main" val="2010039180"/>
-      </p:ext>
-    </p:extLst>
-  </p:cSld>
-  <p:clrMapOvr>
-    <a:masterClrMapping/>
-  </p:clrMapOvr>
-</p:sld>
-</file>
-
-<file path=ppt/slides/slide4.xml><?xml version="1.0" encoding="utf-8"?>
-<p:sld xmlns:a="http://schemas.openxmlformats.org/drawingml/2006/main" xmlns:r="http://schemas.openxmlformats.org/officeDocument/2006/relationships" xmlns:p="http://schemas.openxmlformats.org/presentationml/2006/main">
-  <p:cSld>
-    <p:spTree>
-      <p:nvGrpSpPr>
-        <p:cNvPr id="1" name=""/>
-        <p:cNvGrpSpPr/>
-        <p:nvPr/>
-      </p:nvGrpSpPr>
-      <p:grpSpPr>
-        <a:xfrm>
-          <a:off x="0" y="0"/>
-          <a:ext cx="0" cy="0"/>
-          <a:chOff x="0" y="0"/>
-          <a:chExt cx="0" cy="0"/>
-        </a:xfrm>
-      </p:grpSpPr>
-      <p:sp>
-        <p:nvSpPr>
-          <p:cNvPr id="2" name="タイトル 1">
-            <a:extLst>
-              <a:ext uri="{FF2B5EF4-FFF2-40B4-BE49-F238E27FC236}">
-                <a16:creationId xmlns:a16="http://schemas.microsoft.com/office/drawing/2014/main" id="{375320BF-43D3-4AB2-9ED9-596839F1E352}"/>
-              </a:ext>
-            </a:extLst>
-          </p:cNvPr>
-          <p:cNvSpPr>
-            <a:spLocks noGrp="1"/>
-          </p:cNvSpPr>
-          <p:nvPr>
-            <p:ph type="title"/>
-          </p:nvPr>
-        </p:nvSpPr>
-        <p:spPr/>
-        <p:txBody>
-          <a:bodyPr>
-            <a:normAutofit fontScale="90000"/>
-          </a:bodyPr>
-          <a:lstStyle/>
-          <a:p>
-            <a:r>
-              <a:rPr kumimoji="1" lang="ja-JP" altLang="en-US" dirty="0"/>
-              <a:t>目的</a:t>
-            </a:r>
-          </a:p>
-        </p:txBody>
-      </p:sp>
-      <p:sp>
-        <p:nvSpPr>
-          <p:cNvPr id="3" name="テキスト プレースホルダー 2">
-            <a:extLst>
-              <a:ext uri="{FF2B5EF4-FFF2-40B4-BE49-F238E27FC236}">
-                <a16:creationId xmlns:a16="http://schemas.microsoft.com/office/drawing/2014/main" id="{29BF031A-AEAA-42B7-997E-73DB24388A4D}"/>
-              </a:ext>
-            </a:extLst>
-          </p:cNvPr>
-          <p:cNvSpPr>
-            <a:spLocks noGrp="1"/>
-          </p:cNvSpPr>
-          <p:nvPr>
-            <p:ph type="body" sz="quarter" idx="10"/>
-          </p:nvPr>
-        </p:nvSpPr>
-        <p:spPr>
-          <a:xfrm>
-            <a:off x="222885" y="1015683"/>
-            <a:ext cx="11339195" cy="5262562"/>
-          </a:xfrm>
-        </p:spPr>
-        <p:txBody>
-          <a:bodyPr/>
-          <a:lstStyle/>
-          <a:p>
-            <a:pPr marL="0" indent="0">
-              <a:buNone/>
-            </a:pPr>
-            <a:r>
-              <a:rPr kumimoji="1" lang="ja-JP" altLang="en-US" dirty="0"/>
-              <a:t>・業務で使うツールなので、知識を身に付ける</a:t>
-            </a:r>
-            <a:endParaRPr kumimoji="1" lang="en-US" altLang="ja-JP" sz="2400" dirty="0"/>
-          </a:p>
-          <a:p>
-            <a:pPr marL="0" indent="0">
-              <a:buNone/>
-            </a:pPr>
-            <a:endParaRPr kumimoji="1" lang="en-US" altLang="ja-JP" dirty="0"/>
-          </a:p>
-          <a:p>
-            <a:pPr marL="0" indent="0">
-              <a:buNone/>
-            </a:pPr>
-            <a:r>
-              <a:rPr kumimoji="1" lang="ja-JP" altLang="en-US" dirty="0"/>
-              <a:t>・</a:t>
-            </a:r>
-            <a:r>
-              <a:rPr kumimoji="1" lang="en-US" altLang="ja-JP" dirty="0"/>
-              <a:t>IT</a:t>
-            </a:r>
-            <a:r>
-              <a:rPr kumimoji="1" lang="ja-JP" altLang="en-US" dirty="0"/>
-              <a:t>自動化に関する知識やスキルに興味があるので、</a:t>
-            </a:r>
-            <a:endParaRPr kumimoji="1" lang="en-US" altLang="ja-JP" dirty="0"/>
-          </a:p>
-          <a:p>
-            <a:pPr marL="0" indent="0">
-              <a:buNone/>
-            </a:pPr>
-            <a:r>
-              <a:rPr kumimoji="1" lang="ja-JP" altLang="en-US" dirty="0"/>
-              <a:t>　業務で触れた</a:t>
-            </a:r>
-            <a:r>
-              <a:rPr kumimoji="1" lang="en-US" altLang="ja-JP" dirty="0"/>
-              <a:t>Ansible</a:t>
-            </a:r>
-            <a:r>
-              <a:rPr kumimoji="1" lang="ja-JP" altLang="en-US" dirty="0"/>
-              <a:t>を通して、その一端を身に付ける</a:t>
-            </a:r>
-            <a:endParaRPr kumimoji="1" lang="en-US" altLang="ja-JP" dirty="0"/>
-          </a:p>
-          <a:p>
-            <a:pPr marL="0" indent="0">
-              <a:buNone/>
-            </a:pPr>
-            <a:endParaRPr kumimoji="1" lang="en-US" altLang="ja-JP" sz="2400" dirty="0"/>
-          </a:p>
-          <a:p>
-            <a:pPr marL="0" indent="0">
-              <a:buNone/>
-            </a:pPr>
-            <a:r>
-              <a:rPr kumimoji="1" lang="ja-JP" altLang="en-US" dirty="0"/>
-              <a:t>・勉強の過程で知っておくべきことを共有する</a:t>
-            </a:r>
-            <a:endParaRPr kumimoji="1" lang="en-US" altLang="ja-JP" dirty="0"/>
-          </a:p>
-          <a:p>
-            <a:pPr marL="0" indent="0">
-              <a:buNone/>
-            </a:pPr>
-            <a:endParaRPr kumimoji="1" lang="en-US" altLang="ja-JP" dirty="0"/>
-          </a:p>
-          <a:p>
-            <a:pPr marL="0" indent="0">
-              <a:buNone/>
-            </a:pPr>
-            <a:endParaRPr kumimoji="1" lang="en-US" altLang="ja-JP" dirty="0"/>
-          </a:p>
-        </p:txBody>
-      </p:sp>
-    </p:spTree>
-    <p:extLst>
-      <p:ext uri="{BB962C8B-B14F-4D97-AF65-F5344CB8AC3E}">
-        <p14:creationId xmlns:p14="http://schemas.microsoft.com/office/powerpoint/2010/main" val="3595997046"/>
-      </p:ext>
-    </p:extLst>
-  </p:cSld>
-  <p:clrMapOvr>
-    <a:masterClrMapping/>
-  </p:clrMapOvr>
-</p:sld>
-</file>
-
-<file path=ppt/slides/slide5.xml><?xml version="1.0" encoding="utf-8"?>
-<p:sld xmlns:a="http://schemas.openxmlformats.org/drawingml/2006/main" xmlns:r="http://schemas.openxmlformats.org/officeDocument/2006/relationships" xmlns:p="http://schemas.openxmlformats.org/presentationml/2006/main">
-  <p:cSld>
-    <p:spTree>
-      <p:nvGrpSpPr>
-        <p:cNvPr id="1" name=""/>
-        <p:cNvGrpSpPr/>
-        <p:nvPr/>
-      </p:nvGrpSpPr>
-      <p:grpSpPr>
-        <a:xfrm>
-          <a:off x="0" y="0"/>
-          <a:ext cx="0" cy="0"/>
-          <a:chOff x="0" y="0"/>
-          <a:chExt cx="0" cy="0"/>
-        </a:xfrm>
-      </p:grpSpPr>
-      <p:sp>
-        <p:nvSpPr>
-          <p:cNvPr id="2" name="タイトル 1">
-            <a:extLst>
-              <a:ext uri="{FF2B5EF4-FFF2-40B4-BE49-F238E27FC236}">
-                <a16:creationId xmlns:a16="http://schemas.microsoft.com/office/drawing/2014/main" id="{2B4D749E-4C59-413D-91B2-FDAD3F48B4EC}"/>
-              </a:ext>
-            </a:extLst>
-          </p:cNvPr>
-          <p:cNvSpPr>
-            <a:spLocks noGrp="1"/>
-          </p:cNvSpPr>
-          <p:nvPr>
-            <p:ph type="title"/>
-          </p:nvPr>
-        </p:nvSpPr>
-        <p:spPr/>
-        <p:txBody>
-          <a:bodyPr/>
-          <a:lstStyle/>
-          <a:p>
-            <a:r>
-              <a:rPr kumimoji="1" lang="en-US" altLang="ja-JP" dirty="0"/>
-              <a:t>2.Ansible</a:t>
-            </a:r>
-            <a:r>
-              <a:rPr kumimoji="1" lang="ja-JP" altLang="en-US" dirty="0"/>
-              <a:t>とは</a:t>
-            </a:r>
-          </a:p>
-        </p:txBody>
-      </p:sp>
-    </p:spTree>
-    <p:extLst>
-      <p:ext uri="{BB962C8B-B14F-4D97-AF65-F5344CB8AC3E}">
-        <p14:creationId xmlns:p14="http://schemas.microsoft.com/office/powerpoint/2010/main" val="1327383487"/>
-      </p:ext>
-    </p:extLst>
-  </p:cSld>
-  <p:clrMapOvr>
-    <a:masterClrMapping/>
-  </p:clrMapOvr>
-</p:sld>
-</file>
-
-<file path=ppt/slides/slide6.xml><?xml version="1.0" encoding="utf-8"?>
-<p:sld xmlns:a="http://schemas.openxmlformats.org/drawingml/2006/main" xmlns:r="http://schemas.openxmlformats.org/officeDocument/2006/relationships" xmlns:p="http://schemas.openxmlformats.org/presentationml/2006/main">
-  <p:cSld>
-    <p:spTree>
-      <p:nvGrpSpPr>
-        <p:cNvPr id="1" name=""/>
-        <p:cNvGrpSpPr/>
-        <p:nvPr/>
-      </p:nvGrpSpPr>
-      <p:grpSpPr>
-        <a:xfrm>
-          <a:off x="0" y="0"/>
-          <a:ext cx="0" cy="0"/>
-          <a:chOff x="0" y="0"/>
-          <a:chExt cx="0" cy="0"/>
-        </a:xfrm>
-      </p:grpSpPr>
-      <p:sp>
-        <p:nvSpPr>
-          <p:cNvPr id="2" name="タイトル 1">
-            <a:extLst>
-              <a:ext uri="{FF2B5EF4-FFF2-40B4-BE49-F238E27FC236}">
-                <a16:creationId xmlns:a16="http://schemas.microsoft.com/office/drawing/2014/main" id="{375320BF-43D3-4AB2-9ED9-596839F1E352}"/>
-              </a:ext>
-            </a:extLst>
-          </p:cNvPr>
-          <p:cNvSpPr>
-            <a:spLocks noGrp="1"/>
-          </p:cNvSpPr>
-          <p:nvPr>
-            <p:ph type="title"/>
-          </p:nvPr>
-        </p:nvSpPr>
-        <p:spPr/>
-        <p:txBody>
-          <a:bodyPr>
-            <a:normAutofit fontScale="90000"/>
-          </a:bodyPr>
-          <a:lstStyle/>
-          <a:p>
-            <a:r>
-              <a:rPr kumimoji="1" lang="en-US" altLang="ja-JP" dirty="0"/>
-              <a:t>IT</a:t>
-            </a:r>
-            <a:r>
-              <a:rPr kumimoji="1" lang="ja-JP" altLang="en-US" dirty="0"/>
-              <a:t>自動化ツールとは</a:t>
-            </a:r>
-          </a:p>
-        </p:txBody>
-      </p:sp>
-      <p:sp>
-        <p:nvSpPr>
-          <p:cNvPr id="3" name="テキスト プレースホルダー 2">
-            <a:extLst>
-              <a:ext uri="{FF2B5EF4-FFF2-40B4-BE49-F238E27FC236}">
-                <a16:creationId xmlns:a16="http://schemas.microsoft.com/office/drawing/2014/main" id="{29BF031A-AEAA-42B7-997E-73DB24388A4D}"/>
-              </a:ext>
-            </a:extLst>
-          </p:cNvPr>
-          <p:cNvSpPr>
-            <a:spLocks noGrp="1"/>
-          </p:cNvSpPr>
-          <p:nvPr>
-            <p:ph type="body" sz="quarter" idx="10"/>
-          </p:nvPr>
-        </p:nvSpPr>
-        <p:spPr>
-          <a:xfrm>
-            <a:off x="222885" y="1015682"/>
-            <a:ext cx="11826875" cy="5700711"/>
-          </a:xfrm>
-        </p:spPr>
-        <p:txBody>
-          <a:bodyPr/>
-          <a:lstStyle/>
-          <a:p>
-            <a:pPr marL="0" indent="0">
-              <a:buNone/>
-            </a:pPr>
-            <a:r>
-              <a:rPr kumimoji="1" lang="ja-JP" altLang="en-US" sz="2400" dirty="0"/>
-              <a:t>・例えば、「アプリケーションをリリースする」作業の場合、</a:t>
-            </a:r>
-            <a:endParaRPr kumimoji="1" lang="en-US" altLang="ja-JP" sz="2400" dirty="0"/>
-          </a:p>
-          <a:p>
-            <a:pPr marL="0" indent="0">
-              <a:buNone/>
-            </a:pPr>
-            <a:r>
-              <a:rPr kumimoji="1" lang="ja-JP" altLang="en-US" sz="2400" dirty="0"/>
-              <a:t>　以下の作業が考えられる</a:t>
-            </a:r>
-            <a:endParaRPr kumimoji="1" lang="en-US" altLang="ja-JP" sz="2400" dirty="0"/>
-          </a:p>
-          <a:p>
-            <a:pPr marL="0" indent="0">
-              <a:buNone/>
-            </a:pPr>
-            <a:r>
-              <a:rPr kumimoji="1" lang="ja-JP" altLang="en-US" sz="2400" dirty="0"/>
-              <a:t>　⇒必要なファイルの配置、サービスの再起動、ツールの設定更新など</a:t>
-            </a:r>
-            <a:endParaRPr kumimoji="1" lang="en-US" altLang="ja-JP" sz="2400" dirty="0"/>
-          </a:p>
-          <a:p>
-            <a:pPr marL="0" indent="0">
-              <a:buNone/>
-            </a:pPr>
-            <a:endParaRPr kumimoji="1" lang="en-US" altLang="ja-JP" sz="2400" dirty="0"/>
-          </a:p>
-          <a:p>
-            <a:pPr marL="0" indent="0">
-              <a:buNone/>
-            </a:pPr>
-            <a:r>
-              <a:rPr kumimoji="1" lang="ja-JP" altLang="en-US" sz="2400" dirty="0"/>
-              <a:t>・挙げた作業を全て手動で実施しようとすると以下のようなことが考えられる</a:t>
-            </a:r>
-            <a:endParaRPr kumimoji="1" lang="en-US" altLang="ja-JP" sz="2400" dirty="0"/>
-          </a:p>
-          <a:p>
-            <a:pPr marL="0" indent="0">
-              <a:buNone/>
-            </a:pPr>
-            <a:r>
-              <a:rPr kumimoji="1" lang="ja-JP" altLang="en-US" sz="2400" dirty="0"/>
-              <a:t>　⇒決まり切った手順書の微調整、スケジュールと作業者の日程調整、</a:t>
-            </a:r>
-            <a:endParaRPr kumimoji="1" lang="en-US" altLang="ja-JP" sz="2400" dirty="0"/>
-          </a:p>
-          <a:p>
-            <a:pPr marL="0" indent="0">
-              <a:buNone/>
-            </a:pPr>
-            <a:r>
-              <a:rPr kumimoji="1" lang="ja-JP" altLang="en-US" sz="2400" dirty="0"/>
-              <a:t>　　サーバーの状況を常に配慮しながらの長時間の気の張る作業など</a:t>
-            </a:r>
-            <a:endParaRPr kumimoji="1" lang="en-US" altLang="ja-JP" sz="2400" dirty="0"/>
-          </a:p>
-          <a:p>
-            <a:pPr marL="0" indent="0">
-              <a:buNone/>
-            </a:pPr>
-            <a:r>
-              <a:rPr kumimoji="1" lang="ja-JP" altLang="en-US" sz="2400" dirty="0"/>
-              <a:t>　⇒</a:t>
-            </a:r>
-            <a:r>
-              <a:rPr kumimoji="1" lang="ja-JP" altLang="en-US" sz="2400" b="1" dirty="0">
-                <a:solidFill>
-                  <a:srgbClr val="FF0000"/>
-                </a:solidFill>
-              </a:rPr>
-              <a:t>手動での作業はとても面倒</a:t>
-            </a:r>
-            <a:endParaRPr kumimoji="1" lang="en-US" altLang="ja-JP" sz="2400" b="1" dirty="0">
-              <a:solidFill>
-                <a:srgbClr val="FF0000"/>
-              </a:solidFill>
-            </a:endParaRPr>
-          </a:p>
-          <a:p>
-            <a:pPr marL="0" indent="0">
-              <a:buNone/>
-            </a:pPr>
-            <a:endParaRPr kumimoji="1" lang="en-US" altLang="ja-JP" sz="2400" dirty="0"/>
-          </a:p>
-          <a:p>
-            <a:pPr marL="0" indent="0">
-              <a:buNone/>
-            </a:pPr>
-            <a:r>
-              <a:rPr kumimoji="1" lang="ja-JP" altLang="en-US" sz="2400" dirty="0"/>
-              <a:t>・決まっているが複雑で面倒な構成作業を自動化してくれるのが</a:t>
-            </a:r>
-            <a:r>
-              <a:rPr kumimoji="1" lang="en-US" altLang="ja-JP" sz="2400" b="1" dirty="0">
-                <a:solidFill>
-                  <a:srgbClr val="FF0000"/>
-                </a:solidFill>
-              </a:rPr>
-              <a:t>IT</a:t>
-            </a:r>
-            <a:r>
-              <a:rPr kumimoji="1" lang="ja-JP" altLang="en-US" sz="2400" b="1" dirty="0">
-                <a:solidFill>
-                  <a:srgbClr val="FF0000"/>
-                </a:solidFill>
-              </a:rPr>
-              <a:t>自動化ツール</a:t>
-            </a:r>
-            <a:endParaRPr kumimoji="1" lang="en-US" altLang="ja-JP" sz="2400" dirty="0"/>
-          </a:p>
-          <a:p>
-            <a:pPr marL="0" indent="0">
-              <a:buNone/>
-            </a:pPr>
-            <a:r>
-              <a:rPr kumimoji="1" lang="ja-JP" altLang="en-US" sz="2400" dirty="0"/>
-              <a:t>　⇒</a:t>
-            </a:r>
-            <a:r>
-              <a:rPr kumimoji="1" lang="en-US" altLang="ja-JP" sz="2400" dirty="0"/>
-              <a:t>Ansible</a:t>
-            </a:r>
-            <a:r>
-              <a:rPr kumimoji="1" lang="ja-JP" altLang="en-US" sz="2400" dirty="0"/>
-              <a:t>はその一つ</a:t>
-            </a:r>
-            <a:endParaRPr kumimoji="1" lang="en-US" altLang="ja-JP" sz="2400" dirty="0"/>
-          </a:p>
-          <a:p>
-            <a:pPr marL="0" indent="0">
-              <a:buNone/>
-            </a:pPr>
-            <a:r>
-              <a:rPr kumimoji="1" lang="ja-JP" altLang="en-US" sz="2400" dirty="0"/>
-              <a:t>　　　</a:t>
-            </a:r>
-            <a:endParaRPr kumimoji="1" lang="en-US" altLang="ja-JP" sz="2400" dirty="0"/>
-          </a:p>
-          <a:p>
-            <a:pPr marL="0" indent="0">
-              <a:buNone/>
-            </a:pPr>
-            <a:r>
-              <a:rPr kumimoji="1" lang="ja-JP" altLang="en-US" sz="2400" dirty="0"/>
-              <a:t>　　</a:t>
-            </a:r>
-            <a:endParaRPr kumimoji="1" lang="en-US" altLang="ja-JP" sz="2400" dirty="0"/>
-          </a:p>
-        </p:txBody>
-      </p:sp>
-    </p:spTree>
-    <p:extLst>
-      <p:ext uri="{BB962C8B-B14F-4D97-AF65-F5344CB8AC3E}">
-        <p14:creationId xmlns:p14="http://schemas.microsoft.com/office/powerpoint/2010/main" val="957997193"/>
-      </p:ext>
-    </p:extLst>
-  </p:cSld>
-  <p:clrMapOvr>
-    <a:masterClrMapping/>
-  </p:clrMapOvr>
-</p:sld>
-</file>
-
-<file path=ppt/slides/slide7.xml><?xml version="1.0" encoding="utf-8"?>
-<p:sld xmlns:a="http://schemas.openxmlformats.org/drawingml/2006/main" xmlns:r="http://schemas.openxmlformats.org/officeDocument/2006/relationships" xmlns:p="http://schemas.openxmlformats.org/presentationml/2006/main">
-  <p:cSld>
-    <p:spTree>
-      <p:nvGrpSpPr>
-        <p:cNvPr id="1" name=""/>
-        <p:cNvGrpSpPr/>
-        <p:nvPr/>
-      </p:nvGrpSpPr>
-      <p:grpSpPr>
-        <a:xfrm>
-          <a:off x="0" y="0"/>
-          <a:ext cx="0" cy="0"/>
-          <a:chOff x="0" y="0"/>
-          <a:chExt cx="0" cy="0"/>
-        </a:xfrm>
-      </p:grpSpPr>
-      <p:sp>
-        <p:nvSpPr>
-          <p:cNvPr id="2" name="タイトル 1">
-            <a:extLst>
-              <a:ext uri="{FF2B5EF4-FFF2-40B4-BE49-F238E27FC236}">
-                <a16:creationId xmlns:a16="http://schemas.microsoft.com/office/drawing/2014/main" id="{375320BF-43D3-4AB2-9ED9-596839F1E352}"/>
-              </a:ext>
-            </a:extLst>
-          </p:cNvPr>
-          <p:cNvSpPr>
-            <a:spLocks noGrp="1"/>
-          </p:cNvSpPr>
-          <p:nvPr>
-            <p:ph type="title"/>
-          </p:nvPr>
-        </p:nvSpPr>
-        <p:spPr/>
-        <p:txBody>
-          <a:bodyPr>
-            <a:normAutofit fontScale="90000"/>
-          </a:bodyPr>
-          <a:lstStyle/>
-          <a:p>
-            <a:r>
-              <a:rPr kumimoji="1" lang="en-US" altLang="ja-JP" dirty="0"/>
-              <a:t>Ansible</a:t>
-            </a:r>
-            <a:r>
-              <a:rPr kumimoji="1" lang="ja-JP" altLang="en-US" dirty="0"/>
-              <a:t>とは</a:t>
-            </a:r>
-          </a:p>
-        </p:txBody>
-      </p:sp>
-      <p:sp>
-        <p:nvSpPr>
-          <p:cNvPr id="3" name="テキスト プレースホルダー 2">
-            <a:extLst>
-              <a:ext uri="{FF2B5EF4-FFF2-40B4-BE49-F238E27FC236}">
-                <a16:creationId xmlns:a16="http://schemas.microsoft.com/office/drawing/2014/main" id="{29BF031A-AEAA-42B7-997E-73DB24388A4D}"/>
-              </a:ext>
-            </a:extLst>
-          </p:cNvPr>
-          <p:cNvSpPr>
-            <a:spLocks noGrp="1"/>
-          </p:cNvSpPr>
-          <p:nvPr>
-            <p:ph type="body" sz="quarter" idx="10"/>
-          </p:nvPr>
-        </p:nvSpPr>
-        <p:spPr>
-          <a:xfrm>
-            <a:off x="222885" y="1015682"/>
-            <a:ext cx="11826875" cy="5700711"/>
-          </a:xfrm>
-        </p:spPr>
-        <p:txBody>
-          <a:bodyPr/>
-          <a:lstStyle/>
-          <a:p>
-            <a:pPr marL="0" indent="0">
-              <a:buNone/>
-            </a:pPr>
-            <a:r>
-              <a:rPr kumimoji="1" lang="ja-JP" altLang="en-US" sz="2400" dirty="0"/>
-              <a:t>・</a:t>
-            </a:r>
-            <a:r>
-              <a:rPr kumimoji="1" lang="en-US" altLang="ja-JP" sz="2400" dirty="0"/>
-              <a:t>IT</a:t>
-            </a:r>
-            <a:r>
-              <a:rPr kumimoji="1" lang="ja-JP" altLang="en-US" sz="2400" dirty="0"/>
-              <a:t>自動化ツールの中でも、単純かつ使いやすいことを目標としたツール</a:t>
-            </a:r>
-            <a:endParaRPr kumimoji="1" lang="en-US" altLang="ja-JP" sz="2400" dirty="0"/>
-          </a:p>
-          <a:p>
-            <a:pPr marL="0" indent="0">
-              <a:buNone/>
-            </a:pPr>
-            <a:endParaRPr kumimoji="1" lang="en-US" altLang="ja-JP" sz="2400" dirty="0"/>
-          </a:p>
-          <a:p>
-            <a:pPr marL="0" indent="0">
-              <a:buNone/>
-            </a:pPr>
-            <a:r>
-              <a:rPr kumimoji="1" lang="ja-JP" altLang="en-US" sz="2400" dirty="0"/>
-              <a:t>・開発者、システム管理者、</a:t>
-            </a:r>
-            <a:r>
-              <a:rPr kumimoji="1" lang="en-US" altLang="ja-JP" sz="2400" dirty="0"/>
-              <a:t>IT</a:t>
-            </a:r>
-            <a:r>
-              <a:rPr kumimoji="1" lang="ja-JP" altLang="en-US" sz="2400" dirty="0"/>
-              <a:t>マネージャーなどのあらゆる分野のユーザーが</a:t>
-            </a:r>
-            <a:endParaRPr kumimoji="1" lang="en-US" altLang="ja-JP" sz="2400" dirty="0"/>
-          </a:p>
-          <a:p>
-            <a:pPr marL="0" indent="0">
-              <a:buNone/>
-            </a:pPr>
-            <a:r>
-              <a:rPr kumimoji="1" lang="ja-JP" altLang="en-US" sz="2400" dirty="0"/>
-              <a:t>　使いやすいように設計されている</a:t>
-            </a:r>
-            <a:endParaRPr kumimoji="1" lang="en-US" altLang="ja-JP" sz="2400" dirty="0"/>
-          </a:p>
-          <a:p>
-            <a:pPr marL="0" indent="0">
-              <a:buNone/>
-            </a:pPr>
-            <a:endParaRPr kumimoji="1" lang="en-US" altLang="ja-JP" sz="2400" dirty="0"/>
-          </a:p>
-          <a:p>
-            <a:pPr marL="0" indent="0">
-              <a:buNone/>
-            </a:pPr>
-            <a:r>
-              <a:rPr kumimoji="1" lang="ja-JP" altLang="en-US" sz="2400" dirty="0"/>
-              <a:t>・「機器一覧表」に書かれた機器に対して、「手順書」通りに作業する</a:t>
-            </a:r>
-            <a:endParaRPr kumimoji="1" lang="en-US" altLang="ja-JP" sz="2400" dirty="0"/>
-          </a:p>
-          <a:p>
-            <a:pPr marL="0" indent="0">
-              <a:buNone/>
-            </a:pPr>
-            <a:endParaRPr kumimoji="1" lang="en-US" altLang="ja-JP" sz="2400" dirty="0"/>
-          </a:p>
-          <a:p>
-            <a:pPr marL="0" indent="0">
-              <a:buNone/>
-            </a:pPr>
-            <a:r>
-              <a:rPr kumimoji="1" lang="ja-JP" altLang="en-US" sz="2400" dirty="0"/>
-              <a:t>・一般的にはサーバーが対象だが、仮想環境・ネットワーク機器などにも対応可能</a:t>
-            </a:r>
-            <a:endParaRPr kumimoji="1" lang="en-US" altLang="ja-JP" sz="2400" dirty="0"/>
-          </a:p>
-        </p:txBody>
-      </p:sp>
-    </p:spTree>
-    <p:extLst>
-      <p:ext uri="{BB962C8B-B14F-4D97-AF65-F5344CB8AC3E}">
-        <p14:creationId xmlns:p14="http://schemas.microsoft.com/office/powerpoint/2010/main" val="1206977585"/>
-      </p:ext>
-    </p:extLst>
-  </p:cSld>
-  <p:clrMapOvr>
-    <a:masterClrMapping/>
-  </p:clrMapOvr>
-</p:sld>
-</file>
-
-<file path=ppt/slides/slide8.xml><?xml version="1.0" encoding="utf-8"?>
-<p:sld xmlns:a="http://schemas.openxmlformats.org/drawingml/2006/main" xmlns:r="http://schemas.openxmlformats.org/officeDocument/2006/relationships" xmlns:p="http://schemas.openxmlformats.org/presentationml/2006/main">
-  <p:cSld>
-    <p:spTree>
-      <p:nvGrpSpPr>
-        <p:cNvPr id="1" name=""/>
-        <p:cNvGrpSpPr/>
-        <p:nvPr/>
-      </p:nvGrpSpPr>
-      <p:grpSpPr>
-        <a:xfrm>
-          <a:off x="0" y="0"/>
-          <a:ext cx="0" cy="0"/>
-          <a:chOff x="0" y="0"/>
-          <a:chExt cx="0" cy="0"/>
-        </a:xfrm>
-      </p:grpSpPr>
-      <p:sp>
-        <p:nvSpPr>
-          <p:cNvPr id="2" name="タイトル 1">
-            <a:extLst>
-              <a:ext uri="{FF2B5EF4-FFF2-40B4-BE49-F238E27FC236}">
-                <a16:creationId xmlns:a16="http://schemas.microsoft.com/office/drawing/2014/main" id="{375320BF-43D3-4AB2-9ED9-596839F1E352}"/>
-              </a:ext>
-            </a:extLst>
-          </p:cNvPr>
-          <p:cNvSpPr>
-            <a:spLocks noGrp="1"/>
-          </p:cNvSpPr>
-          <p:nvPr>
-            <p:ph type="title"/>
-          </p:nvPr>
-        </p:nvSpPr>
-        <p:spPr/>
-        <p:txBody>
-          <a:bodyPr>
-            <a:normAutofit fontScale="90000"/>
-          </a:bodyPr>
-          <a:lstStyle/>
-          <a:p>
-            <a:r>
-              <a:rPr kumimoji="1" lang="en-US" altLang="ja-JP" dirty="0"/>
-              <a:t>Ansible</a:t>
-            </a:r>
-            <a:r>
-              <a:rPr kumimoji="1" lang="ja-JP" altLang="en-US" dirty="0"/>
-              <a:t>の概要</a:t>
-            </a:r>
-          </a:p>
-        </p:txBody>
-      </p:sp>
-      <p:sp>
-        <p:nvSpPr>
-          <p:cNvPr id="3" name="テキスト プレースホルダー 2">
-            <a:extLst>
-              <a:ext uri="{FF2B5EF4-FFF2-40B4-BE49-F238E27FC236}">
-                <a16:creationId xmlns:a16="http://schemas.microsoft.com/office/drawing/2014/main" id="{29BF031A-AEAA-42B7-997E-73DB24388A4D}"/>
-              </a:ext>
-            </a:extLst>
-          </p:cNvPr>
-          <p:cNvSpPr>
-            <a:spLocks noGrp="1"/>
-          </p:cNvSpPr>
-          <p:nvPr>
-            <p:ph type="body" sz="quarter" idx="10"/>
-          </p:nvPr>
-        </p:nvSpPr>
-        <p:spPr>
-          <a:xfrm>
-            <a:off x="222885" y="1015682"/>
-            <a:ext cx="11826875" cy="5700711"/>
-          </a:xfrm>
-        </p:spPr>
-        <p:txBody>
-          <a:bodyPr/>
-          <a:lstStyle/>
-          <a:p>
-            <a:r>
-              <a:rPr kumimoji="1" lang="ja-JP" altLang="en-US" sz="2400" dirty="0"/>
-              <a:t>動作環境：実行側には、</a:t>
-            </a:r>
-            <a:r>
-              <a:rPr kumimoji="1" lang="en-US" altLang="ja-JP" sz="2400" dirty="0"/>
-              <a:t>Python 2 (</a:t>
-            </a:r>
-            <a:r>
-              <a:rPr kumimoji="1" lang="ja-JP" altLang="en-US" sz="2400" dirty="0"/>
-              <a:t>バージョン </a:t>
-            </a:r>
-            <a:r>
-              <a:rPr kumimoji="1" lang="en-US" altLang="ja-JP" sz="2400" dirty="0"/>
-              <a:t>2.7) </a:t>
-            </a:r>
-            <a:r>
-              <a:rPr kumimoji="1" lang="ja-JP" altLang="en-US" sz="2400" dirty="0"/>
-              <a:t>または </a:t>
-            </a:r>
-            <a:r>
-              <a:rPr kumimoji="1" lang="en-US" altLang="ja-JP" sz="2400" dirty="0"/>
-              <a:t>Python 3 (</a:t>
-            </a:r>
-            <a:r>
-              <a:rPr kumimoji="1" lang="ja-JP" altLang="en-US" sz="2400" dirty="0"/>
-              <a:t>バージョン </a:t>
-            </a:r>
-            <a:r>
-              <a:rPr kumimoji="1" lang="en-US" altLang="ja-JP" sz="2400" dirty="0"/>
-              <a:t>3.5 </a:t>
-            </a:r>
-            <a:r>
-              <a:rPr kumimoji="1" lang="ja-JP" altLang="en-US" sz="2400" dirty="0"/>
-              <a:t>以上</a:t>
-            </a:r>
-            <a:r>
-              <a:rPr kumimoji="1" lang="en-US" altLang="ja-JP" sz="2400" dirty="0"/>
-              <a:t>) </a:t>
-            </a:r>
-            <a:r>
-              <a:rPr kumimoji="1" lang="ja-JP" altLang="en-US" sz="2400" dirty="0"/>
-              <a:t>がインストールされていればどのマシンからでも実行可能</a:t>
-            </a:r>
-            <a:r>
-              <a:rPr kumimoji="1" lang="en-US" altLang="ja-JP" sz="2400" dirty="0"/>
-              <a:t>(</a:t>
-            </a:r>
-            <a:r>
-              <a:rPr kumimoji="1" lang="ja-JP" altLang="en-US" sz="2400" dirty="0"/>
-              <a:t>ただし、</a:t>
-            </a:r>
-            <a:r>
-              <a:rPr kumimoji="1" lang="en-US" altLang="ja-JP" sz="2400" dirty="0"/>
-              <a:t>Windows</a:t>
-            </a:r>
-            <a:r>
-              <a:rPr kumimoji="1" lang="ja-JP" altLang="en-US" sz="2400" dirty="0"/>
-              <a:t>はサポートがないので注意</a:t>
-            </a:r>
-            <a:r>
-              <a:rPr kumimoji="1" lang="en-US" altLang="ja-JP" sz="2400" dirty="0"/>
-              <a:t>)</a:t>
-            </a:r>
-            <a:r>
-              <a:rPr kumimoji="1" lang="ja-JP" altLang="en-US" sz="2400" dirty="0"/>
-              <a:t>。また、処理対象側にも</a:t>
-            </a:r>
-            <a:r>
-              <a:rPr kumimoji="1" lang="en-US" altLang="ja-JP" sz="2400" dirty="0"/>
-              <a:t>Python 2 (</a:t>
-            </a:r>
-            <a:r>
-              <a:rPr kumimoji="1" lang="ja-JP" altLang="en-US" sz="2400" dirty="0"/>
-              <a:t>バージョン </a:t>
-            </a:r>
-            <a:r>
-              <a:rPr kumimoji="1" lang="en-US" altLang="ja-JP" sz="2400" dirty="0"/>
-              <a:t>2.6</a:t>
-            </a:r>
-            <a:r>
-              <a:rPr kumimoji="1" lang="ja-JP" altLang="en-US" sz="2400" dirty="0"/>
-              <a:t>以降</a:t>
-            </a:r>
-            <a:r>
-              <a:rPr kumimoji="1" lang="en-US" altLang="ja-JP" sz="2400" dirty="0"/>
-              <a:t>) </a:t>
-            </a:r>
-            <a:r>
-              <a:rPr kumimoji="1" lang="ja-JP" altLang="en-US" sz="2400" dirty="0"/>
-              <a:t>または </a:t>
-            </a:r>
-            <a:r>
-              <a:rPr kumimoji="1" lang="en-US" altLang="ja-JP" sz="2400" dirty="0"/>
-              <a:t>Python 3 (</a:t>
-            </a:r>
-            <a:r>
-              <a:rPr kumimoji="1" lang="ja-JP" altLang="en-US" sz="2400" dirty="0"/>
-              <a:t>バージョン </a:t>
-            </a:r>
-            <a:r>
-              <a:rPr kumimoji="1" lang="en-US" altLang="ja-JP" sz="2400" dirty="0"/>
-              <a:t>3.5 </a:t>
-            </a:r>
-            <a:r>
-              <a:rPr kumimoji="1" lang="ja-JP" altLang="en-US" sz="2400" dirty="0"/>
-              <a:t>以降</a:t>
-            </a:r>
-            <a:r>
-              <a:rPr kumimoji="1" lang="en-US" altLang="ja-JP" sz="2400" dirty="0"/>
-              <a:t>)</a:t>
-            </a:r>
-            <a:r>
-              <a:rPr kumimoji="1" lang="ja-JP" altLang="en-US" sz="2400" dirty="0"/>
-              <a:t>が必要</a:t>
-            </a:r>
-            <a:r>
-              <a:rPr kumimoji="1" lang="en-US" altLang="ja-JP" sz="2400" dirty="0"/>
-              <a:t> </a:t>
-            </a:r>
-          </a:p>
-          <a:p>
-            <a:endParaRPr kumimoji="1" lang="en-US" altLang="ja-JP" sz="2400" dirty="0"/>
-          </a:p>
-          <a:p>
-            <a:r>
-              <a:rPr kumimoji="1" lang="ja-JP" altLang="en-US" sz="2400" dirty="0"/>
-              <a:t>定義ファイル書式：</a:t>
-            </a:r>
-            <a:r>
-              <a:rPr kumimoji="1" lang="en-US" altLang="ja-JP" sz="2400" dirty="0"/>
-              <a:t>YAML</a:t>
-            </a:r>
-            <a:r>
-              <a:rPr kumimoji="1" lang="ja-JP" altLang="en-US" sz="2400" dirty="0"/>
-              <a:t>で記述、インベントリファイル</a:t>
-            </a:r>
-            <a:r>
-              <a:rPr kumimoji="1" lang="en-US" altLang="ja-JP" sz="2400" dirty="0"/>
-              <a:t>(</a:t>
-            </a:r>
-            <a:r>
-              <a:rPr kumimoji="1" lang="ja-JP" altLang="en-US" sz="2400" dirty="0"/>
-              <a:t>機器一覧表</a:t>
-            </a:r>
-            <a:r>
-              <a:rPr kumimoji="1" lang="en-US" altLang="ja-JP" sz="2400" dirty="0"/>
-              <a:t>)</a:t>
-            </a:r>
-            <a:r>
-              <a:rPr kumimoji="1" lang="ja-JP" altLang="en-US" sz="2400" dirty="0"/>
-              <a:t>に関しては</a:t>
-            </a:r>
-            <a:r>
-              <a:rPr kumimoji="1" lang="en-US" altLang="ja-JP" sz="2400" dirty="0" err="1"/>
-              <a:t>ini</a:t>
-            </a:r>
-            <a:r>
-              <a:rPr kumimoji="1" lang="ja-JP" altLang="en-US" sz="2400" dirty="0"/>
-              <a:t>形式で記述可能</a:t>
-            </a:r>
-            <a:endParaRPr kumimoji="1" lang="en-US" altLang="ja-JP" sz="2400" dirty="0"/>
-          </a:p>
-          <a:p>
-            <a:endParaRPr kumimoji="1" lang="en-US" altLang="ja-JP" sz="2400" dirty="0"/>
-          </a:p>
-          <a:p>
-            <a:r>
-              <a:rPr kumimoji="1" lang="ja-JP" altLang="en-US" sz="2400" dirty="0"/>
-              <a:t>処理対象へのエージェントのインストール：不要、実行側に</a:t>
-            </a:r>
-            <a:r>
-              <a:rPr kumimoji="1" lang="en-US" altLang="ja-JP" sz="2400" dirty="0"/>
-              <a:t>Ansible</a:t>
-            </a:r>
-            <a:r>
-              <a:rPr kumimoji="1" lang="ja-JP" altLang="en-US" sz="2400" dirty="0"/>
-              <a:t>をインストールすれば使用可能</a:t>
-            </a:r>
-            <a:endParaRPr kumimoji="1" lang="en-US" altLang="ja-JP" sz="2400" dirty="0"/>
-          </a:p>
-          <a:p>
-            <a:pPr marL="0" indent="0">
-              <a:buNone/>
-            </a:pPr>
-            <a:endParaRPr kumimoji="1" lang="en-US" altLang="ja-JP" sz="2400" dirty="0"/>
-          </a:p>
-          <a:p>
-            <a:r>
-              <a:rPr kumimoji="1" lang="ja-JP" altLang="en-US" sz="2400" dirty="0"/>
-              <a:t>冪等性：処理を何回実行しても実行結果が変わらない、</a:t>
-            </a:r>
-            <a:r>
-              <a:rPr kumimoji="1" lang="en-US" altLang="ja-JP" sz="2400" dirty="0"/>
-              <a:t>Ansible</a:t>
-            </a:r>
-            <a:r>
-              <a:rPr kumimoji="1" lang="ja-JP" altLang="en-US" sz="2400" dirty="0"/>
-              <a:t>は実行時にその処理が実行済みかどうか確認して未実行であれば実行する</a:t>
-            </a:r>
-            <a:endParaRPr kumimoji="1" lang="en-US" altLang="ja-JP" sz="2400" dirty="0"/>
-          </a:p>
-        </p:txBody>
-      </p:sp>
-    </p:spTree>
-    <p:extLst>
-      <p:ext uri="{BB962C8B-B14F-4D97-AF65-F5344CB8AC3E}">
-        <p14:creationId xmlns:p14="http://schemas.microsoft.com/office/powerpoint/2010/main" val="3286607046"/>
-      </p:ext>
-    </p:extLst>
-  </p:cSld>
-  <p:clrMapOvr>
-    <a:masterClrMapping/>
-  </p:clrMapOvr>
-</p:sld>
-</file>
-
-<file path=ppt/slides/slide9.xml><?xml version="1.0" encoding="utf-8"?>
-<p:sld xmlns:a="http://schemas.openxmlformats.org/drawingml/2006/main" xmlns:r="http://schemas.openxmlformats.org/officeDocument/2006/relationships" xmlns:p="http://schemas.openxmlformats.org/presentationml/2006/main">
-  <p:cSld>
-    <p:spTree>
-      <p:nvGrpSpPr>
-        <p:cNvPr id="1" name=""/>
-        <p:cNvGrpSpPr/>
-        <p:nvPr/>
-      </p:nvGrpSpPr>
-      <p:grpSpPr>
-        <a:xfrm>
-          <a:off x="0" y="0"/>
-          <a:ext cx="0" cy="0"/>
-          <a:chOff x="0" y="0"/>
-          <a:chExt cx="0" cy="0"/>
-        </a:xfrm>
-      </p:grpSpPr>
-      <p:sp>
-        <p:nvSpPr>
-          <p:cNvPr id="2" name="タイトル 1">
-            <a:extLst>
-              <a:ext uri="{FF2B5EF4-FFF2-40B4-BE49-F238E27FC236}">
-                <a16:creationId xmlns:a16="http://schemas.microsoft.com/office/drawing/2014/main" id="{375320BF-43D3-4AB2-9ED9-596839F1E352}"/>
-              </a:ext>
-            </a:extLst>
-          </p:cNvPr>
-          <p:cNvSpPr>
-            <a:spLocks noGrp="1"/>
-          </p:cNvSpPr>
-          <p:nvPr>
-            <p:ph type="title"/>
-          </p:nvPr>
-        </p:nvSpPr>
-        <p:spPr/>
-        <p:txBody>
-          <a:bodyPr>
-            <a:normAutofit fontScale="90000"/>
-          </a:bodyPr>
-          <a:lstStyle/>
-          <a:p>
-            <a:r>
               <a:rPr kumimoji="1" lang="en-US" altLang="ja-JP" dirty="0"/>
               <a:t>Ansible</a:t>
             </a:r>
@@ -7509,6 +4027,3541 @@
     <p:extLst>
       <p:ext uri="{BB962C8B-B14F-4D97-AF65-F5344CB8AC3E}">
         <p14:creationId xmlns:p14="http://schemas.microsoft.com/office/powerpoint/2010/main" val="611619556"/>
+      </p:ext>
+    </p:extLst>
+  </p:cSld>
+  <p:clrMapOvr>
+    <a:masterClrMapping/>
+  </p:clrMapOvr>
+</p:sld>
+</file>
+
+<file path=ppt/slides/slide11.xml><?xml version="1.0" encoding="utf-8"?>
+<p:sld xmlns:a="http://schemas.openxmlformats.org/drawingml/2006/main" xmlns:r="http://schemas.openxmlformats.org/officeDocument/2006/relationships" xmlns:p="http://schemas.openxmlformats.org/presentationml/2006/main">
+  <p:cSld>
+    <p:spTree>
+      <p:nvGrpSpPr>
+        <p:cNvPr id="1" name=""/>
+        <p:cNvGrpSpPr/>
+        <p:nvPr/>
+      </p:nvGrpSpPr>
+      <p:grpSpPr>
+        <a:xfrm>
+          <a:off x="0" y="0"/>
+          <a:ext cx="0" cy="0"/>
+          <a:chOff x="0" y="0"/>
+          <a:chExt cx="0" cy="0"/>
+        </a:xfrm>
+      </p:grpSpPr>
+      <p:sp>
+        <p:nvSpPr>
+          <p:cNvPr id="2" name="タイトル 1">
+            <a:extLst>
+              <a:ext uri="{FF2B5EF4-FFF2-40B4-BE49-F238E27FC236}">
+                <a16:creationId xmlns:a16="http://schemas.microsoft.com/office/drawing/2014/main" id="{375320BF-43D3-4AB2-9ED9-596839F1E352}"/>
+              </a:ext>
+            </a:extLst>
+          </p:cNvPr>
+          <p:cNvSpPr>
+            <a:spLocks noGrp="1"/>
+          </p:cNvSpPr>
+          <p:nvPr>
+            <p:ph type="title"/>
+          </p:nvPr>
+        </p:nvSpPr>
+        <p:spPr/>
+        <p:txBody>
+          <a:bodyPr>
+            <a:normAutofit fontScale="90000"/>
+          </a:bodyPr>
+          <a:lstStyle/>
+          <a:p>
+            <a:r>
+              <a:rPr kumimoji="1" lang="ja-JP" altLang="en-US" dirty="0"/>
+              <a:t>インベントリファイル</a:t>
+            </a:r>
+          </a:p>
+        </p:txBody>
+      </p:sp>
+      <p:sp>
+        <p:nvSpPr>
+          <p:cNvPr id="3" name="テキスト プレースホルダー 2">
+            <a:extLst>
+              <a:ext uri="{FF2B5EF4-FFF2-40B4-BE49-F238E27FC236}">
+                <a16:creationId xmlns:a16="http://schemas.microsoft.com/office/drawing/2014/main" id="{29BF031A-AEAA-42B7-997E-73DB24388A4D}"/>
+              </a:ext>
+            </a:extLst>
+          </p:cNvPr>
+          <p:cNvSpPr>
+            <a:spLocks noGrp="1"/>
+          </p:cNvSpPr>
+          <p:nvPr>
+            <p:ph type="body" sz="quarter" idx="10"/>
+          </p:nvPr>
+        </p:nvSpPr>
+        <p:spPr>
+          <a:xfrm>
+            <a:off x="222885" y="1015682"/>
+            <a:ext cx="11826875" cy="5700711"/>
+          </a:xfrm>
+        </p:spPr>
+        <p:txBody>
+          <a:bodyPr/>
+          <a:lstStyle/>
+          <a:p>
+            <a:r>
+              <a:rPr kumimoji="1" lang="en-US" altLang="ja-JP" sz="2400" dirty="0"/>
+              <a:t>Ansible</a:t>
+            </a:r>
+            <a:r>
+              <a:rPr kumimoji="1" lang="ja-JP" altLang="en-US" sz="2400" dirty="0"/>
+              <a:t>の処理対象のホストを記述する「機器一覧表」</a:t>
+            </a:r>
+            <a:endParaRPr kumimoji="1" lang="en-US" altLang="ja-JP" sz="2400" dirty="0"/>
+          </a:p>
+          <a:p>
+            <a:endParaRPr kumimoji="1" lang="en-US" altLang="ja-JP" sz="2400" dirty="0"/>
+          </a:p>
+          <a:p>
+            <a:r>
+              <a:rPr kumimoji="1" lang="ja-JP" altLang="en-US" sz="2400" dirty="0"/>
+              <a:t>ホスト同士の関係を元に記述する</a:t>
+            </a:r>
+            <a:endParaRPr kumimoji="1" lang="en-US" altLang="ja-JP" sz="2400" dirty="0"/>
+          </a:p>
+          <a:p>
+            <a:endParaRPr kumimoji="1" lang="en-US" altLang="ja-JP" sz="2400" dirty="0"/>
+          </a:p>
+          <a:p>
+            <a:r>
+              <a:rPr kumimoji="1" lang="ja-JP" altLang="en-US" sz="2400" dirty="0"/>
+              <a:t>実行コマンドで指定するか、</a:t>
+            </a:r>
+            <a:r>
+              <a:rPr kumimoji="1" lang="en-US" altLang="ja-JP" sz="2400" dirty="0" err="1"/>
+              <a:t>ansible.cfg</a:t>
+            </a:r>
+            <a:r>
+              <a:rPr kumimoji="1" lang="ja-JP" altLang="en-US" sz="2400" dirty="0"/>
+              <a:t>に設定することで、</a:t>
+            </a:r>
+            <a:r>
+              <a:rPr kumimoji="1" lang="en-US" altLang="ja-JP" sz="2400" dirty="0"/>
+              <a:t>Ansible</a:t>
+            </a:r>
+            <a:r>
+              <a:rPr kumimoji="1" lang="ja-JP" altLang="en-US" sz="2400" dirty="0"/>
+              <a:t>に読み込ませることができる</a:t>
+            </a:r>
+            <a:endParaRPr kumimoji="1" lang="en-US" altLang="ja-JP" sz="2400" dirty="0"/>
+          </a:p>
+          <a:p>
+            <a:endParaRPr kumimoji="1" lang="en-US" altLang="ja-JP" sz="2400" dirty="0"/>
+          </a:p>
+          <a:p>
+            <a:endParaRPr kumimoji="1" lang="en-US" altLang="ja-JP" sz="2400" dirty="0"/>
+          </a:p>
+          <a:p>
+            <a:endParaRPr kumimoji="1" lang="en-US" altLang="ja-JP" sz="2400" dirty="0"/>
+          </a:p>
+        </p:txBody>
+      </p:sp>
+    </p:spTree>
+    <p:extLst>
+      <p:ext uri="{BB962C8B-B14F-4D97-AF65-F5344CB8AC3E}">
+        <p14:creationId xmlns:p14="http://schemas.microsoft.com/office/powerpoint/2010/main" val="4224340065"/>
+      </p:ext>
+    </p:extLst>
+  </p:cSld>
+  <p:clrMapOvr>
+    <a:masterClrMapping/>
+  </p:clrMapOvr>
+</p:sld>
+</file>
+
+<file path=ppt/slides/slide12.xml><?xml version="1.0" encoding="utf-8"?>
+<p:sld xmlns:a="http://schemas.openxmlformats.org/drawingml/2006/main" xmlns:r="http://schemas.openxmlformats.org/officeDocument/2006/relationships" xmlns:p="http://schemas.openxmlformats.org/presentationml/2006/main">
+  <p:cSld>
+    <p:spTree>
+      <p:nvGrpSpPr>
+        <p:cNvPr id="1" name=""/>
+        <p:cNvGrpSpPr/>
+        <p:nvPr/>
+      </p:nvGrpSpPr>
+      <p:grpSpPr>
+        <a:xfrm>
+          <a:off x="0" y="0"/>
+          <a:ext cx="0" cy="0"/>
+          <a:chOff x="0" y="0"/>
+          <a:chExt cx="0" cy="0"/>
+        </a:xfrm>
+      </p:grpSpPr>
+      <p:sp>
+        <p:nvSpPr>
+          <p:cNvPr id="2" name="タイトル 1">
+            <a:extLst>
+              <a:ext uri="{FF2B5EF4-FFF2-40B4-BE49-F238E27FC236}">
+                <a16:creationId xmlns:a16="http://schemas.microsoft.com/office/drawing/2014/main" id="{375320BF-43D3-4AB2-9ED9-596839F1E352}"/>
+              </a:ext>
+            </a:extLst>
+          </p:cNvPr>
+          <p:cNvSpPr>
+            <a:spLocks noGrp="1"/>
+          </p:cNvSpPr>
+          <p:nvPr>
+            <p:ph type="title"/>
+          </p:nvPr>
+        </p:nvSpPr>
+        <p:spPr/>
+        <p:txBody>
+          <a:bodyPr>
+            <a:normAutofit fontScale="90000"/>
+          </a:bodyPr>
+          <a:lstStyle/>
+          <a:p>
+            <a:r>
+              <a:rPr kumimoji="1" lang="ja-JP" altLang="en-US" dirty="0"/>
+              <a:t>プレイブック</a:t>
+            </a:r>
+          </a:p>
+        </p:txBody>
+      </p:sp>
+      <p:sp>
+        <p:nvSpPr>
+          <p:cNvPr id="3" name="テキスト プレースホルダー 2">
+            <a:extLst>
+              <a:ext uri="{FF2B5EF4-FFF2-40B4-BE49-F238E27FC236}">
+                <a16:creationId xmlns:a16="http://schemas.microsoft.com/office/drawing/2014/main" id="{29BF031A-AEAA-42B7-997E-73DB24388A4D}"/>
+              </a:ext>
+            </a:extLst>
+          </p:cNvPr>
+          <p:cNvSpPr>
+            <a:spLocks noGrp="1"/>
+          </p:cNvSpPr>
+          <p:nvPr>
+            <p:ph type="body" sz="quarter" idx="10"/>
+          </p:nvPr>
+        </p:nvSpPr>
+        <p:spPr>
+          <a:xfrm>
+            <a:off x="222885" y="1015683"/>
+            <a:ext cx="11826875" cy="1776678"/>
+          </a:xfrm>
+        </p:spPr>
+        <p:txBody>
+          <a:bodyPr/>
+          <a:lstStyle/>
+          <a:p>
+            <a:r>
+              <a:rPr kumimoji="1" lang="en-US" altLang="ja-JP" sz="2400" dirty="0"/>
+              <a:t>Ansible</a:t>
+            </a:r>
+            <a:r>
+              <a:rPr kumimoji="1" lang="ja-JP" altLang="en-US" sz="2400" dirty="0"/>
+              <a:t>の処理手順を記述し、</a:t>
+            </a:r>
+            <a:r>
+              <a:rPr kumimoji="1" lang="en-US" altLang="ja-JP" sz="2400" dirty="0"/>
+              <a:t>Ansible</a:t>
+            </a:r>
+            <a:r>
+              <a:rPr kumimoji="1" lang="ja-JP" altLang="en-US" sz="2400" dirty="0"/>
+              <a:t>の処理のメインになる「手順書」</a:t>
+            </a:r>
+            <a:endParaRPr kumimoji="1" lang="en-US" altLang="ja-JP" sz="2400" dirty="0"/>
+          </a:p>
+          <a:p>
+            <a:endParaRPr kumimoji="1" lang="en-US" altLang="ja-JP" sz="2400" dirty="0"/>
+          </a:p>
+          <a:p>
+            <a:r>
+              <a:rPr kumimoji="1" lang="ja-JP" altLang="en-US" sz="2400" dirty="0"/>
+              <a:t>処理は上から実行されるので、順番を考えてロジックを設計する必要がある</a:t>
+            </a:r>
+            <a:endParaRPr kumimoji="1" lang="en-US" altLang="ja-JP" sz="2400" dirty="0"/>
+          </a:p>
+          <a:p>
+            <a:endParaRPr kumimoji="1" lang="en-US" altLang="ja-JP" sz="2400" dirty="0"/>
+          </a:p>
+          <a:p>
+            <a:pPr marL="0" indent="0">
+              <a:buNone/>
+            </a:pPr>
+            <a:endParaRPr kumimoji="1" lang="en-US" altLang="ja-JP" sz="2400" dirty="0"/>
+          </a:p>
+        </p:txBody>
+      </p:sp>
+      <p:sp>
+        <p:nvSpPr>
+          <p:cNvPr id="4" name="正方形/長方形 3">
+            <a:extLst>
+              <a:ext uri="{FF2B5EF4-FFF2-40B4-BE49-F238E27FC236}">
+                <a16:creationId xmlns:a16="http://schemas.microsoft.com/office/drawing/2014/main" id="{602CDD5D-6FE1-30DF-B529-EDB0198FF799}"/>
+              </a:ext>
+            </a:extLst>
+          </p:cNvPr>
+          <p:cNvSpPr/>
+          <p:nvPr/>
+        </p:nvSpPr>
+        <p:spPr>
+          <a:xfrm>
+            <a:off x="4133272" y="2487561"/>
+            <a:ext cx="3925455" cy="4139381"/>
+          </a:xfrm>
+          <a:prstGeom prst="rect">
+            <a:avLst/>
+          </a:prstGeom>
+          <a:solidFill>
+            <a:schemeClr val="accent1">
+              <a:lumMod val="40000"/>
+              <a:lumOff val="60000"/>
+            </a:schemeClr>
+          </a:solidFill>
+        </p:spPr>
+        <p:style>
+          <a:lnRef idx="2">
+            <a:schemeClr val="accent1">
+              <a:shade val="15000"/>
+            </a:schemeClr>
+          </a:lnRef>
+          <a:fillRef idx="1">
+            <a:schemeClr val="accent1"/>
+          </a:fillRef>
+          <a:effectRef idx="0">
+            <a:schemeClr val="accent1"/>
+          </a:effectRef>
+          <a:fontRef idx="minor">
+            <a:schemeClr val="lt1"/>
+          </a:fontRef>
+        </p:style>
+        <p:txBody>
+          <a:bodyPr rtlCol="0" anchor="ctr"/>
+          <a:lstStyle/>
+          <a:p>
+            <a:pPr algn="ctr"/>
+            <a:endParaRPr kumimoji="1" lang="ja-JP" altLang="en-US" dirty="0"/>
+          </a:p>
+        </p:txBody>
+      </p:sp>
+      <p:sp>
+        <p:nvSpPr>
+          <p:cNvPr id="5" name="テキスト ボックス 4">
+            <a:extLst>
+              <a:ext uri="{FF2B5EF4-FFF2-40B4-BE49-F238E27FC236}">
+                <a16:creationId xmlns:a16="http://schemas.microsoft.com/office/drawing/2014/main" id="{23C026B5-3A64-9CB1-8DE4-2274299DC028}"/>
+              </a:ext>
+            </a:extLst>
+          </p:cNvPr>
+          <p:cNvSpPr txBox="1"/>
+          <p:nvPr/>
+        </p:nvSpPr>
+        <p:spPr>
+          <a:xfrm>
+            <a:off x="4257368" y="2635045"/>
+            <a:ext cx="2153264" cy="369332"/>
+          </a:xfrm>
+          <a:prstGeom prst="rect">
+            <a:avLst/>
+          </a:prstGeom>
+          <a:noFill/>
+        </p:spPr>
+        <p:txBody>
+          <a:bodyPr wrap="square" rtlCol="0">
+            <a:spAutoFit/>
+          </a:bodyPr>
+          <a:lstStyle/>
+          <a:p>
+            <a:r>
+              <a:rPr kumimoji="1" lang="en-US" altLang="ja-JP" dirty="0"/>
+              <a:t>Playbook_test001</a:t>
+            </a:r>
+            <a:endParaRPr kumimoji="1" lang="ja-JP" altLang="en-US" dirty="0"/>
+          </a:p>
+        </p:txBody>
+      </p:sp>
+      <p:sp>
+        <p:nvSpPr>
+          <p:cNvPr id="6" name="正方形/長方形 5">
+            <a:extLst>
+              <a:ext uri="{FF2B5EF4-FFF2-40B4-BE49-F238E27FC236}">
+                <a16:creationId xmlns:a16="http://schemas.microsoft.com/office/drawing/2014/main" id="{5897B74F-031F-E271-01F3-A11EB3499485}"/>
+              </a:ext>
+            </a:extLst>
+          </p:cNvPr>
+          <p:cNvSpPr/>
+          <p:nvPr/>
+        </p:nvSpPr>
+        <p:spPr>
+          <a:xfrm>
+            <a:off x="4793224" y="3151862"/>
+            <a:ext cx="2605549" cy="486074"/>
+          </a:xfrm>
+          <a:prstGeom prst="rect">
+            <a:avLst/>
+          </a:prstGeom>
+          <a:solidFill>
+            <a:schemeClr val="accent6"/>
+          </a:solidFill>
+        </p:spPr>
+        <p:style>
+          <a:lnRef idx="2">
+            <a:schemeClr val="accent1">
+              <a:shade val="15000"/>
+            </a:schemeClr>
+          </a:lnRef>
+          <a:fillRef idx="1">
+            <a:schemeClr val="accent1"/>
+          </a:fillRef>
+          <a:effectRef idx="0">
+            <a:schemeClr val="accent1"/>
+          </a:effectRef>
+          <a:fontRef idx="minor">
+            <a:schemeClr val="lt1"/>
+          </a:fontRef>
+        </p:style>
+        <p:txBody>
+          <a:bodyPr rtlCol="0" anchor="ctr"/>
+          <a:lstStyle/>
+          <a:p>
+            <a:pPr algn="ctr"/>
+            <a:r>
+              <a:rPr kumimoji="1" lang="en-US" altLang="ja-JP" dirty="0"/>
+              <a:t>Play_001</a:t>
+            </a:r>
+            <a:endParaRPr kumimoji="1" lang="ja-JP" altLang="en-US" dirty="0"/>
+          </a:p>
+        </p:txBody>
+      </p:sp>
+      <p:sp>
+        <p:nvSpPr>
+          <p:cNvPr id="7" name="正方形/長方形 6">
+            <a:extLst>
+              <a:ext uri="{FF2B5EF4-FFF2-40B4-BE49-F238E27FC236}">
+                <a16:creationId xmlns:a16="http://schemas.microsoft.com/office/drawing/2014/main" id="{8343F88B-1205-B72A-73A2-21F31C54AF76}"/>
+              </a:ext>
+            </a:extLst>
+          </p:cNvPr>
+          <p:cNvSpPr/>
+          <p:nvPr/>
+        </p:nvSpPr>
+        <p:spPr>
+          <a:xfrm>
+            <a:off x="4793223" y="3980540"/>
+            <a:ext cx="2605549" cy="486074"/>
+          </a:xfrm>
+          <a:prstGeom prst="rect">
+            <a:avLst/>
+          </a:prstGeom>
+          <a:solidFill>
+            <a:schemeClr val="accent6"/>
+          </a:solidFill>
+        </p:spPr>
+        <p:style>
+          <a:lnRef idx="2">
+            <a:schemeClr val="accent1">
+              <a:shade val="15000"/>
+            </a:schemeClr>
+          </a:lnRef>
+          <a:fillRef idx="1">
+            <a:schemeClr val="accent1"/>
+          </a:fillRef>
+          <a:effectRef idx="0">
+            <a:schemeClr val="accent1"/>
+          </a:effectRef>
+          <a:fontRef idx="minor">
+            <a:schemeClr val="lt1"/>
+          </a:fontRef>
+        </p:style>
+        <p:txBody>
+          <a:bodyPr rtlCol="0" anchor="ctr"/>
+          <a:lstStyle/>
+          <a:p>
+            <a:pPr algn="ctr"/>
+            <a:r>
+              <a:rPr kumimoji="1" lang="en-US" altLang="ja-JP" dirty="0"/>
+              <a:t>Play_002</a:t>
+            </a:r>
+            <a:endParaRPr kumimoji="1" lang="ja-JP" altLang="en-US" dirty="0"/>
+          </a:p>
+        </p:txBody>
+      </p:sp>
+      <p:sp>
+        <p:nvSpPr>
+          <p:cNvPr id="8" name="正方形/長方形 7">
+            <a:extLst>
+              <a:ext uri="{FF2B5EF4-FFF2-40B4-BE49-F238E27FC236}">
+                <a16:creationId xmlns:a16="http://schemas.microsoft.com/office/drawing/2014/main" id="{BA563BB7-5BA6-3AAC-473C-371A6D491D4A}"/>
+              </a:ext>
+            </a:extLst>
+          </p:cNvPr>
+          <p:cNvSpPr/>
+          <p:nvPr/>
+        </p:nvSpPr>
+        <p:spPr>
+          <a:xfrm>
+            <a:off x="4793222" y="4866777"/>
+            <a:ext cx="2605549" cy="486074"/>
+          </a:xfrm>
+          <a:prstGeom prst="rect">
+            <a:avLst/>
+          </a:prstGeom>
+          <a:solidFill>
+            <a:schemeClr val="accent6"/>
+          </a:solidFill>
+        </p:spPr>
+        <p:style>
+          <a:lnRef idx="2">
+            <a:schemeClr val="accent1">
+              <a:shade val="15000"/>
+            </a:schemeClr>
+          </a:lnRef>
+          <a:fillRef idx="1">
+            <a:schemeClr val="accent1"/>
+          </a:fillRef>
+          <a:effectRef idx="0">
+            <a:schemeClr val="accent1"/>
+          </a:effectRef>
+          <a:fontRef idx="minor">
+            <a:schemeClr val="lt1"/>
+          </a:fontRef>
+        </p:style>
+        <p:txBody>
+          <a:bodyPr rtlCol="0" anchor="ctr"/>
+          <a:lstStyle/>
+          <a:p>
+            <a:pPr algn="ctr"/>
+            <a:r>
+              <a:rPr kumimoji="1" lang="en-US" altLang="ja-JP" dirty="0"/>
+              <a:t>Play_003</a:t>
+            </a:r>
+            <a:endParaRPr kumimoji="1" lang="ja-JP" altLang="en-US" dirty="0"/>
+          </a:p>
+        </p:txBody>
+      </p:sp>
+    </p:spTree>
+    <p:extLst>
+      <p:ext uri="{BB962C8B-B14F-4D97-AF65-F5344CB8AC3E}">
+        <p14:creationId xmlns:p14="http://schemas.microsoft.com/office/powerpoint/2010/main" val="1095149888"/>
+      </p:ext>
+    </p:extLst>
+  </p:cSld>
+  <p:clrMapOvr>
+    <a:masterClrMapping/>
+  </p:clrMapOvr>
+</p:sld>
+</file>
+
+<file path=ppt/slides/slide13.xml><?xml version="1.0" encoding="utf-8"?>
+<p:sld xmlns:a="http://schemas.openxmlformats.org/drawingml/2006/main" xmlns:r="http://schemas.openxmlformats.org/officeDocument/2006/relationships" xmlns:p="http://schemas.openxmlformats.org/presentationml/2006/main">
+  <p:cSld>
+    <p:spTree>
+      <p:nvGrpSpPr>
+        <p:cNvPr id="1" name=""/>
+        <p:cNvGrpSpPr/>
+        <p:nvPr/>
+      </p:nvGrpSpPr>
+      <p:grpSpPr>
+        <a:xfrm>
+          <a:off x="0" y="0"/>
+          <a:ext cx="0" cy="0"/>
+          <a:chOff x="0" y="0"/>
+          <a:chExt cx="0" cy="0"/>
+        </a:xfrm>
+      </p:grpSpPr>
+      <p:sp>
+        <p:nvSpPr>
+          <p:cNvPr id="2" name="タイトル 1">
+            <a:extLst>
+              <a:ext uri="{FF2B5EF4-FFF2-40B4-BE49-F238E27FC236}">
+                <a16:creationId xmlns:a16="http://schemas.microsoft.com/office/drawing/2014/main" id="{375320BF-43D3-4AB2-9ED9-596839F1E352}"/>
+              </a:ext>
+            </a:extLst>
+          </p:cNvPr>
+          <p:cNvSpPr>
+            <a:spLocks noGrp="1"/>
+          </p:cNvSpPr>
+          <p:nvPr>
+            <p:ph type="title"/>
+          </p:nvPr>
+        </p:nvSpPr>
+        <p:spPr/>
+        <p:txBody>
+          <a:bodyPr>
+            <a:normAutofit fontScale="90000"/>
+          </a:bodyPr>
+          <a:lstStyle/>
+          <a:p>
+            <a:r>
+              <a:rPr kumimoji="1" lang="ja-JP" altLang="en-US" dirty="0"/>
+              <a:t>モジュール</a:t>
+            </a:r>
+          </a:p>
+        </p:txBody>
+      </p:sp>
+      <p:sp>
+        <p:nvSpPr>
+          <p:cNvPr id="3" name="テキスト プレースホルダー 2">
+            <a:extLst>
+              <a:ext uri="{FF2B5EF4-FFF2-40B4-BE49-F238E27FC236}">
+                <a16:creationId xmlns:a16="http://schemas.microsoft.com/office/drawing/2014/main" id="{29BF031A-AEAA-42B7-997E-73DB24388A4D}"/>
+              </a:ext>
+            </a:extLst>
+          </p:cNvPr>
+          <p:cNvSpPr>
+            <a:spLocks noGrp="1"/>
+          </p:cNvSpPr>
+          <p:nvPr>
+            <p:ph type="body" sz="quarter" idx="10"/>
+          </p:nvPr>
+        </p:nvSpPr>
+        <p:spPr>
+          <a:xfrm>
+            <a:off x="222885" y="1015682"/>
+            <a:ext cx="11826875" cy="3281015"/>
+          </a:xfrm>
+        </p:spPr>
+        <p:txBody>
+          <a:bodyPr/>
+          <a:lstStyle/>
+          <a:p>
+            <a:r>
+              <a:rPr kumimoji="1" lang="ja-JP" altLang="en-US" sz="2400" dirty="0"/>
+              <a:t>プレイブックを構成する最小単位で、引数に値を渡さないと機能しない</a:t>
+            </a:r>
+            <a:endParaRPr kumimoji="1" lang="en-US" altLang="ja-JP" sz="2400" dirty="0"/>
+          </a:p>
+          <a:p>
+            <a:endParaRPr kumimoji="1" lang="en-US" altLang="ja-JP" sz="2400" dirty="0"/>
+          </a:p>
+          <a:p>
+            <a:r>
+              <a:rPr kumimoji="1" lang="ja-JP" altLang="en-US" sz="2400" dirty="0"/>
+              <a:t>管理対象ノードでリソース制御やシステムコマンドが実行され、結果が戻り値として取得される</a:t>
+            </a:r>
+            <a:endParaRPr kumimoji="1" lang="en-US" altLang="ja-JP" sz="2400" dirty="0"/>
+          </a:p>
+          <a:p>
+            <a:endParaRPr kumimoji="1" lang="en-US" altLang="ja-JP" sz="2400" dirty="0"/>
+          </a:p>
+          <a:p>
+            <a:r>
+              <a:rPr kumimoji="1" lang="en-US" altLang="ja-JP" sz="2400" b="1" dirty="0">
+                <a:solidFill>
+                  <a:srgbClr val="FF0000"/>
+                </a:solidFill>
+              </a:rPr>
+              <a:t>Ansible</a:t>
+            </a:r>
+            <a:r>
+              <a:rPr kumimoji="1" lang="ja-JP" altLang="en-US" sz="2400" b="1" dirty="0">
+                <a:solidFill>
+                  <a:srgbClr val="FF0000"/>
+                </a:solidFill>
+              </a:rPr>
+              <a:t>には多くのモジュールが用意されており、それから実行したい処理を選んでいくのが基本</a:t>
+            </a:r>
+            <a:r>
+              <a:rPr kumimoji="1" lang="en-US" altLang="ja-JP" sz="2400" b="1" dirty="0">
+                <a:solidFill>
+                  <a:srgbClr val="FF0000"/>
+                </a:solidFill>
+              </a:rPr>
+              <a:t>(</a:t>
+            </a:r>
+            <a:r>
+              <a:rPr kumimoji="1" lang="en-US" altLang="ja-JP" sz="2400" b="1" dirty="0">
+                <a:solidFill>
+                  <a:srgbClr val="FF0000"/>
+                </a:solidFill>
+                <a:hlinkClick r:id="rId2"/>
+              </a:rPr>
+              <a:t>Index of all Modules</a:t>
+            </a:r>
+            <a:r>
+              <a:rPr kumimoji="1" lang="en-US" altLang="ja-JP" sz="2400" b="1" dirty="0">
+                <a:solidFill>
+                  <a:srgbClr val="FF0000"/>
+                </a:solidFill>
+              </a:rPr>
+              <a:t>)</a:t>
+            </a:r>
+          </a:p>
+          <a:p>
+            <a:pPr marL="0" indent="0">
+              <a:buNone/>
+            </a:pPr>
+            <a:endParaRPr kumimoji="1" lang="en-US" altLang="ja-JP" sz="2400" b="1" dirty="0">
+              <a:solidFill>
+                <a:srgbClr val="FF0000"/>
+              </a:solidFill>
+            </a:endParaRPr>
+          </a:p>
+        </p:txBody>
+      </p:sp>
+      <p:sp>
+        <p:nvSpPr>
+          <p:cNvPr id="4" name="正方形/長方形 3">
+            <a:extLst>
+              <a:ext uri="{FF2B5EF4-FFF2-40B4-BE49-F238E27FC236}">
+                <a16:creationId xmlns:a16="http://schemas.microsoft.com/office/drawing/2014/main" id="{4C7ECE17-5E10-D45E-ED33-DB16497EAE8D}"/>
+              </a:ext>
+            </a:extLst>
+          </p:cNvPr>
+          <p:cNvSpPr/>
+          <p:nvPr/>
+        </p:nvSpPr>
+        <p:spPr>
+          <a:xfrm>
+            <a:off x="4173594" y="4701309"/>
+            <a:ext cx="3925455" cy="1366982"/>
+          </a:xfrm>
+          <a:prstGeom prst="rect">
+            <a:avLst/>
+          </a:prstGeom>
+        </p:spPr>
+        <p:style>
+          <a:lnRef idx="2">
+            <a:schemeClr val="accent1">
+              <a:shade val="15000"/>
+            </a:schemeClr>
+          </a:lnRef>
+          <a:fillRef idx="1">
+            <a:schemeClr val="accent1"/>
+          </a:fillRef>
+          <a:effectRef idx="0">
+            <a:schemeClr val="accent1"/>
+          </a:effectRef>
+          <a:fontRef idx="minor">
+            <a:schemeClr val="lt1"/>
+          </a:fontRef>
+        </p:style>
+        <p:txBody>
+          <a:bodyPr rtlCol="0" anchor="ctr"/>
+          <a:lstStyle/>
+          <a:p>
+            <a:pPr algn="ctr"/>
+            <a:r>
+              <a:rPr kumimoji="1" lang="en-US" altLang="ja-JP" dirty="0"/>
+              <a:t>Module</a:t>
+            </a:r>
+            <a:endParaRPr kumimoji="1" lang="ja-JP" altLang="en-US" dirty="0"/>
+          </a:p>
+        </p:txBody>
+      </p:sp>
+    </p:spTree>
+    <p:extLst>
+      <p:ext uri="{BB962C8B-B14F-4D97-AF65-F5344CB8AC3E}">
+        <p14:creationId xmlns:p14="http://schemas.microsoft.com/office/powerpoint/2010/main" val="3453139196"/>
+      </p:ext>
+    </p:extLst>
+  </p:cSld>
+  <p:clrMapOvr>
+    <a:masterClrMapping/>
+  </p:clrMapOvr>
+</p:sld>
+</file>
+
+<file path=ppt/slides/slide14.xml><?xml version="1.0" encoding="utf-8"?>
+<p:sld xmlns:a="http://schemas.openxmlformats.org/drawingml/2006/main" xmlns:r="http://schemas.openxmlformats.org/officeDocument/2006/relationships" xmlns:p="http://schemas.openxmlformats.org/presentationml/2006/main">
+  <p:cSld>
+    <p:spTree>
+      <p:nvGrpSpPr>
+        <p:cNvPr id="1" name=""/>
+        <p:cNvGrpSpPr/>
+        <p:nvPr/>
+      </p:nvGrpSpPr>
+      <p:grpSpPr>
+        <a:xfrm>
+          <a:off x="0" y="0"/>
+          <a:ext cx="0" cy="0"/>
+          <a:chOff x="0" y="0"/>
+          <a:chExt cx="0" cy="0"/>
+        </a:xfrm>
+      </p:grpSpPr>
+      <p:sp>
+        <p:nvSpPr>
+          <p:cNvPr id="2" name="タイトル 1">
+            <a:extLst>
+              <a:ext uri="{FF2B5EF4-FFF2-40B4-BE49-F238E27FC236}">
+                <a16:creationId xmlns:a16="http://schemas.microsoft.com/office/drawing/2014/main" id="{375320BF-43D3-4AB2-9ED9-596839F1E352}"/>
+              </a:ext>
+            </a:extLst>
+          </p:cNvPr>
+          <p:cNvSpPr>
+            <a:spLocks noGrp="1"/>
+          </p:cNvSpPr>
+          <p:nvPr>
+            <p:ph type="title"/>
+          </p:nvPr>
+        </p:nvSpPr>
+        <p:spPr/>
+        <p:txBody>
+          <a:bodyPr>
+            <a:normAutofit fontScale="90000"/>
+          </a:bodyPr>
+          <a:lstStyle/>
+          <a:p>
+            <a:r>
+              <a:rPr kumimoji="1" lang="ja-JP" altLang="en-US" dirty="0"/>
+              <a:t>タスク</a:t>
+            </a:r>
+          </a:p>
+        </p:txBody>
+      </p:sp>
+      <p:sp>
+        <p:nvSpPr>
+          <p:cNvPr id="3" name="テキスト プレースホルダー 2">
+            <a:extLst>
+              <a:ext uri="{FF2B5EF4-FFF2-40B4-BE49-F238E27FC236}">
+                <a16:creationId xmlns:a16="http://schemas.microsoft.com/office/drawing/2014/main" id="{29BF031A-AEAA-42B7-997E-73DB24388A4D}"/>
+              </a:ext>
+            </a:extLst>
+          </p:cNvPr>
+          <p:cNvSpPr>
+            <a:spLocks noGrp="1"/>
+          </p:cNvSpPr>
+          <p:nvPr>
+            <p:ph type="body" sz="quarter" idx="10"/>
+          </p:nvPr>
+        </p:nvSpPr>
+        <p:spPr>
+          <a:xfrm>
+            <a:off x="222885" y="1015683"/>
+            <a:ext cx="11826875" cy="2413318"/>
+          </a:xfrm>
+        </p:spPr>
+        <p:txBody>
+          <a:bodyPr/>
+          <a:lstStyle/>
+          <a:p>
+            <a:r>
+              <a:rPr kumimoji="1" lang="ja-JP" altLang="en-US" sz="2400" dirty="0"/>
+              <a:t>モジュールに引数を設定して実行可能にしたもの</a:t>
+            </a:r>
+            <a:endParaRPr kumimoji="1" lang="en-US" altLang="ja-JP" sz="2400" dirty="0"/>
+          </a:p>
+          <a:p>
+            <a:endParaRPr kumimoji="1" lang="en-US" altLang="ja-JP" sz="2400" dirty="0"/>
+          </a:p>
+          <a:p>
+            <a:r>
+              <a:rPr kumimoji="1" lang="ja-JP" altLang="en-US" sz="2400" dirty="0"/>
+              <a:t>固有の「タスク名」を設定する</a:t>
+            </a:r>
+            <a:endParaRPr kumimoji="1" lang="en-US" altLang="ja-JP" sz="2400" dirty="0"/>
+          </a:p>
+          <a:p>
+            <a:endParaRPr kumimoji="1" lang="en-US" altLang="ja-JP" sz="2400" dirty="0"/>
+          </a:p>
+          <a:p>
+            <a:r>
+              <a:rPr kumimoji="1" lang="ja-JP" altLang="en-US" sz="2400" dirty="0"/>
+              <a:t>タスクを組み合わせて処理を作成する</a:t>
+            </a:r>
+            <a:endParaRPr kumimoji="1" lang="en-US" altLang="ja-JP" sz="2400" dirty="0"/>
+          </a:p>
+          <a:p>
+            <a:pPr marL="0" indent="0">
+              <a:buNone/>
+            </a:pPr>
+            <a:endParaRPr kumimoji="1" lang="en-US" altLang="ja-JP" sz="2400" b="1" dirty="0">
+              <a:solidFill>
+                <a:srgbClr val="FF0000"/>
+              </a:solidFill>
+            </a:endParaRPr>
+          </a:p>
+        </p:txBody>
+      </p:sp>
+      <p:sp>
+        <p:nvSpPr>
+          <p:cNvPr id="5" name="正方形/長方形 4">
+            <a:extLst>
+              <a:ext uri="{FF2B5EF4-FFF2-40B4-BE49-F238E27FC236}">
+                <a16:creationId xmlns:a16="http://schemas.microsoft.com/office/drawing/2014/main" id="{F01F59F8-2A23-3C6F-03BF-31C7A1869EF4}"/>
+              </a:ext>
+            </a:extLst>
+          </p:cNvPr>
+          <p:cNvSpPr/>
+          <p:nvPr/>
+        </p:nvSpPr>
+        <p:spPr>
+          <a:xfrm>
+            <a:off x="4133272" y="3707681"/>
+            <a:ext cx="3925455" cy="2251073"/>
+          </a:xfrm>
+          <a:prstGeom prst="rect">
+            <a:avLst/>
+          </a:prstGeom>
+          <a:solidFill>
+            <a:schemeClr val="accent4">
+              <a:lumMod val="60000"/>
+              <a:lumOff val="40000"/>
+            </a:schemeClr>
+          </a:solidFill>
+        </p:spPr>
+        <p:style>
+          <a:lnRef idx="2">
+            <a:schemeClr val="accent1">
+              <a:shade val="15000"/>
+            </a:schemeClr>
+          </a:lnRef>
+          <a:fillRef idx="1">
+            <a:schemeClr val="accent1"/>
+          </a:fillRef>
+          <a:effectRef idx="0">
+            <a:schemeClr val="accent1"/>
+          </a:effectRef>
+          <a:fontRef idx="minor">
+            <a:schemeClr val="lt1"/>
+          </a:fontRef>
+        </p:style>
+        <p:txBody>
+          <a:bodyPr rtlCol="0" anchor="ctr"/>
+          <a:lstStyle/>
+          <a:p>
+            <a:pPr algn="ctr"/>
+            <a:endParaRPr kumimoji="1" lang="ja-JP" altLang="en-US" dirty="0"/>
+          </a:p>
+        </p:txBody>
+      </p:sp>
+      <p:sp>
+        <p:nvSpPr>
+          <p:cNvPr id="4" name="正方形/長方形 3">
+            <a:extLst>
+              <a:ext uri="{FF2B5EF4-FFF2-40B4-BE49-F238E27FC236}">
+                <a16:creationId xmlns:a16="http://schemas.microsoft.com/office/drawing/2014/main" id="{4C7ECE17-5E10-D45E-ED33-DB16497EAE8D}"/>
+              </a:ext>
+            </a:extLst>
+          </p:cNvPr>
+          <p:cNvSpPr/>
+          <p:nvPr/>
+        </p:nvSpPr>
+        <p:spPr>
+          <a:xfrm>
+            <a:off x="5142806" y="4469680"/>
+            <a:ext cx="1906385" cy="727074"/>
+          </a:xfrm>
+          <a:prstGeom prst="rect">
+            <a:avLst/>
+          </a:prstGeom>
+        </p:spPr>
+        <p:style>
+          <a:lnRef idx="2">
+            <a:schemeClr val="accent1">
+              <a:shade val="15000"/>
+            </a:schemeClr>
+          </a:lnRef>
+          <a:fillRef idx="1">
+            <a:schemeClr val="accent1"/>
+          </a:fillRef>
+          <a:effectRef idx="0">
+            <a:schemeClr val="accent1"/>
+          </a:effectRef>
+          <a:fontRef idx="minor">
+            <a:schemeClr val="lt1"/>
+          </a:fontRef>
+        </p:style>
+        <p:txBody>
+          <a:bodyPr rtlCol="0" anchor="ctr"/>
+          <a:lstStyle/>
+          <a:p>
+            <a:pPr algn="ctr"/>
+            <a:r>
+              <a:rPr kumimoji="1" lang="en-US" altLang="ja-JP" dirty="0"/>
+              <a:t>Module</a:t>
+            </a:r>
+            <a:endParaRPr kumimoji="1" lang="ja-JP" altLang="en-US" dirty="0"/>
+          </a:p>
+        </p:txBody>
+      </p:sp>
+      <p:sp>
+        <p:nvSpPr>
+          <p:cNvPr id="6" name="テキスト ボックス 5">
+            <a:extLst>
+              <a:ext uri="{FF2B5EF4-FFF2-40B4-BE49-F238E27FC236}">
+                <a16:creationId xmlns:a16="http://schemas.microsoft.com/office/drawing/2014/main" id="{D6C9487E-3192-81CB-28B8-8BB054A1E040}"/>
+              </a:ext>
+            </a:extLst>
+          </p:cNvPr>
+          <p:cNvSpPr txBox="1"/>
+          <p:nvPr/>
+        </p:nvSpPr>
+        <p:spPr>
+          <a:xfrm>
+            <a:off x="4359564" y="3953164"/>
+            <a:ext cx="1103746" cy="369332"/>
+          </a:xfrm>
+          <a:prstGeom prst="rect">
+            <a:avLst/>
+          </a:prstGeom>
+          <a:noFill/>
+        </p:spPr>
+        <p:txBody>
+          <a:bodyPr wrap="square" rtlCol="0">
+            <a:spAutoFit/>
+          </a:bodyPr>
+          <a:lstStyle/>
+          <a:p>
+            <a:r>
+              <a:rPr kumimoji="1" lang="en-US" altLang="ja-JP" dirty="0"/>
+              <a:t>Task_A1</a:t>
+            </a:r>
+            <a:endParaRPr kumimoji="1" lang="ja-JP" altLang="en-US" dirty="0"/>
+          </a:p>
+        </p:txBody>
+      </p:sp>
+    </p:spTree>
+    <p:extLst>
+      <p:ext uri="{BB962C8B-B14F-4D97-AF65-F5344CB8AC3E}">
+        <p14:creationId xmlns:p14="http://schemas.microsoft.com/office/powerpoint/2010/main" val="854810654"/>
+      </p:ext>
+    </p:extLst>
+  </p:cSld>
+  <p:clrMapOvr>
+    <a:masterClrMapping/>
+  </p:clrMapOvr>
+</p:sld>
+</file>
+
+<file path=ppt/slides/slide15.xml><?xml version="1.0" encoding="utf-8"?>
+<p:sld xmlns:a="http://schemas.openxmlformats.org/drawingml/2006/main" xmlns:r="http://schemas.openxmlformats.org/officeDocument/2006/relationships" xmlns:p="http://schemas.openxmlformats.org/presentationml/2006/main">
+  <p:cSld>
+    <p:spTree>
+      <p:nvGrpSpPr>
+        <p:cNvPr id="1" name=""/>
+        <p:cNvGrpSpPr/>
+        <p:nvPr/>
+      </p:nvGrpSpPr>
+      <p:grpSpPr>
+        <a:xfrm>
+          <a:off x="0" y="0"/>
+          <a:ext cx="0" cy="0"/>
+          <a:chOff x="0" y="0"/>
+          <a:chExt cx="0" cy="0"/>
+        </a:xfrm>
+      </p:grpSpPr>
+      <p:sp>
+        <p:nvSpPr>
+          <p:cNvPr id="2" name="タイトル 1">
+            <a:extLst>
+              <a:ext uri="{FF2B5EF4-FFF2-40B4-BE49-F238E27FC236}">
+                <a16:creationId xmlns:a16="http://schemas.microsoft.com/office/drawing/2014/main" id="{375320BF-43D3-4AB2-9ED9-596839F1E352}"/>
+              </a:ext>
+            </a:extLst>
+          </p:cNvPr>
+          <p:cNvSpPr>
+            <a:spLocks noGrp="1"/>
+          </p:cNvSpPr>
+          <p:nvPr>
+            <p:ph type="title"/>
+          </p:nvPr>
+        </p:nvSpPr>
+        <p:spPr/>
+        <p:txBody>
+          <a:bodyPr>
+            <a:normAutofit fontScale="90000"/>
+          </a:bodyPr>
+          <a:lstStyle/>
+          <a:p>
+            <a:r>
+              <a:rPr kumimoji="1" lang="ja-JP" altLang="en-US" dirty="0"/>
+              <a:t>プレイ</a:t>
+            </a:r>
+          </a:p>
+        </p:txBody>
+      </p:sp>
+      <p:sp>
+        <p:nvSpPr>
+          <p:cNvPr id="3" name="テキスト プレースホルダー 2">
+            <a:extLst>
+              <a:ext uri="{FF2B5EF4-FFF2-40B4-BE49-F238E27FC236}">
+                <a16:creationId xmlns:a16="http://schemas.microsoft.com/office/drawing/2014/main" id="{29BF031A-AEAA-42B7-997E-73DB24388A4D}"/>
+              </a:ext>
+            </a:extLst>
+          </p:cNvPr>
+          <p:cNvSpPr>
+            <a:spLocks noGrp="1"/>
+          </p:cNvSpPr>
+          <p:nvPr>
+            <p:ph type="body" sz="quarter" idx="10"/>
+          </p:nvPr>
+        </p:nvSpPr>
+        <p:spPr>
+          <a:xfrm>
+            <a:off x="222885" y="1015683"/>
+            <a:ext cx="11826875" cy="1487372"/>
+          </a:xfrm>
+        </p:spPr>
+        <p:txBody>
+          <a:bodyPr/>
+          <a:lstStyle/>
+          <a:p>
+            <a:r>
+              <a:rPr kumimoji="1" lang="ja-JP" altLang="en-US" sz="2400" dirty="0"/>
+              <a:t>タスクを処理の順番に並べ、対象の管理対象ノード、変数などを追加したもの</a:t>
+            </a:r>
+            <a:endParaRPr kumimoji="1" lang="en-US" altLang="ja-JP" sz="2400" dirty="0"/>
+          </a:p>
+          <a:p>
+            <a:endParaRPr kumimoji="1" lang="en-US" altLang="ja-JP" sz="2400" dirty="0"/>
+          </a:p>
+          <a:p>
+            <a:r>
+              <a:rPr kumimoji="1" lang="ja-JP" altLang="en-US" sz="2400" dirty="0"/>
+              <a:t>「プレイ名」を設定する</a:t>
+            </a:r>
+            <a:endParaRPr kumimoji="1" lang="en-US" altLang="ja-JP" sz="2400" dirty="0"/>
+          </a:p>
+          <a:p>
+            <a:pPr marL="0" indent="0">
+              <a:buNone/>
+            </a:pPr>
+            <a:endParaRPr kumimoji="1" lang="en-US" altLang="ja-JP" sz="2400" b="1" dirty="0">
+              <a:solidFill>
+                <a:srgbClr val="FF0000"/>
+              </a:solidFill>
+            </a:endParaRPr>
+          </a:p>
+        </p:txBody>
+      </p:sp>
+      <p:sp>
+        <p:nvSpPr>
+          <p:cNvPr id="7" name="正方形/長方形 6">
+            <a:extLst>
+              <a:ext uri="{FF2B5EF4-FFF2-40B4-BE49-F238E27FC236}">
+                <a16:creationId xmlns:a16="http://schemas.microsoft.com/office/drawing/2014/main" id="{81F49B31-835C-77C9-D604-1D4AF127E151}"/>
+              </a:ext>
+            </a:extLst>
+          </p:cNvPr>
+          <p:cNvSpPr/>
+          <p:nvPr/>
+        </p:nvSpPr>
+        <p:spPr>
+          <a:xfrm>
+            <a:off x="4133272" y="2589713"/>
+            <a:ext cx="3925455" cy="4126681"/>
+          </a:xfrm>
+          <a:prstGeom prst="rect">
+            <a:avLst/>
+          </a:prstGeom>
+          <a:solidFill>
+            <a:schemeClr val="accent6"/>
+          </a:solidFill>
+        </p:spPr>
+        <p:style>
+          <a:lnRef idx="2">
+            <a:schemeClr val="accent1">
+              <a:shade val="15000"/>
+            </a:schemeClr>
+          </a:lnRef>
+          <a:fillRef idx="1">
+            <a:schemeClr val="accent1"/>
+          </a:fillRef>
+          <a:effectRef idx="0">
+            <a:schemeClr val="accent1"/>
+          </a:effectRef>
+          <a:fontRef idx="minor">
+            <a:schemeClr val="lt1"/>
+          </a:fontRef>
+        </p:style>
+        <p:txBody>
+          <a:bodyPr rtlCol="0" anchor="ctr"/>
+          <a:lstStyle/>
+          <a:p>
+            <a:pPr algn="ctr"/>
+            <a:endParaRPr kumimoji="1" lang="ja-JP" altLang="en-US" dirty="0"/>
+          </a:p>
+        </p:txBody>
+      </p:sp>
+      <p:sp>
+        <p:nvSpPr>
+          <p:cNvPr id="6" name="テキスト ボックス 5">
+            <a:extLst>
+              <a:ext uri="{FF2B5EF4-FFF2-40B4-BE49-F238E27FC236}">
+                <a16:creationId xmlns:a16="http://schemas.microsoft.com/office/drawing/2014/main" id="{D6C9487E-3192-81CB-28B8-8BB054A1E040}"/>
+              </a:ext>
+            </a:extLst>
+          </p:cNvPr>
+          <p:cNvSpPr txBox="1"/>
+          <p:nvPr/>
+        </p:nvSpPr>
+        <p:spPr>
+          <a:xfrm>
+            <a:off x="4133272" y="2665298"/>
+            <a:ext cx="1251528" cy="369332"/>
+          </a:xfrm>
+          <a:prstGeom prst="rect">
+            <a:avLst/>
+          </a:prstGeom>
+          <a:noFill/>
+        </p:spPr>
+        <p:txBody>
+          <a:bodyPr wrap="square" rtlCol="0">
+            <a:spAutoFit/>
+          </a:bodyPr>
+          <a:lstStyle/>
+          <a:p>
+            <a:r>
+              <a:rPr kumimoji="1" lang="en-US" altLang="ja-JP" dirty="0">
+                <a:solidFill>
+                  <a:schemeClr val="bg1"/>
+                </a:solidFill>
+              </a:rPr>
+              <a:t>Play_001</a:t>
+            </a:r>
+            <a:endParaRPr kumimoji="1" lang="ja-JP" altLang="en-US" dirty="0">
+              <a:solidFill>
+                <a:schemeClr val="bg1"/>
+              </a:solidFill>
+            </a:endParaRPr>
+          </a:p>
+        </p:txBody>
+      </p:sp>
+      <p:sp>
+        <p:nvSpPr>
+          <p:cNvPr id="8" name="正方形/長方形 7">
+            <a:extLst>
+              <a:ext uri="{FF2B5EF4-FFF2-40B4-BE49-F238E27FC236}">
+                <a16:creationId xmlns:a16="http://schemas.microsoft.com/office/drawing/2014/main" id="{44BB70C4-2DBD-74E7-1A84-C63D32F2E8F7}"/>
+              </a:ext>
+            </a:extLst>
+          </p:cNvPr>
+          <p:cNvSpPr/>
+          <p:nvPr/>
+        </p:nvSpPr>
+        <p:spPr>
+          <a:xfrm>
+            <a:off x="4955307" y="3046221"/>
+            <a:ext cx="2281383" cy="450227"/>
+          </a:xfrm>
+          <a:prstGeom prst="rect">
+            <a:avLst/>
+          </a:prstGeom>
+          <a:solidFill>
+            <a:schemeClr val="bg1">
+              <a:lumMod val="95000"/>
+            </a:schemeClr>
+          </a:solidFill>
+        </p:spPr>
+        <p:style>
+          <a:lnRef idx="2">
+            <a:schemeClr val="accent1">
+              <a:shade val="15000"/>
+            </a:schemeClr>
+          </a:lnRef>
+          <a:fillRef idx="1">
+            <a:schemeClr val="accent1"/>
+          </a:fillRef>
+          <a:effectRef idx="0">
+            <a:schemeClr val="accent1"/>
+          </a:effectRef>
+          <a:fontRef idx="minor">
+            <a:schemeClr val="lt1"/>
+          </a:fontRef>
+        </p:style>
+        <p:txBody>
+          <a:bodyPr rtlCol="0" anchor="ctr"/>
+          <a:lstStyle/>
+          <a:p>
+            <a:pPr algn="ctr"/>
+            <a:r>
+              <a:rPr kumimoji="1" lang="ja-JP" altLang="en-US" dirty="0">
+                <a:solidFill>
+                  <a:schemeClr val="tx1"/>
+                </a:solidFill>
+              </a:rPr>
+              <a:t>管理対象ノード</a:t>
+            </a:r>
+          </a:p>
+        </p:txBody>
+      </p:sp>
+      <p:sp>
+        <p:nvSpPr>
+          <p:cNvPr id="9" name="正方形/長方形 8">
+            <a:extLst>
+              <a:ext uri="{FF2B5EF4-FFF2-40B4-BE49-F238E27FC236}">
+                <a16:creationId xmlns:a16="http://schemas.microsoft.com/office/drawing/2014/main" id="{8CE0179C-F832-0A6F-F105-CD358B9BE614}"/>
+              </a:ext>
+            </a:extLst>
+          </p:cNvPr>
+          <p:cNvSpPr/>
+          <p:nvPr/>
+        </p:nvSpPr>
+        <p:spPr>
+          <a:xfrm>
+            <a:off x="4955307" y="3738219"/>
+            <a:ext cx="2281383" cy="450228"/>
+          </a:xfrm>
+          <a:prstGeom prst="rect">
+            <a:avLst/>
+          </a:prstGeom>
+          <a:solidFill>
+            <a:schemeClr val="accent2"/>
+          </a:solidFill>
+        </p:spPr>
+        <p:style>
+          <a:lnRef idx="2">
+            <a:schemeClr val="accent1">
+              <a:shade val="15000"/>
+            </a:schemeClr>
+          </a:lnRef>
+          <a:fillRef idx="1">
+            <a:schemeClr val="accent1"/>
+          </a:fillRef>
+          <a:effectRef idx="0">
+            <a:schemeClr val="accent1"/>
+          </a:effectRef>
+          <a:fontRef idx="minor">
+            <a:schemeClr val="lt1"/>
+          </a:fontRef>
+        </p:style>
+        <p:txBody>
+          <a:bodyPr rtlCol="0" anchor="ctr"/>
+          <a:lstStyle/>
+          <a:p>
+            <a:pPr algn="ctr"/>
+            <a:r>
+              <a:rPr kumimoji="1" lang="ja-JP" altLang="en-US" dirty="0"/>
+              <a:t>変数</a:t>
+            </a:r>
+          </a:p>
+        </p:txBody>
+      </p:sp>
+      <p:sp>
+        <p:nvSpPr>
+          <p:cNvPr id="5" name="正方形/長方形 4">
+            <a:extLst>
+              <a:ext uri="{FF2B5EF4-FFF2-40B4-BE49-F238E27FC236}">
+                <a16:creationId xmlns:a16="http://schemas.microsoft.com/office/drawing/2014/main" id="{F01F59F8-2A23-3C6F-03BF-31C7A1869EF4}"/>
+              </a:ext>
+            </a:extLst>
+          </p:cNvPr>
+          <p:cNvSpPr/>
+          <p:nvPr/>
+        </p:nvSpPr>
+        <p:spPr>
+          <a:xfrm>
+            <a:off x="4955306" y="4384668"/>
+            <a:ext cx="2281383" cy="450227"/>
+          </a:xfrm>
+          <a:prstGeom prst="rect">
+            <a:avLst/>
+          </a:prstGeom>
+          <a:solidFill>
+            <a:schemeClr val="accent4">
+              <a:lumMod val="60000"/>
+              <a:lumOff val="40000"/>
+            </a:schemeClr>
+          </a:solidFill>
+        </p:spPr>
+        <p:style>
+          <a:lnRef idx="2">
+            <a:schemeClr val="accent1">
+              <a:shade val="15000"/>
+            </a:schemeClr>
+          </a:lnRef>
+          <a:fillRef idx="1">
+            <a:schemeClr val="accent1"/>
+          </a:fillRef>
+          <a:effectRef idx="0">
+            <a:schemeClr val="accent1"/>
+          </a:effectRef>
+          <a:fontRef idx="minor">
+            <a:schemeClr val="lt1"/>
+          </a:fontRef>
+        </p:style>
+        <p:txBody>
+          <a:bodyPr rtlCol="0" anchor="ctr"/>
+          <a:lstStyle/>
+          <a:p>
+            <a:pPr algn="ctr"/>
+            <a:r>
+              <a:rPr kumimoji="1" lang="en-US" altLang="ja-JP" dirty="0">
+                <a:solidFill>
+                  <a:schemeClr val="tx1"/>
+                </a:solidFill>
+              </a:rPr>
+              <a:t>Task_A1</a:t>
+            </a:r>
+            <a:endParaRPr kumimoji="1" lang="ja-JP" altLang="en-US" dirty="0">
+              <a:solidFill>
+                <a:schemeClr val="tx1"/>
+              </a:solidFill>
+            </a:endParaRPr>
+          </a:p>
+        </p:txBody>
+      </p:sp>
+      <p:sp>
+        <p:nvSpPr>
+          <p:cNvPr id="10" name="正方形/長方形 9">
+            <a:extLst>
+              <a:ext uri="{FF2B5EF4-FFF2-40B4-BE49-F238E27FC236}">
+                <a16:creationId xmlns:a16="http://schemas.microsoft.com/office/drawing/2014/main" id="{32FDD4AF-0A95-9EAF-ABB1-6125E405D1DF}"/>
+              </a:ext>
+            </a:extLst>
+          </p:cNvPr>
+          <p:cNvSpPr/>
+          <p:nvPr/>
+        </p:nvSpPr>
+        <p:spPr>
+          <a:xfrm>
+            <a:off x="4955307" y="5011281"/>
+            <a:ext cx="2281383" cy="450228"/>
+          </a:xfrm>
+          <a:prstGeom prst="rect">
+            <a:avLst/>
+          </a:prstGeom>
+          <a:solidFill>
+            <a:schemeClr val="accent4">
+              <a:lumMod val="60000"/>
+              <a:lumOff val="40000"/>
+            </a:schemeClr>
+          </a:solidFill>
+        </p:spPr>
+        <p:style>
+          <a:lnRef idx="2">
+            <a:schemeClr val="accent1">
+              <a:shade val="15000"/>
+            </a:schemeClr>
+          </a:lnRef>
+          <a:fillRef idx="1">
+            <a:schemeClr val="accent1"/>
+          </a:fillRef>
+          <a:effectRef idx="0">
+            <a:schemeClr val="accent1"/>
+          </a:effectRef>
+          <a:fontRef idx="minor">
+            <a:schemeClr val="lt1"/>
+          </a:fontRef>
+        </p:style>
+        <p:txBody>
+          <a:bodyPr rtlCol="0" anchor="ctr"/>
+          <a:lstStyle/>
+          <a:p>
+            <a:pPr algn="ctr"/>
+            <a:r>
+              <a:rPr kumimoji="1" lang="en-US" altLang="ja-JP" dirty="0">
+                <a:solidFill>
+                  <a:schemeClr val="tx1"/>
+                </a:solidFill>
+              </a:rPr>
+              <a:t>Task_A2</a:t>
+            </a:r>
+            <a:endParaRPr kumimoji="1" lang="ja-JP" altLang="en-US" dirty="0">
+              <a:solidFill>
+                <a:schemeClr val="tx1"/>
+              </a:solidFill>
+            </a:endParaRPr>
+          </a:p>
+        </p:txBody>
+      </p:sp>
+      <p:sp>
+        <p:nvSpPr>
+          <p:cNvPr id="11" name="正方形/長方形 10">
+            <a:extLst>
+              <a:ext uri="{FF2B5EF4-FFF2-40B4-BE49-F238E27FC236}">
+                <a16:creationId xmlns:a16="http://schemas.microsoft.com/office/drawing/2014/main" id="{1C0B90E3-FD2C-0520-D5F6-8B9D23D05F75}"/>
+              </a:ext>
+            </a:extLst>
+          </p:cNvPr>
+          <p:cNvSpPr/>
+          <p:nvPr/>
+        </p:nvSpPr>
+        <p:spPr>
+          <a:xfrm>
+            <a:off x="4955305" y="5613909"/>
+            <a:ext cx="2281383" cy="450228"/>
+          </a:xfrm>
+          <a:prstGeom prst="rect">
+            <a:avLst/>
+          </a:prstGeom>
+          <a:solidFill>
+            <a:schemeClr val="accent4">
+              <a:lumMod val="60000"/>
+              <a:lumOff val="40000"/>
+            </a:schemeClr>
+          </a:solidFill>
+        </p:spPr>
+        <p:style>
+          <a:lnRef idx="2">
+            <a:schemeClr val="accent1">
+              <a:shade val="15000"/>
+            </a:schemeClr>
+          </a:lnRef>
+          <a:fillRef idx="1">
+            <a:schemeClr val="accent1"/>
+          </a:fillRef>
+          <a:effectRef idx="0">
+            <a:schemeClr val="accent1"/>
+          </a:effectRef>
+          <a:fontRef idx="minor">
+            <a:schemeClr val="lt1"/>
+          </a:fontRef>
+        </p:style>
+        <p:txBody>
+          <a:bodyPr rtlCol="0" anchor="ctr"/>
+          <a:lstStyle/>
+          <a:p>
+            <a:pPr algn="ctr"/>
+            <a:r>
+              <a:rPr kumimoji="1" lang="en-US" altLang="ja-JP" dirty="0">
+                <a:solidFill>
+                  <a:schemeClr val="tx1"/>
+                </a:solidFill>
+              </a:rPr>
+              <a:t>Task_A3</a:t>
+            </a:r>
+            <a:endParaRPr kumimoji="1" lang="ja-JP" altLang="en-US" dirty="0">
+              <a:solidFill>
+                <a:schemeClr val="tx1"/>
+              </a:solidFill>
+            </a:endParaRPr>
+          </a:p>
+        </p:txBody>
+      </p:sp>
+    </p:spTree>
+    <p:extLst>
+      <p:ext uri="{BB962C8B-B14F-4D97-AF65-F5344CB8AC3E}">
+        <p14:creationId xmlns:p14="http://schemas.microsoft.com/office/powerpoint/2010/main" val="2393082802"/>
+      </p:ext>
+    </p:extLst>
+  </p:cSld>
+  <p:clrMapOvr>
+    <a:masterClrMapping/>
+  </p:clrMapOvr>
+</p:sld>
+</file>
+
+<file path=ppt/slides/slide16.xml><?xml version="1.0" encoding="utf-8"?>
+<p:sld xmlns:a="http://schemas.openxmlformats.org/drawingml/2006/main" xmlns:r="http://schemas.openxmlformats.org/officeDocument/2006/relationships" xmlns:p="http://schemas.openxmlformats.org/presentationml/2006/main">
+  <p:cSld>
+    <p:spTree>
+      <p:nvGrpSpPr>
+        <p:cNvPr id="1" name=""/>
+        <p:cNvGrpSpPr/>
+        <p:nvPr/>
+      </p:nvGrpSpPr>
+      <p:grpSpPr>
+        <a:xfrm>
+          <a:off x="0" y="0"/>
+          <a:ext cx="0" cy="0"/>
+          <a:chOff x="0" y="0"/>
+          <a:chExt cx="0" cy="0"/>
+        </a:xfrm>
+      </p:grpSpPr>
+      <p:sp>
+        <p:nvSpPr>
+          <p:cNvPr id="2" name="タイトル 1">
+            <a:extLst>
+              <a:ext uri="{FF2B5EF4-FFF2-40B4-BE49-F238E27FC236}">
+                <a16:creationId xmlns:a16="http://schemas.microsoft.com/office/drawing/2014/main" id="{375320BF-43D3-4AB2-9ED9-596839F1E352}"/>
+              </a:ext>
+            </a:extLst>
+          </p:cNvPr>
+          <p:cNvSpPr>
+            <a:spLocks noGrp="1"/>
+          </p:cNvSpPr>
+          <p:nvPr>
+            <p:ph type="title"/>
+          </p:nvPr>
+        </p:nvSpPr>
+        <p:spPr/>
+        <p:txBody>
+          <a:bodyPr>
+            <a:normAutofit fontScale="90000"/>
+          </a:bodyPr>
+          <a:lstStyle/>
+          <a:p>
+            <a:r>
+              <a:rPr kumimoji="1" lang="ja-JP" altLang="en-US" dirty="0"/>
+              <a:t>プレイ内構造</a:t>
+            </a:r>
+          </a:p>
+        </p:txBody>
+      </p:sp>
+      <p:sp>
+        <p:nvSpPr>
+          <p:cNvPr id="6" name="テキスト ボックス 5">
+            <a:extLst>
+              <a:ext uri="{FF2B5EF4-FFF2-40B4-BE49-F238E27FC236}">
+                <a16:creationId xmlns:a16="http://schemas.microsoft.com/office/drawing/2014/main" id="{D6C9487E-3192-81CB-28B8-8BB054A1E040}"/>
+              </a:ext>
+            </a:extLst>
+          </p:cNvPr>
+          <p:cNvSpPr txBox="1"/>
+          <p:nvPr/>
+        </p:nvSpPr>
+        <p:spPr>
+          <a:xfrm>
+            <a:off x="4133272" y="2665298"/>
+            <a:ext cx="1251528" cy="369332"/>
+          </a:xfrm>
+          <a:prstGeom prst="rect">
+            <a:avLst/>
+          </a:prstGeom>
+          <a:noFill/>
+        </p:spPr>
+        <p:txBody>
+          <a:bodyPr wrap="square" rtlCol="0">
+            <a:spAutoFit/>
+          </a:bodyPr>
+          <a:lstStyle/>
+          <a:p>
+            <a:r>
+              <a:rPr kumimoji="1" lang="en-US" altLang="ja-JP" dirty="0">
+                <a:solidFill>
+                  <a:schemeClr val="bg1"/>
+                </a:solidFill>
+              </a:rPr>
+              <a:t>play test1</a:t>
+            </a:r>
+            <a:endParaRPr kumimoji="1" lang="ja-JP" altLang="en-US" dirty="0">
+              <a:solidFill>
+                <a:schemeClr val="bg1"/>
+              </a:solidFill>
+            </a:endParaRPr>
+          </a:p>
+        </p:txBody>
+      </p:sp>
+      <p:pic>
+        <p:nvPicPr>
+          <p:cNvPr id="18" name="図 17">
+            <a:extLst>
+              <a:ext uri="{FF2B5EF4-FFF2-40B4-BE49-F238E27FC236}">
+                <a16:creationId xmlns:a16="http://schemas.microsoft.com/office/drawing/2014/main" id="{8CC6B442-4803-4488-14B9-CFEC825EF8C4}"/>
+              </a:ext>
+            </a:extLst>
+          </p:cNvPr>
+          <p:cNvPicPr>
+            <a:picLocks noChangeAspect="1"/>
+          </p:cNvPicPr>
+          <p:nvPr/>
+        </p:nvPicPr>
+        <p:blipFill>
+          <a:blip r:embed="rId2"/>
+          <a:stretch>
+            <a:fillRect/>
+          </a:stretch>
+        </p:blipFill>
+        <p:spPr>
+          <a:xfrm>
+            <a:off x="595932" y="1041122"/>
+            <a:ext cx="3429297" cy="5464013"/>
+          </a:xfrm>
+          <a:prstGeom prst="rect">
+            <a:avLst/>
+          </a:prstGeom>
+        </p:spPr>
+      </p:pic>
+      <p:pic>
+        <p:nvPicPr>
+          <p:cNvPr id="20" name="図 19">
+            <a:extLst>
+              <a:ext uri="{FF2B5EF4-FFF2-40B4-BE49-F238E27FC236}">
+                <a16:creationId xmlns:a16="http://schemas.microsoft.com/office/drawing/2014/main" id="{F920A1B7-10F1-C620-C904-1AE6FDC4669B}"/>
+              </a:ext>
+            </a:extLst>
+          </p:cNvPr>
+          <p:cNvPicPr>
+            <a:picLocks noChangeAspect="1"/>
+          </p:cNvPicPr>
+          <p:nvPr/>
+        </p:nvPicPr>
+        <p:blipFill>
+          <a:blip r:embed="rId3"/>
+          <a:stretch>
+            <a:fillRect/>
+          </a:stretch>
+        </p:blipFill>
+        <p:spPr>
+          <a:xfrm>
+            <a:off x="4411834" y="1041122"/>
+            <a:ext cx="3129508" cy="5464013"/>
+          </a:xfrm>
+          <a:prstGeom prst="rect">
+            <a:avLst/>
+          </a:prstGeom>
+        </p:spPr>
+      </p:pic>
+      <p:pic>
+        <p:nvPicPr>
+          <p:cNvPr id="22" name="図 21">
+            <a:extLst>
+              <a:ext uri="{FF2B5EF4-FFF2-40B4-BE49-F238E27FC236}">
+                <a16:creationId xmlns:a16="http://schemas.microsoft.com/office/drawing/2014/main" id="{34371F80-3520-B23E-3745-C371D56A788C}"/>
+              </a:ext>
+            </a:extLst>
+          </p:cNvPr>
+          <p:cNvPicPr>
+            <a:picLocks noChangeAspect="1"/>
+          </p:cNvPicPr>
+          <p:nvPr/>
+        </p:nvPicPr>
+        <p:blipFill>
+          <a:blip r:embed="rId4"/>
+          <a:stretch>
+            <a:fillRect/>
+          </a:stretch>
+        </p:blipFill>
+        <p:spPr>
+          <a:xfrm>
+            <a:off x="7819904" y="1041122"/>
+            <a:ext cx="3596952" cy="2156647"/>
+          </a:xfrm>
+          <a:prstGeom prst="rect">
+            <a:avLst/>
+          </a:prstGeom>
+        </p:spPr>
+      </p:pic>
+      <p:sp>
+        <p:nvSpPr>
+          <p:cNvPr id="23" name="テキスト ボックス 22">
+            <a:extLst>
+              <a:ext uri="{FF2B5EF4-FFF2-40B4-BE49-F238E27FC236}">
+                <a16:creationId xmlns:a16="http://schemas.microsoft.com/office/drawing/2014/main" id="{37FCF078-71B4-80E9-4BBC-B6355AC858FC}"/>
+              </a:ext>
+            </a:extLst>
+          </p:cNvPr>
+          <p:cNvSpPr txBox="1"/>
+          <p:nvPr/>
+        </p:nvSpPr>
+        <p:spPr>
+          <a:xfrm>
+            <a:off x="2497917" y="1048133"/>
+            <a:ext cx="341745" cy="261610"/>
+          </a:xfrm>
+          <a:prstGeom prst="rect">
+            <a:avLst/>
+          </a:prstGeom>
+          <a:noFill/>
+        </p:spPr>
+        <p:txBody>
+          <a:bodyPr wrap="square" rtlCol="0">
+            <a:spAutoFit/>
+          </a:bodyPr>
+          <a:lstStyle/>
+          <a:p>
+            <a:r>
+              <a:rPr kumimoji="1" lang="ja-JP" altLang="en-US" sz="1100" dirty="0">
+                <a:solidFill>
+                  <a:schemeClr val="bg1"/>
+                </a:solidFill>
+              </a:rPr>
+              <a:t>①</a:t>
+            </a:r>
+          </a:p>
+        </p:txBody>
+      </p:sp>
+      <p:sp>
+        <p:nvSpPr>
+          <p:cNvPr id="24" name="テキスト ボックス 23">
+            <a:extLst>
+              <a:ext uri="{FF2B5EF4-FFF2-40B4-BE49-F238E27FC236}">
+                <a16:creationId xmlns:a16="http://schemas.microsoft.com/office/drawing/2014/main" id="{A0E03155-D2B8-16F5-9682-0F57949B1E1A}"/>
+              </a:ext>
+            </a:extLst>
+          </p:cNvPr>
+          <p:cNvSpPr txBox="1"/>
+          <p:nvPr/>
+        </p:nvSpPr>
+        <p:spPr>
+          <a:xfrm>
+            <a:off x="1435735" y="2316102"/>
+            <a:ext cx="341745" cy="261610"/>
+          </a:xfrm>
+          <a:prstGeom prst="rect">
+            <a:avLst/>
+          </a:prstGeom>
+          <a:noFill/>
+        </p:spPr>
+        <p:txBody>
+          <a:bodyPr wrap="square" rtlCol="0">
+            <a:spAutoFit/>
+          </a:bodyPr>
+          <a:lstStyle/>
+          <a:p>
+            <a:r>
+              <a:rPr kumimoji="1" lang="ja-JP" altLang="en-US" sz="1100" dirty="0">
+                <a:solidFill>
+                  <a:schemeClr val="bg1"/>
+                </a:solidFill>
+              </a:rPr>
+              <a:t>②</a:t>
+            </a:r>
+          </a:p>
+        </p:txBody>
+      </p:sp>
+      <p:sp>
+        <p:nvSpPr>
+          <p:cNvPr id="25" name="テキスト ボックス 24">
+            <a:extLst>
+              <a:ext uri="{FF2B5EF4-FFF2-40B4-BE49-F238E27FC236}">
+                <a16:creationId xmlns:a16="http://schemas.microsoft.com/office/drawing/2014/main" id="{43664197-EB14-D038-BF51-74C414DA5FD0}"/>
+              </a:ext>
+            </a:extLst>
+          </p:cNvPr>
+          <p:cNvSpPr txBox="1"/>
+          <p:nvPr/>
+        </p:nvSpPr>
+        <p:spPr>
+          <a:xfrm>
+            <a:off x="1435735" y="3299008"/>
+            <a:ext cx="341745" cy="261610"/>
+          </a:xfrm>
+          <a:prstGeom prst="rect">
+            <a:avLst/>
+          </a:prstGeom>
+          <a:noFill/>
+        </p:spPr>
+        <p:txBody>
+          <a:bodyPr wrap="square" rtlCol="0">
+            <a:spAutoFit/>
+          </a:bodyPr>
+          <a:lstStyle/>
+          <a:p>
+            <a:r>
+              <a:rPr kumimoji="1" lang="ja-JP" altLang="en-US" sz="1100" dirty="0">
+                <a:solidFill>
+                  <a:schemeClr val="bg1"/>
+                </a:solidFill>
+              </a:rPr>
+              <a:t>③</a:t>
+            </a:r>
+          </a:p>
+        </p:txBody>
+      </p:sp>
+      <p:sp>
+        <p:nvSpPr>
+          <p:cNvPr id="26" name="テキスト ボックス 25">
+            <a:extLst>
+              <a:ext uri="{FF2B5EF4-FFF2-40B4-BE49-F238E27FC236}">
+                <a16:creationId xmlns:a16="http://schemas.microsoft.com/office/drawing/2014/main" id="{75704056-2126-63B1-0BD6-898E195401EA}"/>
+              </a:ext>
+            </a:extLst>
+          </p:cNvPr>
+          <p:cNvSpPr txBox="1"/>
+          <p:nvPr/>
+        </p:nvSpPr>
+        <p:spPr>
+          <a:xfrm>
+            <a:off x="5429660" y="2446907"/>
+            <a:ext cx="341745" cy="261610"/>
+          </a:xfrm>
+          <a:prstGeom prst="rect">
+            <a:avLst/>
+          </a:prstGeom>
+          <a:noFill/>
+        </p:spPr>
+        <p:txBody>
+          <a:bodyPr wrap="square" rtlCol="0">
+            <a:spAutoFit/>
+          </a:bodyPr>
+          <a:lstStyle/>
+          <a:p>
+            <a:r>
+              <a:rPr kumimoji="1" lang="ja-JP" altLang="en-US" sz="1100" dirty="0">
+                <a:solidFill>
+                  <a:schemeClr val="bg1"/>
+                </a:solidFill>
+              </a:rPr>
+              <a:t>④</a:t>
+            </a:r>
+          </a:p>
+        </p:txBody>
+      </p:sp>
+    </p:spTree>
+    <p:extLst>
+      <p:ext uri="{BB962C8B-B14F-4D97-AF65-F5344CB8AC3E}">
+        <p14:creationId xmlns:p14="http://schemas.microsoft.com/office/powerpoint/2010/main" val="3137714107"/>
+      </p:ext>
+    </p:extLst>
+  </p:cSld>
+  <p:clrMapOvr>
+    <a:masterClrMapping/>
+  </p:clrMapOvr>
+</p:sld>
+</file>
+
+<file path=ppt/slides/slide17.xml><?xml version="1.0" encoding="utf-8"?>
+<p:sld xmlns:a="http://schemas.openxmlformats.org/drawingml/2006/main" xmlns:r="http://schemas.openxmlformats.org/officeDocument/2006/relationships" xmlns:p="http://schemas.openxmlformats.org/presentationml/2006/main">
+  <p:cSld>
+    <p:spTree>
+      <p:nvGrpSpPr>
+        <p:cNvPr id="1" name=""/>
+        <p:cNvGrpSpPr/>
+        <p:nvPr/>
+      </p:nvGrpSpPr>
+      <p:grpSpPr>
+        <a:xfrm>
+          <a:off x="0" y="0"/>
+          <a:ext cx="0" cy="0"/>
+          <a:chOff x="0" y="0"/>
+          <a:chExt cx="0" cy="0"/>
+        </a:xfrm>
+      </p:grpSpPr>
+      <p:sp>
+        <p:nvSpPr>
+          <p:cNvPr id="3" name="テキスト プレースホルダー 2">
+            <a:extLst>
+              <a:ext uri="{FF2B5EF4-FFF2-40B4-BE49-F238E27FC236}">
+                <a16:creationId xmlns:a16="http://schemas.microsoft.com/office/drawing/2014/main" id="{29BF031A-AEAA-42B7-997E-73DB24388A4D}"/>
+              </a:ext>
+            </a:extLst>
+          </p:cNvPr>
+          <p:cNvSpPr>
+            <a:spLocks noGrp="1"/>
+          </p:cNvSpPr>
+          <p:nvPr>
+            <p:ph type="body" sz="quarter" idx="10"/>
+          </p:nvPr>
+        </p:nvSpPr>
+        <p:spPr>
+          <a:xfrm>
+            <a:off x="222885" y="1015682"/>
+            <a:ext cx="11826875" cy="5700711"/>
+          </a:xfrm>
+        </p:spPr>
+        <p:txBody>
+          <a:bodyPr/>
+          <a:lstStyle/>
+          <a:p>
+            <a:pPr marL="457200" indent="-457200">
+              <a:buFont typeface="+mj-ea"/>
+              <a:buAutoNum type="circleNumDbPlain"/>
+            </a:pPr>
+            <a:r>
+              <a:rPr kumimoji="1" lang="en-US" altLang="ja-JP" sz="2400" dirty="0"/>
+              <a:t>target</a:t>
+            </a:r>
+            <a:r>
+              <a:rPr kumimoji="1" lang="ja-JP" altLang="en-US" sz="2400" dirty="0"/>
+              <a:t>セクション：処理の対象になる管理対象ノードや設定を指定する</a:t>
+            </a:r>
+            <a:endParaRPr kumimoji="1" lang="en-US" altLang="ja-JP" sz="2400" dirty="0"/>
+          </a:p>
+          <a:p>
+            <a:pPr marL="457200" indent="-457200">
+              <a:buFont typeface="+mj-ea"/>
+              <a:buAutoNum type="circleNumDbPlain"/>
+            </a:pPr>
+            <a:endParaRPr kumimoji="1" lang="en-US" altLang="ja-JP" sz="2400" dirty="0"/>
+          </a:p>
+          <a:p>
+            <a:pPr marL="457200" indent="-457200">
+              <a:buFont typeface="+mj-ea"/>
+              <a:buAutoNum type="circleNumDbPlain"/>
+            </a:pPr>
+            <a:r>
+              <a:rPr kumimoji="1" lang="en-US" altLang="ja-JP" sz="2400" dirty="0"/>
+              <a:t>vars</a:t>
+            </a:r>
+            <a:r>
+              <a:rPr kumimoji="1" lang="ja-JP" altLang="en-US" sz="2400" dirty="0"/>
+              <a:t>セクション：処理内で使用する変数を設定する</a:t>
+            </a:r>
+            <a:endParaRPr kumimoji="1" lang="en-US" altLang="ja-JP" sz="2400" dirty="0"/>
+          </a:p>
+          <a:p>
+            <a:pPr marL="457200" indent="-457200">
+              <a:buFont typeface="+mj-ea"/>
+              <a:buAutoNum type="circleNumDbPlain"/>
+            </a:pPr>
+            <a:endParaRPr kumimoji="1" lang="en-US" altLang="ja-JP" sz="2400" dirty="0"/>
+          </a:p>
+          <a:p>
+            <a:pPr marL="457200" indent="-457200">
+              <a:buFont typeface="+mj-ea"/>
+              <a:buAutoNum type="circleNumDbPlain"/>
+            </a:pPr>
+            <a:r>
+              <a:rPr kumimoji="1" lang="en-US" altLang="ja-JP" sz="2400" dirty="0"/>
+              <a:t>tasks</a:t>
+            </a:r>
+            <a:r>
+              <a:rPr kumimoji="1" lang="ja-JP" altLang="en-US" sz="2400" dirty="0"/>
+              <a:t>セクション：管理対象ノードで実行する処理を上から順番に記述する</a:t>
+            </a:r>
+            <a:endParaRPr kumimoji="1" lang="en-US" altLang="ja-JP" sz="2400" dirty="0"/>
+          </a:p>
+          <a:p>
+            <a:pPr marL="457200" indent="-457200">
+              <a:buFont typeface="+mj-ea"/>
+              <a:buAutoNum type="circleNumDbPlain"/>
+            </a:pPr>
+            <a:endParaRPr kumimoji="1" lang="en-US" altLang="ja-JP" sz="2400" dirty="0"/>
+          </a:p>
+          <a:p>
+            <a:pPr marL="457200" indent="-457200">
+              <a:buFont typeface="+mj-ea"/>
+              <a:buAutoNum type="circleNumDbPlain"/>
+            </a:pPr>
+            <a:r>
+              <a:rPr kumimoji="1" lang="en-US" altLang="ja-JP" sz="2400" dirty="0"/>
+              <a:t>handlers</a:t>
+            </a:r>
+            <a:r>
+              <a:rPr kumimoji="1" lang="ja-JP" altLang="en-US" sz="2400" dirty="0"/>
+              <a:t>セクション：</a:t>
+            </a:r>
+            <a:r>
+              <a:rPr kumimoji="1" lang="en-US" altLang="ja-JP" sz="2400" dirty="0"/>
+              <a:t>tasks</a:t>
+            </a:r>
+            <a:r>
+              <a:rPr kumimoji="1" lang="ja-JP" altLang="en-US" sz="2400" dirty="0"/>
+              <a:t>セクション内のタスクが終了した後、</a:t>
+            </a:r>
+            <a:r>
+              <a:rPr kumimoji="1" lang="en-US" altLang="ja-JP" sz="2400" dirty="0"/>
+              <a:t>task</a:t>
+            </a:r>
+            <a:r>
+              <a:rPr kumimoji="1" lang="ja-JP" altLang="en-US" sz="2400" dirty="0"/>
+              <a:t>セクションの実行状況により、実行・未実行になる</a:t>
+            </a:r>
+            <a:endParaRPr kumimoji="1" lang="en-US" altLang="ja-JP" sz="2400" dirty="0"/>
+          </a:p>
+          <a:p>
+            <a:endParaRPr kumimoji="1" lang="en-US" altLang="ja-JP" sz="2400" dirty="0"/>
+          </a:p>
+          <a:p>
+            <a:endParaRPr kumimoji="1" lang="en-US" altLang="ja-JP" sz="2400" dirty="0"/>
+          </a:p>
+          <a:p>
+            <a:endParaRPr kumimoji="1" lang="en-US" altLang="ja-JP" sz="2400" dirty="0"/>
+          </a:p>
+        </p:txBody>
+      </p:sp>
+    </p:spTree>
+    <p:extLst>
+      <p:ext uri="{BB962C8B-B14F-4D97-AF65-F5344CB8AC3E}">
+        <p14:creationId xmlns:p14="http://schemas.microsoft.com/office/powerpoint/2010/main" val="4249659522"/>
+      </p:ext>
+    </p:extLst>
+  </p:cSld>
+  <p:clrMapOvr>
+    <a:masterClrMapping/>
+  </p:clrMapOvr>
+</p:sld>
+</file>
+
+<file path=ppt/slides/slide18.xml><?xml version="1.0" encoding="utf-8"?>
+<p:sld xmlns:a="http://schemas.openxmlformats.org/drawingml/2006/main" xmlns:r="http://schemas.openxmlformats.org/officeDocument/2006/relationships" xmlns:p="http://schemas.openxmlformats.org/presentationml/2006/main">
+  <p:cSld>
+    <p:spTree>
+      <p:nvGrpSpPr>
+        <p:cNvPr id="1" name=""/>
+        <p:cNvGrpSpPr/>
+        <p:nvPr/>
+      </p:nvGrpSpPr>
+      <p:grpSpPr>
+        <a:xfrm>
+          <a:off x="0" y="0"/>
+          <a:ext cx="0" cy="0"/>
+          <a:chOff x="0" y="0"/>
+          <a:chExt cx="0" cy="0"/>
+        </a:xfrm>
+      </p:grpSpPr>
+      <p:sp>
+        <p:nvSpPr>
+          <p:cNvPr id="2" name="タイトル 1">
+            <a:extLst>
+              <a:ext uri="{FF2B5EF4-FFF2-40B4-BE49-F238E27FC236}">
+                <a16:creationId xmlns:a16="http://schemas.microsoft.com/office/drawing/2014/main" id="{375320BF-43D3-4AB2-9ED9-596839F1E352}"/>
+              </a:ext>
+            </a:extLst>
+          </p:cNvPr>
+          <p:cNvSpPr>
+            <a:spLocks noGrp="1"/>
+          </p:cNvSpPr>
+          <p:nvPr>
+            <p:ph type="title"/>
+          </p:nvPr>
+        </p:nvSpPr>
+        <p:spPr/>
+        <p:txBody>
+          <a:bodyPr>
+            <a:normAutofit fontScale="90000"/>
+          </a:bodyPr>
+          <a:lstStyle/>
+          <a:p>
+            <a:r>
+              <a:rPr kumimoji="1" lang="ja-JP" altLang="en-US" dirty="0"/>
+              <a:t>実行結果</a:t>
+            </a:r>
+          </a:p>
+        </p:txBody>
+      </p:sp>
+      <p:sp>
+        <p:nvSpPr>
+          <p:cNvPr id="6" name="テキスト ボックス 5">
+            <a:extLst>
+              <a:ext uri="{FF2B5EF4-FFF2-40B4-BE49-F238E27FC236}">
+                <a16:creationId xmlns:a16="http://schemas.microsoft.com/office/drawing/2014/main" id="{D6C9487E-3192-81CB-28B8-8BB054A1E040}"/>
+              </a:ext>
+            </a:extLst>
+          </p:cNvPr>
+          <p:cNvSpPr txBox="1"/>
+          <p:nvPr/>
+        </p:nvSpPr>
+        <p:spPr>
+          <a:xfrm>
+            <a:off x="4133272" y="2665298"/>
+            <a:ext cx="1251528" cy="369332"/>
+          </a:xfrm>
+          <a:prstGeom prst="rect">
+            <a:avLst/>
+          </a:prstGeom>
+          <a:noFill/>
+        </p:spPr>
+        <p:txBody>
+          <a:bodyPr wrap="square" rtlCol="0">
+            <a:spAutoFit/>
+          </a:bodyPr>
+          <a:lstStyle/>
+          <a:p>
+            <a:r>
+              <a:rPr kumimoji="1" lang="en-US" altLang="ja-JP" dirty="0">
+                <a:solidFill>
+                  <a:schemeClr val="bg1"/>
+                </a:solidFill>
+              </a:rPr>
+              <a:t>play test1</a:t>
+            </a:r>
+            <a:endParaRPr kumimoji="1" lang="ja-JP" altLang="en-US" dirty="0">
+              <a:solidFill>
+                <a:schemeClr val="bg1"/>
+              </a:solidFill>
+            </a:endParaRPr>
+          </a:p>
+        </p:txBody>
+      </p:sp>
+      <p:pic>
+        <p:nvPicPr>
+          <p:cNvPr id="14" name="図 13">
+            <a:extLst>
+              <a:ext uri="{FF2B5EF4-FFF2-40B4-BE49-F238E27FC236}">
+                <a16:creationId xmlns:a16="http://schemas.microsoft.com/office/drawing/2014/main" id="{95B61187-4794-FD3A-C993-D0F404FCA3F9}"/>
+              </a:ext>
+            </a:extLst>
+          </p:cNvPr>
+          <p:cNvPicPr>
+            <a:picLocks noChangeAspect="1"/>
+          </p:cNvPicPr>
+          <p:nvPr/>
+        </p:nvPicPr>
+        <p:blipFill>
+          <a:blip r:embed="rId2"/>
+          <a:stretch>
+            <a:fillRect/>
+          </a:stretch>
+        </p:blipFill>
+        <p:spPr>
+          <a:xfrm>
+            <a:off x="1565755" y="1322084"/>
+            <a:ext cx="9060490" cy="4806885"/>
+          </a:xfrm>
+          <a:prstGeom prst="rect">
+            <a:avLst/>
+          </a:prstGeom>
+        </p:spPr>
+      </p:pic>
+    </p:spTree>
+    <p:extLst>
+      <p:ext uri="{BB962C8B-B14F-4D97-AF65-F5344CB8AC3E}">
+        <p14:creationId xmlns:p14="http://schemas.microsoft.com/office/powerpoint/2010/main" val="1033241369"/>
+      </p:ext>
+    </p:extLst>
+  </p:cSld>
+  <p:clrMapOvr>
+    <a:masterClrMapping/>
+  </p:clrMapOvr>
+</p:sld>
+</file>
+
+<file path=ppt/slides/slide19.xml><?xml version="1.0" encoding="utf-8"?>
+<p:sld xmlns:a="http://schemas.openxmlformats.org/drawingml/2006/main" xmlns:r="http://schemas.openxmlformats.org/officeDocument/2006/relationships" xmlns:p="http://schemas.openxmlformats.org/presentationml/2006/main">
+  <p:cSld>
+    <p:spTree>
+      <p:nvGrpSpPr>
+        <p:cNvPr id="1" name=""/>
+        <p:cNvGrpSpPr/>
+        <p:nvPr/>
+      </p:nvGrpSpPr>
+      <p:grpSpPr>
+        <a:xfrm>
+          <a:off x="0" y="0"/>
+          <a:ext cx="0" cy="0"/>
+          <a:chOff x="0" y="0"/>
+          <a:chExt cx="0" cy="0"/>
+        </a:xfrm>
+      </p:grpSpPr>
+      <p:sp>
+        <p:nvSpPr>
+          <p:cNvPr id="2" name="タイトル 1">
+            <a:extLst>
+              <a:ext uri="{FF2B5EF4-FFF2-40B4-BE49-F238E27FC236}">
+                <a16:creationId xmlns:a16="http://schemas.microsoft.com/office/drawing/2014/main" id="{375320BF-43D3-4AB2-9ED9-596839F1E352}"/>
+              </a:ext>
+            </a:extLst>
+          </p:cNvPr>
+          <p:cNvSpPr>
+            <a:spLocks noGrp="1"/>
+          </p:cNvSpPr>
+          <p:nvPr>
+            <p:ph type="title"/>
+          </p:nvPr>
+        </p:nvSpPr>
+        <p:spPr/>
+        <p:txBody>
+          <a:bodyPr>
+            <a:normAutofit fontScale="90000"/>
+          </a:bodyPr>
+          <a:lstStyle/>
+          <a:p>
+            <a:r>
+              <a:rPr kumimoji="1" lang="ja-JP" altLang="en-US" dirty="0"/>
+              <a:t>参考サイト</a:t>
+            </a:r>
+          </a:p>
+        </p:txBody>
+      </p:sp>
+      <p:sp>
+        <p:nvSpPr>
+          <p:cNvPr id="3" name="テキスト プレースホルダー 2">
+            <a:extLst>
+              <a:ext uri="{FF2B5EF4-FFF2-40B4-BE49-F238E27FC236}">
+                <a16:creationId xmlns:a16="http://schemas.microsoft.com/office/drawing/2014/main" id="{29BF031A-AEAA-42B7-997E-73DB24388A4D}"/>
+              </a:ext>
+            </a:extLst>
+          </p:cNvPr>
+          <p:cNvSpPr>
+            <a:spLocks noGrp="1"/>
+          </p:cNvSpPr>
+          <p:nvPr>
+            <p:ph type="body" sz="quarter" idx="10"/>
+          </p:nvPr>
+        </p:nvSpPr>
+        <p:spPr>
+          <a:xfrm>
+            <a:off x="222885" y="1015682"/>
+            <a:ext cx="11826875" cy="5700711"/>
+          </a:xfrm>
+        </p:spPr>
+        <p:txBody>
+          <a:bodyPr/>
+          <a:lstStyle/>
+          <a:p>
+            <a:r>
+              <a:rPr kumimoji="1" lang="en-US" altLang="ja-JP" sz="2400" dirty="0">
+                <a:hlinkClick r:id="rId2"/>
+              </a:rPr>
+              <a:t>Ansible</a:t>
+            </a:r>
+            <a:r>
+              <a:rPr kumimoji="1" lang="ja-JP" altLang="en-US" sz="2400" dirty="0">
+                <a:hlinkClick r:id="rId2"/>
+              </a:rPr>
+              <a:t>の使い方</a:t>
+            </a:r>
+            <a:endParaRPr kumimoji="1" lang="en-US" altLang="ja-JP" sz="2400" dirty="0"/>
+          </a:p>
+          <a:p>
+            <a:endParaRPr kumimoji="1" lang="en-US" altLang="ja-JP" sz="2400" dirty="0"/>
+          </a:p>
+          <a:p>
+            <a:r>
+              <a:rPr kumimoji="1" lang="en-US" altLang="ja-JP" sz="2400" dirty="0">
+                <a:hlinkClick r:id="rId3"/>
+              </a:rPr>
+              <a:t>Ansible</a:t>
+            </a:r>
+            <a:r>
+              <a:rPr kumimoji="1" lang="ja-JP" altLang="en-US" sz="2400" dirty="0">
+                <a:hlinkClick r:id="rId3"/>
+              </a:rPr>
+              <a:t>とは？概要から活用例、インストール方法までわかりやすく解説</a:t>
+            </a:r>
+            <a:endParaRPr kumimoji="1" lang="en-US" altLang="ja-JP" sz="2400" dirty="0"/>
+          </a:p>
+          <a:p>
+            <a:endParaRPr kumimoji="1" lang="en-US" altLang="ja-JP" sz="2400" dirty="0"/>
+          </a:p>
+          <a:p>
+            <a:r>
+              <a:rPr kumimoji="1" lang="en-US" altLang="ja-JP" sz="2400" dirty="0">
+                <a:hlinkClick r:id="rId4"/>
+              </a:rPr>
+              <a:t>Ansible </a:t>
+            </a:r>
+            <a:r>
+              <a:rPr kumimoji="1" lang="ja-JP" altLang="en-US" sz="2400" dirty="0">
+                <a:hlinkClick r:id="rId4"/>
+              </a:rPr>
+              <a:t>ドキュメント</a:t>
+            </a:r>
+            <a:endParaRPr kumimoji="1" lang="en-US" altLang="ja-JP" sz="2400" dirty="0"/>
+          </a:p>
+          <a:p>
+            <a:pPr marL="0" indent="0">
+              <a:buNone/>
+            </a:pPr>
+            <a:endParaRPr kumimoji="1" lang="en-US" altLang="ja-JP" sz="2400" dirty="0"/>
+          </a:p>
+        </p:txBody>
+      </p:sp>
+    </p:spTree>
+    <p:extLst>
+      <p:ext uri="{BB962C8B-B14F-4D97-AF65-F5344CB8AC3E}">
+        <p14:creationId xmlns:p14="http://schemas.microsoft.com/office/powerpoint/2010/main" val="3066684261"/>
+      </p:ext>
+    </p:extLst>
+  </p:cSld>
+  <p:clrMapOvr>
+    <a:masterClrMapping/>
+  </p:clrMapOvr>
+</p:sld>
+</file>
+
+<file path=ppt/slides/slide2.xml><?xml version="1.0" encoding="utf-8"?>
+<p:sld xmlns:a="http://schemas.openxmlformats.org/drawingml/2006/main" xmlns:r="http://schemas.openxmlformats.org/officeDocument/2006/relationships" xmlns:p="http://schemas.openxmlformats.org/presentationml/2006/main">
+  <p:cSld>
+    <p:spTree>
+      <p:nvGrpSpPr>
+        <p:cNvPr id="1" name=""/>
+        <p:cNvGrpSpPr/>
+        <p:nvPr/>
+      </p:nvGrpSpPr>
+      <p:grpSpPr>
+        <a:xfrm>
+          <a:off x="0" y="0"/>
+          <a:ext cx="0" cy="0"/>
+          <a:chOff x="0" y="0"/>
+          <a:chExt cx="0" cy="0"/>
+        </a:xfrm>
+      </p:grpSpPr>
+      <p:sp>
+        <p:nvSpPr>
+          <p:cNvPr id="3" name="テキスト プレースホルダー 2">
+            <a:extLst>
+              <a:ext uri="{FF2B5EF4-FFF2-40B4-BE49-F238E27FC236}">
+                <a16:creationId xmlns:a16="http://schemas.microsoft.com/office/drawing/2014/main" id="{C402C823-BB59-48CB-82AA-6407C140BAEA}"/>
+              </a:ext>
+            </a:extLst>
+          </p:cNvPr>
+          <p:cNvSpPr>
+            <a:spLocks noGrp="1"/>
+          </p:cNvSpPr>
+          <p:nvPr>
+            <p:ph type="body" sz="quarter" idx="10"/>
+          </p:nvPr>
+        </p:nvSpPr>
+        <p:spPr/>
+        <p:txBody>
+          <a:bodyPr/>
+          <a:lstStyle/>
+          <a:p>
+            <a:pPr marL="514350" indent="-514350">
+              <a:buFont typeface="+mj-lt"/>
+              <a:buAutoNum type="arabicPeriod"/>
+            </a:pPr>
+            <a:r>
+              <a:rPr kumimoji="1" lang="ja-JP" altLang="en-US" dirty="0"/>
+              <a:t>目的</a:t>
+            </a:r>
+            <a:endParaRPr kumimoji="1" lang="en-US" altLang="ja-JP" dirty="0"/>
+          </a:p>
+          <a:p>
+            <a:pPr marL="514350" indent="-514350">
+              <a:buFont typeface="+mj-lt"/>
+              <a:buAutoNum type="arabicPeriod"/>
+            </a:pPr>
+            <a:r>
+              <a:rPr kumimoji="1" lang="en-US" altLang="ja-JP" dirty="0"/>
+              <a:t>Ansible</a:t>
+            </a:r>
+            <a:r>
+              <a:rPr kumimoji="1" lang="ja-JP" altLang="en-US" dirty="0"/>
+              <a:t>とは</a:t>
+            </a:r>
+            <a:endParaRPr kumimoji="1" lang="en-US" altLang="ja-JP" dirty="0"/>
+          </a:p>
+          <a:p>
+            <a:pPr marL="514350" indent="-514350">
+              <a:buFont typeface="+mj-lt"/>
+              <a:buAutoNum type="arabicPeriod"/>
+            </a:pPr>
+            <a:r>
+              <a:rPr kumimoji="1" lang="en-US" altLang="ja-JP" dirty="0"/>
+              <a:t>Ansible</a:t>
+            </a:r>
+            <a:r>
+              <a:rPr kumimoji="1" lang="ja-JP" altLang="en-US" dirty="0"/>
+              <a:t>の基本</a:t>
+            </a:r>
+            <a:endParaRPr kumimoji="1" lang="en-US" altLang="ja-JP" dirty="0"/>
+          </a:p>
+        </p:txBody>
+      </p:sp>
+      <p:sp>
+        <p:nvSpPr>
+          <p:cNvPr id="5" name="タイトル 4">
+            <a:extLst>
+              <a:ext uri="{FF2B5EF4-FFF2-40B4-BE49-F238E27FC236}">
+                <a16:creationId xmlns:a16="http://schemas.microsoft.com/office/drawing/2014/main" id="{134FF4C2-717F-4C5F-AA9E-28EF2282CDC4}"/>
+              </a:ext>
+            </a:extLst>
+          </p:cNvPr>
+          <p:cNvSpPr>
+            <a:spLocks noGrp="1"/>
+          </p:cNvSpPr>
+          <p:nvPr>
+            <p:ph type="title"/>
+          </p:nvPr>
+        </p:nvSpPr>
+        <p:spPr/>
+        <p:txBody>
+          <a:bodyPr>
+            <a:normAutofit fontScale="90000"/>
+          </a:bodyPr>
+          <a:lstStyle/>
+          <a:p>
+            <a:r>
+              <a:rPr lang="ja-JP" altLang="en-US" dirty="0"/>
+              <a:t>目次</a:t>
+            </a:r>
+          </a:p>
+        </p:txBody>
+      </p:sp>
+    </p:spTree>
+    <p:extLst>
+      <p:ext uri="{BB962C8B-B14F-4D97-AF65-F5344CB8AC3E}">
+        <p14:creationId xmlns:p14="http://schemas.microsoft.com/office/powerpoint/2010/main" val="1203199818"/>
+      </p:ext>
+    </p:extLst>
+  </p:cSld>
+  <p:clrMapOvr>
+    <a:masterClrMapping/>
+  </p:clrMapOvr>
+</p:sld>
+</file>
+
+<file path=ppt/slides/slide20.xml><?xml version="1.0" encoding="utf-8"?>
+<p:sld xmlns:a="http://schemas.openxmlformats.org/drawingml/2006/main" xmlns:r="http://schemas.openxmlformats.org/officeDocument/2006/relationships" xmlns:p="http://schemas.openxmlformats.org/presentationml/2006/main">
+  <p:cSld>
+    <p:spTree>
+      <p:nvGrpSpPr>
+        <p:cNvPr id="1" name=""/>
+        <p:cNvGrpSpPr/>
+        <p:nvPr/>
+      </p:nvGrpSpPr>
+      <p:grpSpPr>
+        <a:xfrm>
+          <a:off x="0" y="0"/>
+          <a:ext cx="0" cy="0"/>
+          <a:chOff x="0" y="0"/>
+          <a:chExt cx="0" cy="0"/>
+        </a:xfrm>
+      </p:grpSpPr>
+      <p:sp>
+        <p:nvSpPr>
+          <p:cNvPr id="2" name="タイトル 1">
+            <a:extLst>
+              <a:ext uri="{FF2B5EF4-FFF2-40B4-BE49-F238E27FC236}">
+                <a16:creationId xmlns:a16="http://schemas.microsoft.com/office/drawing/2014/main" id="{2B4D749E-4C59-413D-91B2-FDAD3F48B4EC}"/>
+              </a:ext>
+            </a:extLst>
+          </p:cNvPr>
+          <p:cNvSpPr>
+            <a:spLocks noGrp="1"/>
+          </p:cNvSpPr>
+          <p:nvPr>
+            <p:ph type="title"/>
+          </p:nvPr>
+        </p:nvSpPr>
+        <p:spPr>
+          <a:xfrm>
+            <a:off x="4407442" y="2591271"/>
+            <a:ext cx="3377115" cy="1675457"/>
+          </a:xfrm>
+        </p:spPr>
+        <p:txBody>
+          <a:bodyPr/>
+          <a:lstStyle/>
+          <a:p>
+            <a:r>
+              <a:rPr kumimoji="1" lang="en-US" altLang="ja-JP" sz="9600" dirty="0"/>
+              <a:t>EOF</a:t>
+            </a:r>
+            <a:endParaRPr kumimoji="1" lang="ja-JP" altLang="en-US" sz="9600" dirty="0"/>
+          </a:p>
+        </p:txBody>
+      </p:sp>
+    </p:spTree>
+    <p:extLst>
+      <p:ext uri="{BB962C8B-B14F-4D97-AF65-F5344CB8AC3E}">
+        <p14:creationId xmlns:p14="http://schemas.microsoft.com/office/powerpoint/2010/main" val="1276865941"/>
+      </p:ext>
+    </p:extLst>
+  </p:cSld>
+  <p:clrMapOvr>
+    <a:masterClrMapping/>
+  </p:clrMapOvr>
+</p:sld>
+</file>
+
+<file path=ppt/slides/slide3.xml><?xml version="1.0" encoding="utf-8"?>
+<p:sld xmlns:a="http://schemas.openxmlformats.org/drawingml/2006/main" xmlns:r="http://schemas.openxmlformats.org/officeDocument/2006/relationships" xmlns:p="http://schemas.openxmlformats.org/presentationml/2006/main">
+  <p:cSld>
+    <p:spTree>
+      <p:nvGrpSpPr>
+        <p:cNvPr id="1" name=""/>
+        <p:cNvGrpSpPr/>
+        <p:nvPr/>
+      </p:nvGrpSpPr>
+      <p:grpSpPr>
+        <a:xfrm>
+          <a:off x="0" y="0"/>
+          <a:ext cx="0" cy="0"/>
+          <a:chOff x="0" y="0"/>
+          <a:chExt cx="0" cy="0"/>
+        </a:xfrm>
+      </p:grpSpPr>
+      <p:sp>
+        <p:nvSpPr>
+          <p:cNvPr id="2" name="タイトル 1">
+            <a:extLst>
+              <a:ext uri="{FF2B5EF4-FFF2-40B4-BE49-F238E27FC236}">
+                <a16:creationId xmlns:a16="http://schemas.microsoft.com/office/drawing/2014/main" id="{2B4D749E-4C59-413D-91B2-FDAD3F48B4EC}"/>
+              </a:ext>
+            </a:extLst>
+          </p:cNvPr>
+          <p:cNvSpPr>
+            <a:spLocks noGrp="1"/>
+          </p:cNvSpPr>
+          <p:nvPr>
+            <p:ph type="title"/>
+          </p:nvPr>
+        </p:nvSpPr>
+        <p:spPr/>
+        <p:txBody>
+          <a:bodyPr/>
+          <a:lstStyle/>
+          <a:p>
+            <a:r>
+              <a:rPr kumimoji="1" lang="en-US" altLang="ja-JP" dirty="0"/>
+              <a:t>1.</a:t>
+            </a:r>
+            <a:r>
+              <a:rPr kumimoji="1" lang="ja-JP" altLang="en-US" dirty="0"/>
+              <a:t>目的</a:t>
+            </a:r>
+          </a:p>
+        </p:txBody>
+      </p:sp>
+    </p:spTree>
+    <p:extLst>
+      <p:ext uri="{BB962C8B-B14F-4D97-AF65-F5344CB8AC3E}">
+        <p14:creationId xmlns:p14="http://schemas.microsoft.com/office/powerpoint/2010/main" val="2010039180"/>
+      </p:ext>
+    </p:extLst>
+  </p:cSld>
+  <p:clrMapOvr>
+    <a:masterClrMapping/>
+  </p:clrMapOvr>
+</p:sld>
+</file>
+
+<file path=ppt/slides/slide4.xml><?xml version="1.0" encoding="utf-8"?>
+<p:sld xmlns:a="http://schemas.openxmlformats.org/drawingml/2006/main" xmlns:r="http://schemas.openxmlformats.org/officeDocument/2006/relationships" xmlns:p="http://schemas.openxmlformats.org/presentationml/2006/main">
+  <p:cSld>
+    <p:spTree>
+      <p:nvGrpSpPr>
+        <p:cNvPr id="1" name=""/>
+        <p:cNvGrpSpPr/>
+        <p:nvPr/>
+      </p:nvGrpSpPr>
+      <p:grpSpPr>
+        <a:xfrm>
+          <a:off x="0" y="0"/>
+          <a:ext cx="0" cy="0"/>
+          <a:chOff x="0" y="0"/>
+          <a:chExt cx="0" cy="0"/>
+        </a:xfrm>
+      </p:grpSpPr>
+      <p:sp>
+        <p:nvSpPr>
+          <p:cNvPr id="2" name="タイトル 1">
+            <a:extLst>
+              <a:ext uri="{FF2B5EF4-FFF2-40B4-BE49-F238E27FC236}">
+                <a16:creationId xmlns:a16="http://schemas.microsoft.com/office/drawing/2014/main" id="{375320BF-43D3-4AB2-9ED9-596839F1E352}"/>
+              </a:ext>
+            </a:extLst>
+          </p:cNvPr>
+          <p:cNvSpPr>
+            <a:spLocks noGrp="1"/>
+          </p:cNvSpPr>
+          <p:nvPr>
+            <p:ph type="title"/>
+          </p:nvPr>
+        </p:nvSpPr>
+        <p:spPr/>
+        <p:txBody>
+          <a:bodyPr>
+            <a:normAutofit fontScale="90000"/>
+          </a:bodyPr>
+          <a:lstStyle/>
+          <a:p>
+            <a:r>
+              <a:rPr kumimoji="1" lang="ja-JP" altLang="en-US" dirty="0"/>
+              <a:t>目的</a:t>
+            </a:r>
+          </a:p>
+        </p:txBody>
+      </p:sp>
+      <p:sp>
+        <p:nvSpPr>
+          <p:cNvPr id="3" name="テキスト プレースホルダー 2">
+            <a:extLst>
+              <a:ext uri="{FF2B5EF4-FFF2-40B4-BE49-F238E27FC236}">
+                <a16:creationId xmlns:a16="http://schemas.microsoft.com/office/drawing/2014/main" id="{29BF031A-AEAA-42B7-997E-73DB24388A4D}"/>
+              </a:ext>
+            </a:extLst>
+          </p:cNvPr>
+          <p:cNvSpPr>
+            <a:spLocks noGrp="1"/>
+          </p:cNvSpPr>
+          <p:nvPr>
+            <p:ph type="body" sz="quarter" idx="10"/>
+          </p:nvPr>
+        </p:nvSpPr>
+        <p:spPr>
+          <a:xfrm>
+            <a:off x="222885" y="1015683"/>
+            <a:ext cx="11339195" cy="5262562"/>
+          </a:xfrm>
+        </p:spPr>
+        <p:txBody>
+          <a:bodyPr/>
+          <a:lstStyle/>
+          <a:p>
+            <a:pPr marL="0" indent="0">
+              <a:buNone/>
+            </a:pPr>
+            <a:r>
+              <a:rPr kumimoji="1" lang="ja-JP" altLang="en-US" dirty="0"/>
+              <a:t>・業務で使うツールなので、知識を身に付ける</a:t>
+            </a:r>
+            <a:endParaRPr kumimoji="1" lang="en-US" altLang="ja-JP" sz="2400" dirty="0"/>
+          </a:p>
+          <a:p>
+            <a:pPr marL="0" indent="0">
+              <a:buNone/>
+            </a:pPr>
+            <a:endParaRPr kumimoji="1" lang="en-US" altLang="ja-JP" dirty="0"/>
+          </a:p>
+          <a:p>
+            <a:pPr marL="0" indent="0">
+              <a:buNone/>
+            </a:pPr>
+            <a:r>
+              <a:rPr kumimoji="1" lang="ja-JP" altLang="en-US" dirty="0"/>
+              <a:t>・</a:t>
+            </a:r>
+            <a:r>
+              <a:rPr kumimoji="1" lang="en-US" altLang="ja-JP" dirty="0"/>
+              <a:t>IT</a:t>
+            </a:r>
+            <a:r>
+              <a:rPr kumimoji="1" lang="ja-JP" altLang="en-US" dirty="0"/>
+              <a:t>自動化に関する知識やスキルに興味があるので、</a:t>
+            </a:r>
+            <a:endParaRPr kumimoji="1" lang="en-US" altLang="ja-JP" dirty="0"/>
+          </a:p>
+          <a:p>
+            <a:pPr marL="0" indent="0">
+              <a:buNone/>
+            </a:pPr>
+            <a:r>
+              <a:rPr kumimoji="1" lang="ja-JP" altLang="en-US" dirty="0"/>
+              <a:t>　業務で触れた</a:t>
+            </a:r>
+            <a:r>
+              <a:rPr kumimoji="1" lang="en-US" altLang="ja-JP" dirty="0"/>
+              <a:t>Ansible</a:t>
+            </a:r>
+            <a:r>
+              <a:rPr kumimoji="1" lang="ja-JP" altLang="en-US" dirty="0"/>
+              <a:t>を通して、その一端を身に付ける</a:t>
+            </a:r>
+            <a:endParaRPr kumimoji="1" lang="en-US" altLang="ja-JP" dirty="0"/>
+          </a:p>
+          <a:p>
+            <a:pPr marL="0" indent="0">
+              <a:buNone/>
+            </a:pPr>
+            <a:endParaRPr kumimoji="1" lang="en-US" altLang="ja-JP" sz="2400" dirty="0"/>
+          </a:p>
+          <a:p>
+            <a:pPr marL="0" indent="0">
+              <a:buNone/>
+            </a:pPr>
+            <a:r>
+              <a:rPr kumimoji="1" lang="ja-JP" altLang="en-US" dirty="0"/>
+              <a:t>・勉強の過程で知っておくべきことを共有する</a:t>
+            </a:r>
+            <a:endParaRPr kumimoji="1" lang="en-US" altLang="ja-JP" dirty="0"/>
+          </a:p>
+          <a:p>
+            <a:pPr marL="0" indent="0">
+              <a:buNone/>
+            </a:pPr>
+            <a:endParaRPr kumimoji="1" lang="en-US" altLang="ja-JP" dirty="0"/>
+          </a:p>
+          <a:p>
+            <a:pPr marL="0" indent="0">
+              <a:buNone/>
+            </a:pPr>
+            <a:endParaRPr kumimoji="1" lang="en-US" altLang="ja-JP" dirty="0"/>
+          </a:p>
+        </p:txBody>
+      </p:sp>
+    </p:spTree>
+    <p:extLst>
+      <p:ext uri="{BB962C8B-B14F-4D97-AF65-F5344CB8AC3E}">
+        <p14:creationId xmlns:p14="http://schemas.microsoft.com/office/powerpoint/2010/main" val="3595997046"/>
+      </p:ext>
+    </p:extLst>
+  </p:cSld>
+  <p:clrMapOvr>
+    <a:masterClrMapping/>
+  </p:clrMapOvr>
+</p:sld>
+</file>
+
+<file path=ppt/slides/slide5.xml><?xml version="1.0" encoding="utf-8"?>
+<p:sld xmlns:a="http://schemas.openxmlformats.org/drawingml/2006/main" xmlns:r="http://schemas.openxmlformats.org/officeDocument/2006/relationships" xmlns:p="http://schemas.openxmlformats.org/presentationml/2006/main">
+  <p:cSld>
+    <p:spTree>
+      <p:nvGrpSpPr>
+        <p:cNvPr id="1" name=""/>
+        <p:cNvGrpSpPr/>
+        <p:nvPr/>
+      </p:nvGrpSpPr>
+      <p:grpSpPr>
+        <a:xfrm>
+          <a:off x="0" y="0"/>
+          <a:ext cx="0" cy="0"/>
+          <a:chOff x="0" y="0"/>
+          <a:chExt cx="0" cy="0"/>
+        </a:xfrm>
+      </p:grpSpPr>
+      <p:sp>
+        <p:nvSpPr>
+          <p:cNvPr id="2" name="タイトル 1">
+            <a:extLst>
+              <a:ext uri="{FF2B5EF4-FFF2-40B4-BE49-F238E27FC236}">
+                <a16:creationId xmlns:a16="http://schemas.microsoft.com/office/drawing/2014/main" id="{2B4D749E-4C59-413D-91B2-FDAD3F48B4EC}"/>
+              </a:ext>
+            </a:extLst>
+          </p:cNvPr>
+          <p:cNvSpPr>
+            <a:spLocks noGrp="1"/>
+          </p:cNvSpPr>
+          <p:nvPr>
+            <p:ph type="title"/>
+          </p:nvPr>
+        </p:nvSpPr>
+        <p:spPr/>
+        <p:txBody>
+          <a:bodyPr/>
+          <a:lstStyle/>
+          <a:p>
+            <a:r>
+              <a:rPr kumimoji="1" lang="en-US" altLang="ja-JP" dirty="0"/>
+              <a:t>2.Ansible</a:t>
+            </a:r>
+            <a:r>
+              <a:rPr kumimoji="1" lang="ja-JP" altLang="en-US" dirty="0"/>
+              <a:t>とは</a:t>
+            </a:r>
+          </a:p>
+        </p:txBody>
+      </p:sp>
+    </p:spTree>
+    <p:extLst>
+      <p:ext uri="{BB962C8B-B14F-4D97-AF65-F5344CB8AC3E}">
+        <p14:creationId xmlns:p14="http://schemas.microsoft.com/office/powerpoint/2010/main" val="1327383487"/>
+      </p:ext>
+    </p:extLst>
+  </p:cSld>
+  <p:clrMapOvr>
+    <a:masterClrMapping/>
+  </p:clrMapOvr>
+</p:sld>
+</file>
+
+<file path=ppt/slides/slide6.xml><?xml version="1.0" encoding="utf-8"?>
+<p:sld xmlns:a="http://schemas.openxmlformats.org/drawingml/2006/main" xmlns:r="http://schemas.openxmlformats.org/officeDocument/2006/relationships" xmlns:p="http://schemas.openxmlformats.org/presentationml/2006/main">
+  <p:cSld>
+    <p:spTree>
+      <p:nvGrpSpPr>
+        <p:cNvPr id="1" name=""/>
+        <p:cNvGrpSpPr/>
+        <p:nvPr/>
+      </p:nvGrpSpPr>
+      <p:grpSpPr>
+        <a:xfrm>
+          <a:off x="0" y="0"/>
+          <a:ext cx="0" cy="0"/>
+          <a:chOff x="0" y="0"/>
+          <a:chExt cx="0" cy="0"/>
+        </a:xfrm>
+      </p:grpSpPr>
+      <p:sp>
+        <p:nvSpPr>
+          <p:cNvPr id="2" name="タイトル 1">
+            <a:extLst>
+              <a:ext uri="{FF2B5EF4-FFF2-40B4-BE49-F238E27FC236}">
+                <a16:creationId xmlns:a16="http://schemas.microsoft.com/office/drawing/2014/main" id="{375320BF-43D3-4AB2-9ED9-596839F1E352}"/>
+              </a:ext>
+            </a:extLst>
+          </p:cNvPr>
+          <p:cNvSpPr>
+            <a:spLocks noGrp="1"/>
+          </p:cNvSpPr>
+          <p:nvPr>
+            <p:ph type="title"/>
+          </p:nvPr>
+        </p:nvSpPr>
+        <p:spPr/>
+        <p:txBody>
+          <a:bodyPr>
+            <a:normAutofit fontScale="90000"/>
+          </a:bodyPr>
+          <a:lstStyle/>
+          <a:p>
+            <a:r>
+              <a:rPr kumimoji="1" lang="en-US" altLang="ja-JP" dirty="0"/>
+              <a:t>IT</a:t>
+            </a:r>
+            <a:r>
+              <a:rPr kumimoji="1" lang="ja-JP" altLang="en-US" dirty="0"/>
+              <a:t>自動化ツールとは</a:t>
+            </a:r>
+          </a:p>
+        </p:txBody>
+      </p:sp>
+      <p:sp>
+        <p:nvSpPr>
+          <p:cNvPr id="3" name="テキスト プレースホルダー 2">
+            <a:extLst>
+              <a:ext uri="{FF2B5EF4-FFF2-40B4-BE49-F238E27FC236}">
+                <a16:creationId xmlns:a16="http://schemas.microsoft.com/office/drawing/2014/main" id="{29BF031A-AEAA-42B7-997E-73DB24388A4D}"/>
+              </a:ext>
+            </a:extLst>
+          </p:cNvPr>
+          <p:cNvSpPr>
+            <a:spLocks noGrp="1"/>
+          </p:cNvSpPr>
+          <p:nvPr>
+            <p:ph type="body" sz="quarter" idx="10"/>
+          </p:nvPr>
+        </p:nvSpPr>
+        <p:spPr>
+          <a:xfrm>
+            <a:off x="222885" y="1015682"/>
+            <a:ext cx="11826875" cy="5700711"/>
+          </a:xfrm>
+        </p:spPr>
+        <p:txBody>
+          <a:bodyPr/>
+          <a:lstStyle/>
+          <a:p>
+            <a:pPr marL="0" indent="0">
+              <a:buNone/>
+            </a:pPr>
+            <a:r>
+              <a:rPr kumimoji="1" lang="ja-JP" altLang="en-US" sz="2400" dirty="0"/>
+              <a:t>・例えば、「アプリケーションをリリースする」作業の場合、</a:t>
+            </a:r>
+            <a:endParaRPr kumimoji="1" lang="en-US" altLang="ja-JP" sz="2400" dirty="0"/>
+          </a:p>
+          <a:p>
+            <a:pPr marL="0" indent="0">
+              <a:buNone/>
+            </a:pPr>
+            <a:r>
+              <a:rPr kumimoji="1" lang="ja-JP" altLang="en-US" sz="2400" dirty="0"/>
+              <a:t>　以下の作業が考えられる</a:t>
+            </a:r>
+            <a:endParaRPr kumimoji="1" lang="en-US" altLang="ja-JP" sz="2400" dirty="0"/>
+          </a:p>
+          <a:p>
+            <a:pPr marL="0" indent="0">
+              <a:buNone/>
+            </a:pPr>
+            <a:r>
+              <a:rPr kumimoji="1" lang="ja-JP" altLang="en-US" sz="2400" dirty="0"/>
+              <a:t>　⇒必要なファイルの配置、サービスの再起動、ツールの設定更新など</a:t>
+            </a:r>
+            <a:endParaRPr kumimoji="1" lang="en-US" altLang="ja-JP" sz="2400" dirty="0"/>
+          </a:p>
+          <a:p>
+            <a:pPr marL="0" indent="0">
+              <a:buNone/>
+            </a:pPr>
+            <a:endParaRPr kumimoji="1" lang="en-US" altLang="ja-JP" sz="2400" dirty="0"/>
+          </a:p>
+          <a:p>
+            <a:pPr marL="0" indent="0">
+              <a:buNone/>
+            </a:pPr>
+            <a:r>
+              <a:rPr kumimoji="1" lang="ja-JP" altLang="en-US" sz="2400" dirty="0"/>
+              <a:t>・挙げた作業を全て手動で実施しようとすると以下のようなことが考えられる</a:t>
+            </a:r>
+            <a:endParaRPr kumimoji="1" lang="en-US" altLang="ja-JP" sz="2400" dirty="0"/>
+          </a:p>
+          <a:p>
+            <a:pPr marL="0" indent="0">
+              <a:buNone/>
+            </a:pPr>
+            <a:r>
+              <a:rPr kumimoji="1" lang="ja-JP" altLang="en-US" sz="2400" dirty="0"/>
+              <a:t>　⇒決まり切った手順書の微調整、スケジュールと作業者の日程調整、</a:t>
+            </a:r>
+            <a:endParaRPr kumimoji="1" lang="en-US" altLang="ja-JP" sz="2400" dirty="0"/>
+          </a:p>
+          <a:p>
+            <a:pPr marL="0" indent="0">
+              <a:buNone/>
+            </a:pPr>
+            <a:r>
+              <a:rPr kumimoji="1" lang="ja-JP" altLang="en-US" sz="2400" dirty="0"/>
+              <a:t>　　サーバーの状況を常に配慮しながらの長時間の気の張る作業など</a:t>
+            </a:r>
+            <a:endParaRPr kumimoji="1" lang="en-US" altLang="ja-JP" sz="2400" dirty="0"/>
+          </a:p>
+          <a:p>
+            <a:pPr marL="0" indent="0">
+              <a:buNone/>
+            </a:pPr>
+            <a:r>
+              <a:rPr kumimoji="1" lang="ja-JP" altLang="en-US" sz="2400" dirty="0"/>
+              <a:t>　⇒</a:t>
+            </a:r>
+            <a:r>
+              <a:rPr kumimoji="1" lang="ja-JP" altLang="en-US" sz="2400" b="1" dirty="0">
+                <a:solidFill>
+                  <a:srgbClr val="FF0000"/>
+                </a:solidFill>
+              </a:rPr>
+              <a:t>手動での作業はとても面倒</a:t>
+            </a:r>
+            <a:endParaRPr kumimoji="1" lang="en-US" altLang="ja-JP" sz="2400" b="1" dirty="0">
+              <a:solidFill>
+                <a:srgbClr val="FF0000"/>
+              </a:solidFill>
+            </a:endParaRPr>
+          </a:p>
+          <a:p>
+            <a:pPr marL="0" indent="0">
+              <a:buNone/>
+            </a:pPr>
+            <a:endParaRPr kumimoji="1" lang="en-US" altLang="ja-JP" sz="2400" dirty="0"/>
+          </a:p>
+          <a:p>
+            <a:pPr marL="0" indent="0">
+              <a:buNone/>
+            </a:pPr>
+            <a:r>
+              <a:rPr kumimoji="1" lang="ja-JP" altLang="en-US" sz="2400" dirty="0"/>
+              <a:t>・決まっているが複雑で面倒な構成作業を自動化してくれるのが</a:t>
+            </a:r>
+            <a:r>
+              <a:rPr kumimoji="1" lang="en-US" altLang="ja-JP" sz="2400" b="1" dirty="0">
+                <a:solidFill>
+                  <a:srgbClr val="FF0000"/>
+                </a:solidFill>
+              </a:rPr>
+              <a:t>IT</a:t>
+            </a:r>
+            <a:r>
+              <a:rPr kumimoji="1" lang="ja-JP" altLang="en-US" sz="2400" b="1" dirty="0">
+                <a:solidFill>
+                  <a:srgbClr val="FF0000"/>
+                </a:solidFill>
+              </a:rPr>
+              <a:t>自動化ツール</a:t>
+            </a:r>
+            <a:endParaRPr kumimoji="1" lang="en-US" altLang="ja-JP" sz="2400" dirty="0"/>
+          </a:p>
+          <a:p>
+            <a:pPr marL="0" indent="0">
+              <a:buNone/>
+            </a:pPr>
+            <a:r>
+              <a:rPr kumimoji="1" lang="ja-JP" altLang="en-US" sz="2400" dirty="0"/>
+              <a:t>　⇒</a:t>
+            </a:r>
+            <a:r>
+              <a:rPr kumimoji="1" lang="en-US" altLang="ja-JP" sz="2400" dirty="0"/>
+              <a:t>Ansible</a:t>
+            </a:r>
+            <a:r>
+              <a:rPr kumimoji="1" lang="ja-JP" altLang="en-US" sz="2400" dirty="0"/>
+              <a:t>はその一つ</a:t>
+            </a:r>
+            <a:endParaRPr kumimoji="1" lang="en-US" altLang="ja-JP" sz="2400" dirty="0"/>
+          </a:p>
+          <a:p>
+            <a:pPr marL="0" indent="0">
+              <a:buNone/>
+            </a:pPr>
+            <a:r>
+              <a:rPr kumimoji="1" lang="ja-JP" altLang="en-US" sz="2400" dirty="0"/>
+              <a:t>　　　</a:t>
+            </a:r>
+            <a:endParaRPr kumimoji="1" lang="en-US" altLang="ja-JP" sz="2400" dirty="0"/>
+          </a:p>
+          <a:p>
+            <a:pPr marL="0" indent="0">
+              <a:buNone/>
+            </a:pPr>
+            <a:r>
+              <a:rPr kumimoji="1" lang="ja-JP" altLang="en-US" sz="2400" dirty="0"/>
+              <a:t>　　</a:t>
+            </a:r>
+            <a:endParaRPr kumimoji="1" lang="en-US" altLang="ja-JP" sz="2400" dirty="0"/>
+          </a:p>
+        </p:txBody>
+      </p:sp>
+    </p:spTree>
+    <p:extLst>
+      <p:ext uri="{BB962C8B-B14F-4D97-AF65-F5344CB8AC3E}">
+        <p14:creationId xmlns:p14="http://schemas.microsoft.com/office/powerpoint/2010/main" val="957997193"/>
+      </p:ext>
+    </p:extLst>
+  </p:cSld>
+  <p:clrMapOvr>
+    <a:masterClrMapping/>
+  </p:clrMapOvr>
+</p:sld>
+</file>
+
+<file path=ppt/slides/slide7.xml><?xml version="1.0" encoding="utf-8"?>
+<p:sld xmlns:a="http://schemas.openxmlformats.org/drawingml/2006/main" xmlns:r="http://schemas.openxmlformats.org/officeDocument/2006/relationships" xmlns:p="http://schemas.openxmlformats.org/presentationml/2006/main">
+  <p:cSld>
+    <p:spTree>
+      <p:nvGrpSpPr>
+        <p:cNvPr id="1" name=""/>
+        <p:cNvGrpSpPr/>
+        <p:nvPr/>
+      </p:nvGrpSpPr>
+      <p:grpSpPr>
+        <a:xfrm>
+          <a:off x="0" y="0"/>
+          <a:ext cx="0" cy="0"/>
+          <a:chOff x="0" y="0"/>
+          <a:chExt cx="0" cy="0"/>
+        </a:xfrm>
+      </p:grpSpPr>
+      <p:sp>
+        <p:nvSpPr>
+          <p:cNvPr id="2" name="タイトル 1">
+            <a:extLst>
+              <a:ext uri="{FF2B5EF4-FFF2-40B4-BE49-F238E27FC236}">
+                <a16:creationId xmlns:a16="http://schemas.microsoft.com/office/drawing/2014/main" id="{375320BF-43D3-4AB2-9ED9-596839F1E352}"/>
+              </a:ext>
+            </a:extLst>
+          </p:cNvPr>
+          <p:cNvSpPr>
+            <a:spLocks noGrp="1"/>
+          </p:cNvSpPr>
+          <p:nvPr>
+            <p:ph type="title"/>
+          </p:nvPr>
+        </p:nvSpPr>
+        <p:spPr/>
+        <p:txBody>
+          <a:bodyPr>
+            <a:normAutofit fontScale="90000"/>
+          </a:bodyPr>
+          <a:lstStyle/>
+          <a:p>
+            <a:r>
+              <a:rPr kumimoji="1" lang="en-US" altLang="ja-JP" dirty="0"/>
+              <a:t>Ansible</a:t>
+            </a:r>
+            <a:r>
+              <a:rPr kumimoji="1" lang="ja-JP" altLang="en-US" dirty="0"/>
+              <a:t>とは</a:t>
+            </a:r>
+          </a:p>
+        </p:txBody>
+      </p:sp>
+      <p:sp>
+        <p:nvSpPr>
+          <p:cNvPr id="3" name="テキスト プレースホルダー 2">
+            <a:extLst>
+              <a:ext uri="{FF2B5EF4-FFF2-40B4-BE49-F238E27FC236}">
+                <a16:creationId xmlns:a16="http://schemas.microsoft.com/office/drawing/2014/main" id="{29BF031A-AEAA-42B7-997E-73DB24388A4D}"/>
+              </a:ext>
+            </a:extLst>
+          </p:cNvPr>
+          <p:cNvSpPr>
+            <a:spLocks noGrp="1"/>
+          </p:cNvSpPr>
+          <p:nvPr>
+            <p:ph type="body" sz="quarter" idx="10"/>
+          </p:nvPr>
+        </p:nvSpPr>
+        <p:spPr>
+          <a:xfrm>
+            <a:off x="222885" y="1015682"/>
+            <a:ext cx="11826875" cy="5700711"/>
+          </a:xfrm>
+        </p:spPr>
+        <p:txBody>
+          <a:bodyPr/>
+          <a:lstStyle/>
+          <a:p>
+            <a:pPr marL="0" indent="0">
+              <a:buNone/>
+            </a:pPr>
+            <a:r>
+              <a:rPr kumimoji="1" lang="ja-JP" altLang="en-US" sz="2400" dirty="0"/>
+              <a:t>・</a:t>
+            </a:r>
+            <a:r>
+              <a:rPr kumimoji="1" lang="en-US" altLang="ja-JP" sz="2400" dirty="0"/>
+              <a:t>IT</a:t>
+            </a:r>
+            <a:r>
+              <a:rPr kumimoji="1" lang="ja-JP" altLang="en-US" sz="2400" dirty="0"/>
+              <a:t>自動化ツールの中でも、単純かつ使いやすいことを目標としたツール</a:t>
+            </a:r>
+            <a:endParaRPr kumimoji="1" lang="en-US" altLang="ja-JP" sz="2400" dirty="0"/>
+          </a:p>
+          <a:p>
+            <a:pPr marL="0" indent="0">
+              <a:buNone/>
+            </a:pPr>
+            <a:endParaRPr kumimoji="1" lang="en-US" altLang="ja-JP" sz="2400" dirty="0"/>
+          </a:p>
+          <a:p>
+            <a:pPr marL="0" indent="0">
+              <a:buNone/>
+            </a:pPr>
+            <a:r>
+              <a:rPr kumimoji="1" lang="ja-JP" altLang="en-US" sz="2400" dirty="0"/>
+              <a:t>・開発者、システム管理者、</a:t>
+            </a:r>
+            <a:r>
+              <a:rPr kumimoji="1" lang="en-US" altLang="ja-JP" sz="2400" dirty="0"/>
+              <a:t>IT</a:t>
+            </a:r>
+            <a:r>
+              <a:rPr kumimoji="1" lang="ja-JP" altLang="en-US" sz="2400" dirty="0"/>
+              <a:t>マネージャーなどのあらゆる分野のユーザーが</a:t>
+            </a:r>
+            <a:endParaRPr kumimoji="1" lang="en-US" altLang="ja-JP" sz="2400" dirty="0"/>
+          </a:p>
+          <a:p>
+            <a:pPr marL="0" indent="0">
+              <a:buNone/>
+            </a:pPr>
+            <a:r>
+              <a:rPr kumimoji="1" lang="ja-JP" altLang="en-US" sz="2400" dirty="0"/>
+              <a:t>　使いやすいように設計されている</a:t>
+            </a:r>
+            <a:endParaRPr kumimoji="1" lang="en-US" altLang="ja-JP" sz="2400" dirty="0"/>
+          </a:p>
+          <a:p>
+            <a:pPr marL="0" indent="0">
+              <a:buNone/>
+            </a:pPr>
+            <a:endParaRPr kumimoji="1" lang="en-US" altLang="ja-JP" sz="2400" dirty="0"/>
+          </a:p>
+          <a:p>
+            <a:pPr marL="0" indent="0">
+              <a:buNone/>
+            </a:pPr>
+            <a:r>
+              <a:rPr kumimoji="1" lang="ja-JP" altLang="en-US" sz="2400" dirty="0"/>
+              <a:t>・一般的にはサーバーが対象だが、仮想環境・ネットワーク機器などにも対応可能</a:t>
+            </a:r>
+            <a:endParaRPr kumimoji="1" lang="en-US" altLang="ja-JP" sz="2400" dirty="0"/>
+          </a:p>
+          <a:p>
+            <a:pPr marL="0" indent="0">
+              <a:buNone/>
+            </a:pPr>
+            <a:endParaRPr kumimoji="1" lang="en-US" altLang="ja-JP" sz="2400" dirty="0"/>
+          </a:p>
+        </p:txBody>
+      </p:sp>
+    </p:spTree>
+    <p:extLst>
+      <p:ext uri="{BB962C8B-B14F-4D97-AF65-F5344CB8AC3E}">
+        <p14:creationId xmlns:p14="http://schemas.microsoft.com/office/powerpoint/2010/main" val="1206977585"/>
+      </p:ext>
+    </p:extLst>
+  </p:cSld>
+  <p:clrMapOvr>
+    <a:masterClrMapping/>
+  </p:clrMapOvr>
+</p:sld>
+</file>
+
+<file path=ppt/slides/slide8.xml><?xml version="1.0" encoding="utf-8"?>
+<p:sld xmlns:a="http://schemas.openxmlformats.org/drawingml/2006/main" xmlns:r="http://schemas.openxmlformats.org/officeDocument/2006/relationships" xmlns:p="http://schemas.openxmlformats.org/presentationml/2006/main">
+  <p:cSld>
+    <p:spTree>
+      <p:nvGrpSpPr>
+        <p:cNvPr id="1" name=""/>
+        <p:cNvGrpSpPr/>
+        <p:nvPr/>
+      </p:nvGrpSpPr>
+      <p:grpSpPr>
+        <a:xfrm>
+          <a:off x="0" y="0"/>
+          <a:ext cx="0" cy="0"/>
+          <a:chOff x="0" y="0"/>
+          <a:chExt cx="0" cy="0"/>
+        </a:xfrm>
+      </p:grpSpPr>
+      <p:sp>
+        <p:nvSpPr>
+          <p:cNvPr id="2" name="タイトル 1">
+            <a:extLst>
+              <a:ext uri="{FF2B5EF4-FFF2-40B4-BE49-F238E27FC236}">
+                <a16:creationId xmlns:a16="http://schemas.microsoft.com/office/drawing/2014/main" id="{2B4D749E-4C59-413D-91B2-FDAD3F48B4EC}"/>
+              </a:ext>
+            </a:extLst>
+          </p:cNvPr>
+          <p:cNvSpPr>
+            <a:spLocks noGrp="1"/>
+          </p:cNvSpPr>
+          <p:nvPr>
+            <p:ph type="title"/>
+          </p:nvPr>
+        </p:nvSpPr>
+        <p:spPr/>
+        <p:txBody>
+          <a:bodyPr/>
+          <a:lstStyle/>
+          <a:p>
+            <a:r>
+              <a:rPr kumimoji="1" lang="en-US" altLang="ja-JP" dirty="0"/>
+              <a:t>3.Ansible</a:t>
+            </a:r>
+            <a:r>
+              <a:rPr kumimoji="1" lang="ja-JP" altLang="en-US" dirty="0"/>
+              <a:t>の基本</a:t>
+            </a:r>
+          </a:p>
+        </p:txBody>
+      </p:sp>
+    </p:spTree>
+    <p:extLst>
+      <p:ext uri="{BB962C8B-B14F-4D97-AF65-F5344CB8AC3E}">
+        <p14:creationId xmlns:p14="http://schemas.microsoft.com/office/powerpoint/2010/main" val="1845715005"/>
+      </p:ext>
+    </p:extLst>
+  </p:cSld>
+  <p:clrMapOvr>
+    <a:masterClrMapping/>
+  </p:clrMapOvr>
+</p:sld>
+</file>
+
+<file path=ppt/slides/slide9.xml><?xml version="1.0" encoding="utf-8"?>
+<p:sld xmlns:a="http://schemas.openxmlformats.org/drawingml/2006/main" xmlns:r="http://schemas.openxmlformats.org/officeDocument/2006/relationships" xmlns:p="http://schemas.openxmlformats.org/presentationml/2006/main">
+  <p:cSld>
+    <p:spTree>
+      <p:nvGrpSpPr>
+        <p:cNvPr id="1" name=""/>
+        <p:cNvGrpSpPr/>
+        <p:nvPr/>
+      </p:nvGrpSpPr>
+      <p:grpSpPr>
+        <a:xfrm>
+          <a:off x="0" y="0"/>
+          <a:ext cx="0" cy="0"/>
+          <a:chOff x="0" y="0"/>
+          <a:chExt cx="0" cy="0"/>
+        </a:xfrm>
+      </p:grpSpPr>
+      <p:sp>
+        <p:nvSpPr>
+          <p:cNvPr id="2" name="タイトル 1">
+            <a:extLst>
+              <a:ext uri="{FF2B5EF4-FFF2-40B4-BE49-F238E27FC236}">
+                <a16:creationId xmlns:a16="http://schemas.microsoft.com/office/drawing/2014/main" id="{375320BF-43D3-4AB2-9ED9-596839F1E352}"/>
+              </a:ext>
+            </a:extLst>
+          </p:cNvPr>
+          <p:cNvSpPr>
+            <a:spLocks noGrp="1"/>
+          </p:cNvSpPr>
+          <p:nvPr>
+            <p:ph type="title"/>
+          </p:nvPr>
+        </p:nvSpPr>
+        <p:spPr/>
+        <p:txBody>
+          <a:bodyPr>
+            <a:normAutofit fontScale="90000"/>
+          </a:bodyPr>
+          <a:lstStyle/>
+          <a:p>
+            <a:r>
+              <a:rPr kumimoji="1" lang="en-US" altLang="ja-JP" dirty="0"/>
+              <a:t>Ansible</a:t>
+            </a:r>
+            <a:r>
+              <a:rPr kumimoji="1" lang="ja-JP" altLang="en-US" dirty="0"/>
+              <a:t>の概要</a:t>
+            </a:r>
+          </a:p>
+        </p:txBody>
+      </p:sp>
+      <p:sp>
+        <p:nvSpPr>
+          <p:cNvPr id="3" name="テキスト プレースホルダー 2">
+            <a:extLst>
+              <a:ext uri="{FF2B5EF4-FFF2-40B4-BE49-F238E27FC236}">
+                <a16:creationId xmlns:a16="http://schemas.microsoft.com/office/drawing/2014/main" id="{29BF031A-AEAA-42B7-997E-73DB24388A4D}"/>
+              </a:ext>
+            </a:extLst>
+          </p:cNvPr>
+          <p:cNvSpPr>
+            <a:spLocks noGrp="1"/>
+          </p:cNvSpPr>
+          <p:nvPr>
+            <p:ph type="body" sz="quarter" idx="10"/>
+          </p:nvPr>
+        </p:nvSpPr>
+        <p:spPr>
+          <a:xfrm>
+            <a:off x="222885" y="1015682"/>
+            <a:ext cx="11826875" cy="5700711"/>
+          </a:xfrm>
+        </p:spPr>
+        <p:txBody>
+          <a:bodyPr/>
+          <a:lstStyle/>
+          <a:p>
+            <a:r>
+              <a:rPr kumimoji="1" lang="ja-JP" altLang="en-US" sz="2400" dirty="0"/>
+              <a:t>動作環境：実行側には、</a:t>
+            </a:r>
+            <a:r>
+              <a:rPr kumimoji="1" lang="en-US" altLang="ja-JP" sz="2400" dirty="0"/>
+              <a:t>Python 2 (</a:t>
+            </a:r>
+            <a:r>
+              <a:rPr kumimoji="1" lang="ja-JP" altLang="en-US" sz="2400" dirty="0"/>
+              <a:t>バージョン </a:t>
+            </a:r>
+            <a:r>
+              <a:rPr kumimoji="1" lang="en-US" altLang="ja-JP" sz="2400" dirty="0"/>
+              <a:t>2.7) </a:t>
+            </a:r>
+            <a:r>
+              <a:rPr kumimoji="1" lang="ja-JP" altLang="en-US" sz="2400" dirty="0"/>
+              <a:t>または </a:t>
+            </a:r>
+            <a:r>
+              <a:rPr kumimoji="1" lang="en-US" altLang="ja-JP" sz="2400" dirty="0"/>
+              <a:t>Python 3 (</a:t>
+            </a:r>
+            <a:r>
+              <a:rPr kumimoji="1" lang="ja-JP" altLang="en-US" sz="2400" dirty="0"/>
+              <a:t>バージョン </a:t>
+            </a:r>
+            <a:r>
+              <a:rPr kumimoji="1" lang="en-US" altLang="ja-JP" sz="2400" dirty="0"/>
+              <a:t>3.5 </a:t>
+            </a:r>
+            <a:r>
+              <a:rPr kumimoji="1" lang="ja-JP" altLang="en-US" sz="2400" dirty="0"/>
+              <a:t>以上</a:t>
+            </a:r>
+            <a:r>
+              <a:rPr kumimoji="1" lang="en-US" altLang="ja-JP" sz="2400" dirty="0"/>
+              <a:t>) </a:t>
+            </a:r>
+            <a:r>
+              <a:rPr kumimoji="1" lang="ja-JP" altLang="en-US" sz="2400" dirty="0"/>
+              <a:t>がインストールされていればどのマシンからでも実行可能</a:t>
+            </a:r>
+            <a:r>
+              <a:rPr kumimoji="1" lang="en-US" altLang="ja-JP" sz="2400" dirty="0"/>
+              <a:t>(</a:t>
+            </a:r>
+            <a:r>
+              <a:rPr kumimoji="1" lang="ja-JP" altLang="en-US" sz="2400" dirty="0"/>
+              <a:t>ただし、</a:t>
+            </a:r>
+            <a:r>
+              <a:rPr kumimoji="1" lang="en-US" altLang="ja-JP" sz="2400" dirty="0"/>
+              <a:t>Windows</a:t>
+            </a:r>
+            <a:r>
+              <a:rPr kumimoji="1" lang="ja-JP" altLang="en-US" sz="2400" dirty="0"/>
+              <a:t>はサポートがないので注意</a:t>
+            </a:r>
+            <a:r>
+              <a:rPr kumimoji="1" lang="en-US" altLang="ja-JP" sz="2400" dirty="0"/>
+              <a:t>)</a:t>
+            </a:r>
+            <a:r>
+              <a:rPr kumimoji="1" lang="ja-JP" altLang="en-US" sz="2400" dirty="0"/>
+              <a:t>。また、処理対象側にも</a:t>
+            </a:r>
+            <a:r>
+              <a:rPr kumimoji="1" lang="en-US" altLang="ja-JP" sz="2400" dirty="0"/>
+              <a:t>Python 2 (</a:t>
+            </a:r>
+            <a:r>
+              <a:rPr kumimoji="1" lang="ja-JP" altLang="en-US" sz="2400" dirty="0"/>
+              <a:t>バージョン </a:t>
+            </a:r>
+            <a:r>
+              <a:rPr kumimoji="1" lang="en-US" altLang="ja-JP" sz="2400" dirty="0"/>
+              <a:t>2.6</a:t>
+            </a:r>
+            <a:r>
+              <a:rPr kumimoji="1" lang="ja-JP" altLang="en-US" sz="2400" dirty="0"/>
+              <a:t>以降</a:t>
+            </a:r>
+            <a:r>
+              <a:rPr kumimoji="1" lang="en-US" altLang="ja-JP" sz="2400" dirty="0"/>
+              <a:t>) </a:t>
+            </a:r>
+            <a:r>
+              <a:rPr kumimoji="1" lang="ja-JP" altLang="en-US" sz="2400" dirty="0"/>
+              <a:t>または </a:t>
+            </a:r>
+            <a:r>
+              <a:rPr kumimoji="1" lang="en-US" altLang="ja-JP" sz="2400" dirty="0"/>
+              <a:t>Python 3 (</a:t>
+            </a:r>
+            <a:r>
+              <a:rPr kumimoji="1" lang="ja-JP" altLang="en-US" sz="2400" dirty="0"/>
+              <a:t>バージョン </a:t>
+            </a:r>
+            <a:r>
+              <a:rPr kumimoji="1" lang="en-US" altLang="ja-JP" sz="2400" dirty="0"/>
+              <a:t>3.5 </a:t>
+            </a:r>
+            <a:r>
+              <a:rPr kumimoji="1" lang="ja-JP" altLang="en-US" sz="2400" dirty="0"/>
+              <a:t>以降</a:t>
+            </a:r>
+            <a:r>
+              <a:rPr kumimoji="1" lang="en-US" altLang="ja-JP" sz="2400" dirty="0"/>
+              <a:t>)</a:t>
+            </a:r>
+            <a:r>
+              <a:rPr kumimoji="1" lang="ja-JP" altLang="en-US" sz="2400" dirty="0"/>
+              <a:t>が必要</a:t>
+            </a:r>
+            <a:r>
+              <a:rPr kumimoji="1" lang="en-US" altLang="ja-JP" sz="2400" dirty="0"/>
+              <a:t> </a:t>
+            </a:r>
+          </a:p>
+          <a:p>
+            <a:endParaRPr kumimoji="1" lang="en-US" altLang="ja-JP" sz="2400" dirty="0"/>
+          </a:p>
+          <a:p>
+            <a:r>
+              <a:rPr kumimoji="1" lang="ja-JP" altLang="en-US" sz="2400" dirty="0"/>
+              <a:t>定義ファイル書式：</a:t>
+            </a:r>
+            <a:r>
+              <a:rPr kumimoji="1" lang="en-US" altLang="ja-JP" sz="2400" dirty="0"/>
+              <a:t>YAML</a:t>
+            </a:r>
+            <a:r>
+              <a:rPr kumimoji="1" lang="ja-JP" altLang="en-US" sz="2400" dirty="0"/>
+              <a:t>で記述、インベントリファイル</a:t>
+            </a:r>
+            <a:r>
+              <a:rPr kumimoji="1" lang="en-US" altLang="ja-JP" sz="2400" dirty="0"/>
+              <a:t>(</a:t>
+            </a:r>
+            <a:r>
+              <a:rPr kumimoji="1" lang="ja-JP" altLang="en-US" sz="2400" dirty="0"/>
+              <a:t>機器一覧表</a:t>
+            </a:r>
+            <a:r>
+              <a:rPr kumimoji="1" lang="en-US" altLang="ja-JP" sz="2400" dirty="0"/>
+              <a:t>)</a:t>
+            </a:r>
+            <a:r>
+              <a:rPr kumimoji="1" lang="ja-JP" altLang="en-US" sz="2400" dirty="0"/>
+              <a:t>に関しては</a:t>
+            </a:r>
+            <a:r>
+              <a:rPr kumimoji="1" lang="en-US" altLang="ja-JP" sz="2400" dirty="0" err="1"/>
+              <a:t>ini</a:t>
+            </a:r>
+            <a:r>
+              <a:rPr kumimoji="1" lang="ja-JP" altLang="en-US" sz="2400" dirty="0"/>
+              <a:t>形式で記述可能</a:t>
+            </a:r>
+            <a:endParaRPr kumimoji="1" lang="en-US" altLang="ja-JP" sz="2400" dirty="0"/>
+          </a:p>
+          <a:p>
+            <a:endParaRPr kumimoji="1" lang="en-US" altLang="ja-JP" sz="2400" dirty="0"/>
+          </a:p>
+          <a:p>
+            <a:r>
+              <a:rPr kumimoji="1" lang="ja-JP" altLang="en-US" sz="2400" dirty="0"/>
+              <a:t>処理対象へのエージェントのインストール：不要、実行側に</a:t>
+            </a:r>
+            <a:r>
+              <a:rPr kumimoji="1" lang="en-US" altLang="ja-JP" sz="2400" dirty="0"/>
+              <a:t>Ansible</a:t>
+            </a:r>
+            <a:r>
+              <a:rPr kumimoji="1" lang="ja-JP" altLang="en-US" sz="2400" dirty="0"/>
+              <a:t>をインストールすれば使用可能</a:t>
+            </a:r>
+            <a:endParaRPr kumimoji="1" lang="en-US" altLang="ja-JP" sz="2400" dirty="0"/>
+          </a:p>
+          <a:p>
+            <a:pPr marL="0" indent="0">
+              <a:buNone/>
+            </a:pPr>
+            <a:endParaRPr kumimoji="1" lang="en-US" altLang="ja-JP" sz="2400" dirty="0"/>
+          </a:p>
+          <a:p>
+            <a:r>
+              <a:rPr kumimoji="1" lang="ja-JP" altLang="en-US" sz="2400" dirty="0"/>
+              <a:t>冪等性：処理を何回実行しても実行結果が変わらない、</a:t>
+            </a:r>
+            <a:r>
+              <a:rPr kumimoji="1" lang="en-US" altLang="ja-JP" sz="2400" dirty="0"/>
+              <a:t>Ansible</a:t>
+            </a:r>
+            <a:r>
+              <a:rPr kumimoji="1" lang="ja-JP" altLang="en-US" sz="2400" dirty="0"/>
+              <a:t>は実行時にその処理が実行済みかどうか確認して未実行であれば実行する</a:t>
+            </a:r>
+            <a:endParaRPr kumimoji="1" lang="en-US" altLang="ja-JP" sz="2400" dirty="0"/>
+          </a:p>
+        </p:txBody>
+      </p:sp>
+    </p:spTree>
+    <p:extLst>
+      <p:ext uri="{BB962C8B-B14F-4D97-AF65-F5344CB8AC3E}">
+        <p14:creationId xmlns:p14="http://schemas.microsoft.com/office/powerpoint/2010/main" val="3286607046"/>
       </p:ext>
     </p:extLst>
   </p:cSld>
@@ -8310,6 +8363,15 @@
 </file>
 
 <file path=customXml/item1.xml><?xml version="1.0" encoding="utf-8"?>
+<?mso-contentType ?>
+<FormTemplates xmlns="http://schemas.microsoft.com/sharepoint/v3/contenttype/forms">
+  <Display>DocumentLibraryForm</Display>
+  <Edit>DocumentLibraryForm</Edit>
+  <New>DocumentLibraryForm</New>
+</FormTemplates>
+</file>
+
+<file path=customXml/item2.xml><?xml version="1.0" encoding="utf-8"?>
 <p:properties xmlns:p="http://schemas.microsoft.com/office/2006/metadata/properties" xmlns:xsi="http://www.w3.org/2001/XMLSchema-instance" xmlns:pc="http://schemas.microsoft.com/office/infopath/2007/PartnerControls">
   <documentManagement>
     <SharedWithUsers xmlns="dda6833c-0046-4f8f-9c83-6e1ad4a6ae00">
@@ -8321,15 +8383,6 @@
     </SharedWithUsers>
   </documentManagement>
 </p:properties>
-</file>
-
-<file path=customXml/item2.xml><?xml version="1.0" encoding="utf-8"?>
-<?mso-contentType ?>
-<FormTemplates xmlns="http://schemas.microsoft.com/sharepoint/v3/contenttype/forms">
-  <Display>DocumentLibraryForm</Display>
-  <Edit>DocumentLibraryForm</Edit>
-  <New>DocumentLibraryForm</New>
-</FormTemplates>
 </file>
 
 <file path=customXml/item3.xml><?xml version="1.0" encoding="utf-8"?>
@@ -8512,19 +8565,19 @@
 </file>
 
 <file path=customXml/itemProps1.xml><?xml version="1.0" encoding="utf-8"?>
+<ds:datastoreItem xmlns:ds="http://schemas.openxmlformats.org/officeDocument/2006/customXml" ds:itemID="{AA5A7698-7A98-4CC4-9FFF-A34D3B1004C6}">
+  <ds:schemaRefs>
+    <ds:schemaRef ds:uri="http://schemas.microsoft.com/sharepoint/v3/contenttype/forms"/>
+  </ds:schemaRefs>
+</ds:datastoreItem>
+</file>
+
+<file path=customXml/itemProps2.xml><?xml version="1.0" encoding="utf-8"?>
 <ds:datastoreItem xmlns:ds="http://schemas.openxmlformats.org/officeDocument/2006/customXml" ds:itemID="{AFD2C487-7431-40FA-A912-1148C9736568}">
   <ds:schemaRefs>
     <ds:schemaRef ds:uri="http://schemas.microsoft.com/office/2006/metadata/properties"/>
     <ds:schemaRef ds:uri="http://schemas.microsoft.com/office/infopath/2007/PartnerControls"/>
     <ds:schemaRef ds:uri="dda6833c-0046-4f8f-9c83-6e1ad4a6ae00"/>
-  </ds:schemaRefs>
-</ds:datastoreItem>
-</file>
-
-<file path=customXml/itemProps2.xml><?xml version="1.0" encoding="utf-8"?>
-<ds:datastoreItem xmlns:ds="http://schemas.openxmlformats.org/officeDocument/2006/customXml" ds:itemID="{AA5A7698-7A98-4CC4-9FFF-A34D3B1004C6}">
-  <ds:schemaRefs>
-    <ds:schemaRef ds:uri="http://schemas.microsoft.com/sharepoint/v3/contenttype/forms"/>
   </ds:schemaRefs>
 </ds:datastoreItem>
 </file>

--- a/20240524/Ansibleについて知ろう.pptx
+++ b/20240524/Ansibleについて知ろう.pptx
@@ -1230,7 +1230,7 @@
           <a:p>
             <a:fld id="{B5C59BA4-7C1B-4DE2-B397-F366871A932A}" type="datetimeFigureOut">
               <a:rPr kumimoji="1" lang="ja-JP" altLang="en-US" smtClean="0"/>
-              <a:t>2024/5/18</a:t>
+              <a:t>2024/5/21</a:t>
             </a:fld>
             <a:endParaRPr kumimoji="1" lang="ja-JP" altLang="en-US"/>
           </a:p>
@@ -4846,18 +4846,24 @@
           <a:p>
             <a:r>
               <a:rPr kumimoji="1" lang="ja-JP" altLang="en-US" sz="2400" dirty="0"/>
+              <a:t>モジュールにどのような引数を与えるかで処理を決定する箇所</a:t>
+            </a:r>
+            <a:endParaRPr kumimoji="1" lang="en-US" altLang="ja-JP" sz="2400" dirty="0"/>
+          </a:p>
+          <a:p>
+            <a:endParaRPr kumimoji="1" lang="en-US" altLang="ja-JP" sz="2400" dirty="0"/>
+          </a:p>
+          <a:p>
+            <a:r>
+              <a:rPr kumimoji="1" lang="ja-JP" altLang="en-US" sz="2400" dirty="0"/>
               <a:t>固有の「タスク名」を設定する</a:t>
             </a:r>
             <a:endParaRPr kumimoji="1" lang="en-US" altLang="ja-JP" sz="2400" dirty="0"/>
           </a:p>
           <a:p>
-            <a:endParaRPr kumimoji="1" lang="en-US" altLang="ja-JP" sz="2400" dirty="0"/>
-          </a:p>
-          <a:p>
-            <a:r>
-              <a:rPr kumimoji="1" lang="ja-JP" altLang="en-US" sz="2400" dirty="0"/>
-              <a:t>タスクを組み合わせて処理を作成する</a:t>
-            </a:r>
+            <a:pPr marL="0" indent="0">
+              <a:buNone/>
+            </a:pPr>
             <a:endParaRPr kumimoji="1" lang="en-US" altLang="ja-JP" sz="2400" dirty="0"/>
           </a:p>
           <a:p>
@@ -5088,8 +5094,8 @@
         </p:nvSpPr>
         <p:spPr>
           <a:xfrm>
-            <a:off x="222885" y="1015683"/>
-            <a:ext cx="11826875" cy="1487372"/>
+            <a:off x="222885" y="1015682"/>
+            <a:ext cx="11826875" cy="1649615"/>
           </a:xfrm>
         </p:spPr>
         <p:txBody>
@@ -5098,7 +5104,7 @@
           <a:p>
             <a:r>
               <a:rPr kumimoji="1" lang="ja-JP" altLang="en-US" sz="2400" dirty="0"/>
-              <a:t>タスクを処理の順番に並べ、対象の管理対象ノード、変数などを追加したもの</a:t>
+              <a:t>タスクを処理の順番に並べ、対象の管理対象ノード、変数などを設定した処理のひとかたまりで、上から処理を実行する</a:t>
             </a:r>
             <a:endParaRPr kumimoji="1" lang="en-US" altLang="ja-JP" sz="2400" dirty="0"/>
           </a:p>
@@ -5138,8 +5144,8 @@
         </p:nvSpPr>
         <p:spPr>
           <a:xfrm>
-            <a:off x="4133272" y="2589713"/>
-            <a:ext cx="3925455" cy="4126681"/>
+            <a:off x="4133268" y="2669127"/>
+            <a:ext cx="3925455" cy="3732429"/>
           </a:xfrm>
           <a:prstGeom prst="rect">
             <a:avLst/>
@@ -8575,9 +8581,16 @@
 <file path=customXml/itemProps2.xml><?xml version="1.0" encoding="utf-8"?>
 <ds:datastoreItem xmlns:ds="http://schemas.openxmlformats.org/officeDocument/2006/customXml" ds:itemID="{AFD2C487-7431-40FA-A912-1148C9736568}">
   <ds:schemaRefs>
+    <ds:schemaRef ds:uri="http://schemas.microsoft.com/office/2006/documentManagement/types"/>
+    <ds:schemaRef ds:uri="http://schemas.openxmlformats.org/package/2006/metadata/core-properties"/>
+    <ds:schemaRef ds:uri="http://purl.org/dc/dcmitype/"/>
+    <ds:schemaRef ds:uri="http://purl.org/dc/terms/"/>
+    <ds:schemaRef ds:uri="http://purl.org/dc/elements/1.1/"/>
     <ds:schemaRef ds:uri="http://schemas.microsoft.com/office/2006/metadata/properties"/>
+    <ds:schemaRef ds:uri="275fa786-70a4-42a6-bf18-fe8d89b802cf"/>
     <ds:schemaRef ds:uri="http://schemas.microsoft.com/office/infopath/2007/PartnerControls"/>
     <ds:schemaRef ds:uri="dda6833c-0046-4f8f-9c83-6e1ad4a6ae00"/>
+    <ds:schemaRef ds:uri="http://www.w3.org/XML/1998/namespace"/>
   </ds:schemaRefs>
 </ds:datastoreItem>
 </file>
